--- a/ECML-2024/Slides/part1_introduction.pptx
+++ b/ECML-2024/Slides/part1_introduction.pptx
@@ -5,19 +5,18 @@
     <p:sldMasterId id="2147483648" r:id="rId1"/>
   </p:sldMasterIdLst>
   <p:notesMasterIdLst>
-    <p:notesMasterId r:id="rId12"/>
+    <p:notesMasterId r:id="rId11"/>
   </p:notesMasterIdLst>
   <p:sldIdLst>
     <p:sldId id="256" r:id="rId2"/>
     <p:sldId id="2544" r:id="rId3"/>
-    <p:sldId id="513" r:id="rId4"/>
-    <p:sldId id="534" r:id="rId5"/>
-    <p:sldId id="361" r:id="rId6"/>
-    <p:sldId id="2540" r:id="rId7"/>
-    <p:sldId id="2541" r:id="rId8"/>
-    <p:sldId id="2542" r:id="rId9"/>
-    <p:sldId id="2539" r:id="rId10"/>
-    <p:sldId id="2543" r:id="rId11"/>
+    <p:sldId id="534" r:id="rId4"/>
+    <p:sldId id="361" r:id="rId5"/>
+    <p:sldId id="2540" r:id="rId6"/>
+    <p:sldId id="2541" r:id="rId7"/>
+    <p:sldId id="2542" r:id="rId8"/>
+    <p:sldId id="2539" r:id="rId9"/>
+    <p:sldId id="2543" r:id="rId10"/>
   </p:sldIdLst>
   <p:sldSz cx="12192000" cy="6858000"/>
   <p:notesSz cx="6858000" cy="9144000"/>
@@ -2764,7 +2763,7 @@
           <a:p>
             <a:fld id="{A208CC58-AEBA-4B81-AD4F-648E402612BD}" type="datetimeFigureOut">
               <a:rPr lang="en-GB" smtClean="0"/>
-              <a:t>05/09/2024</a:t>
+              <a:t>07/09/2024</a:t>
             </a:fld>
             <a:endParaRPr lang="en-GB"/>
           </a:p>
@@ -3076,67 +3075,6 @@
           <a:bodyPr/>
           <a:lstStyle/>
           <a:p>
-            <a:endParaRPr lang="en-GB" dirty="0"/>
-          </a:p>
-        </p:txBody>
-      </p:sp>
-    </p:spTree>
-    <p:extLst>
-      <p:ext uri="{BB962C8B-B14F-4D97-AF65-F5344CB8AC3E}">
-        <p14:creationId xmlns:p14="http://schemas.microsoft.com/office/powerpoint/2010/main" val="2897085129"/>
-      </p:ext>
-    </p:extLst>
-  </p:cSld>
-  <p:clrMapOvr>
-    <a:masterClrMapping/>
-  </p:clrMapOvr>
-</p:notes>
-</file>
-
-<file path=ppt/notesSlides/notesSlide2.xml><?xml version="1.0" encoding="utf-8"?>
-<p:notes xmlns:a="http://schemas.openxmlformats.org/drawingml/2006/main" xmlns:r="http://schemas.openxmlformats.org/officeDocument/2006/relationships" xmlns:p="http://schemas.openxmlformats.org/presentationml/2006/main">
-  <p:cSld>
-    <p:spTree>
-      <p:nvGrpSpPr>
-        <p:cNvPr id="1" name=""/>
-        <p:cNvGrpSpPr/>
-        <p:nvPr/>
-      </p:nvGrpSpPr>
-      <p:grpSpPr>
-        <a:xfrm>
-          <a:off x="0" y="0"/>
-          <a:ext cx="0" cy="0"/>
-          <a:chOff x="0" y="0"/>
-          <a:chExt cx="0" cy="0"/>
-        </a:xfrm>
-      </p:grpSpPr>
-      <p:sp>
-        <p:nvSpPr>
-          <p:cNvPr id="2" name="Slide Image Placeholder 1"/>
-          <p:cNvSpPr>
-            <a:spLocks noGrp="1" noRot="1" noChangeAspect="1"/>
-          </p:cNvSpPr>
-          <p:nvPr>
-            <p:ph type="sldImg"/>
-          </p:nvPr>
-        </p:nvSpPr>
-        <p:spPr/>
-      </p:sp>
-      <p:sp>
-        <p:nvSpPr>
-          <p:cNvPr id="3" name="Notes Placeholder 2"/>
-          <p:cNvSpPr>
-            <a:spLocks noGrp="1"/>
-          </p:cNvSpPr>
-          <p:nvPr>
-            <p:ph type="body" idx="1"/>
-          </p:nvPr>
-        </p:nvSpPr>
-        <p:spPr/>
-        <p:txBody>
-          <a:bodyPr/>
-          <a:lstStyle/>
-          <a:p>
             <a:endParaRPr lang="en-GB"/>
           </a:p>
         </p:txBody>
@@ -3154,7 +3092,7 @@
 </p:notes>
 </file>
 
-<file path=ppt/notesSlides/notesSlide3.xml><?xml version="1.0" encoding="utf-8"?>
+<file path=ppt/notesSlides/notesSlide2.xml><?xml version="1.0" encoding="utf-8"?>
 <p:notes xmlns:a="http://schemas.openxmlformats.org/drawingml/2006/main" xmlns:r="http://schemas.openxmlformats.org/officeDocument/2006/relationships" xmlns:p="http://schemas.openxmlformats.org/presentationml/2006/main">
   <p:cSld>
     <p:spTree>
@@ -3364,7 +3302,7 @@
           <a:p>
             <a:fld id="{EDEC158B-FB0A-43FC-87BA-79B801717EB2}" type="datetimeFigureOut">
               <a:rPr lang="en-AU" smtClean="0"/>
-              <a:t>5/09/2024</a:t>
+              <a:t>7/09/2024</a:t>
             </a:fld>
             <a:endParaRPr lang="en-AU"/>
           </a:p>
@@ -3564,7 +3502,7 @@
           <a:p>
             <a:fld id="{EDEC158B-FB0A-43FC-87BA-79B801717EB2}" type="datetimeFigureOut">
               <a:rPr lang="en-AU" smtClean="0"/>
-              <a:t>5/09/2024</a:t>
+              <a:t>7/09/2024</a:t>
             </a:fld>
             <a:endParaRPr lang="en-AU"/>
           </a:p>
@@ -3774,7 +3712,7 @@
           <a:p>
             <a:fld id="{EDEC158B-FB0A-43FC-87BA-79B801717EB2}" type="datetimeFigureOut">
               <a:rPr lang="en-AU" smtClean="0"/>
-              <a:t>5/09/2024</a:t>
+              <a:t>7/09/2024</a:t>
             </a:fld>
             <a:endParaRPr lang="en-AU"/>
           </a:p>
@@ -4354,7 +4292,7 @@
           <a:p>
             <a:fld id="{EDEC158B-FB0A-43FC-87BA-79B801717EB2}" type="datetimeFigureOut">
               <a:rPr lang="en-AU" smtClean="0"/>
-              <a:t>5/09/2024</a:t>
+              <a:t>7/09/2024</a:t>
             </a:fld>
             <a:endParaRPr lang="en-AU"/>
           </a:p>
@@ -4630,7 +4568,7 @@
           <a:p>
             <a:fld id="{EDEC158B-FB0A-43FC-87BA-79B801717EB2}" type="datetimeFigureOut">
               <a:rPr lang="en-AU" smtClean="0"/>
-              <a:t>5/09/2024</a:t>
+              <a:t>7/09/2024</a:t>
             </a:fld>
             <a:endParaRPr lang="en-AU"/>
           </a:p>
@@ -4898,7 +4836,7 @@
           <a:p>
             <a:fld id="{EDEC158B-FB0A-43FC-87BA-79B801717EB2}" type="datetimeFigureOut">
               <a:rPr lang="en-AU" smtClean="0"/>
-              <a:t>5/09/2024</a:t>
+              <a:t>7/09/2024</a:t>
             </a:fld>
             <a:endParaRPr lang="en-AU"/>
           </a:p>
@@ -5313,7 +5251,7 @@
           <a:p>
             <a:fld id="{EDEC158B-FB0A-43FC-87BA-79B801717EB2}" type="datetimeFigureOut">
               <a:rPr lang="en-AU" smtClean="0"/>
-              <a:t>5/09/2024</a:t>
+              <a:t>7/09/2024</a:t>
             </a:fld>
             <a:endParaRPr lang="en-AU"/>
           </a:p>
@@ -5455,7 +5393,7 @@
           <a:p>
             <a:fld id="{EDEC158B-FB0A-43FC-87BA-79B801717EB2}" type="datetimeFigureOut">
               <a:rPr lang="en-AU" smtClean="0"/>
-              <a:t>5/09/2024</a:t>
+              <a:t>7/09/2024</a:t>
             </a:fld>
             <a:endParaRPr lang="en-AU"/>
           </a:p>
@@ -5568,7 +5506,7 @@
           <a:p>
             <a:fld id="{EDEC158B-FB0A-43FC-87BA-79B801717EB2}" type="datetimeFigureOut">
               <a:rPr lang="en-AU" smtClean="0"/>
-              <a:t>5/09/2024</a:t>
+              <a:t>7/09/2024</a:t>
             </a:fld>
             <a:endParaRPr lang="en-AU"/>
           </a:p>
@@ -5881,7 +5819,7 @@
           <a:p>
             <a:fld id="{EDEC158B-FB0A-43FC-87BA-79B801717EB2}" type="datetimeFigureOut">
               <a:rPr lang="en-AU" smtClean="0"/>
-              <a:t>5/09/2024</a:t>
+              <a:t>7/09/2024</a:t>
             </a:fld>
             <a:endParaRPr lang="en-AU"/>
           </a:p>
@@ -6170,7 +6108,7 @@
           <a:p>
             <a:fld id="{EDEC158B-FB0A-43FC-87BA-79B801717EB2}" type="datetimeFigureOut">
               <a:rPr lang="en-AU" smtClean="0"/>
-              <a:t>5/09/2024</a:t>
+              <a:t>7/09/2024</a:t>
             </a:fld>
             <a:endParaRPr lang="en-AU"/>
           </a:p>
@@ -6413,7 +6351,7 @@
           <a:p>
             <a:fld id="{EDEC158B-FB0A-43FC-87BA-79B801717EB2}" type="datetimeFigureOut">
               <a:rPr lang="en-AU" smtClean="0"/>
-              <a:t>5/09/2024</a:t>
+              <a:t>7/09/2024</a:t>
             </a:fld>
             <a:endParaRPr lang="en-AU"/>
           </a:p>
@@ -6853,7 +6791,7 @@
         </p:blipFill>
         <p:spPr>
           <a:xfrm>
-            <a:off x="5998624" y="5540267"/>
+            <a:off x="6095986" y="5287906"/>
             <a:ext cx="1743318" cy="1114581"/>
           </a:xfrm>
           <a:prstGeom prst="rect">
@@ -7013,7 +6951,7 @@
         </p:nvSpPr>
         <p:spPr>
           <a:xfrm>
-            <a:off x="2377647" y="6311847"/>
+            <a:off x="2254426" y="6025612"/>
             <a:ext cx="2083268" cy="369332"/>
           </a:xfrm>
           <a:prstGeom prst="rect">
@@ -7165,7 +7103,7 @@
         </p:blipFill>
         <p:spPr>
           <a:xfrm>
-            <a:off x="2737767" y="5345244"/>
+            <a:off x="2614546" y="5059009"/>
             <a:ext cx="1236265" cy="879835"/>
           </a:xfrm>
           <a:prstGeom prst="rect">
@@ -7546,7 +7484,7 @@
         </p:blipFill>
         <p:spPr>
           <a:xfrm>
-            <a:off x="1698803" y="5345244"/>
+            <a:off x="1575582" y="5059009"/>
             <a:ext cx="952633" cy="1019317"/>
           </a:xfrm>
           <a:prstGeom prst="rect">
@@ -7670,7 +7608,7 @@
         </p:nvSpPr>
         <p:spPr>
           <a:xfrm>
-            <a:off x="5326342" y="5011893"/>
+            <a:off x="5423704" y="4759532"/>
             <a:ext cx="2177982" cy="369332"/>
           </a:xfrm>
           <a:prstGeom prst="rect">
@@ -7730,7 +7668,7 @@
         </p:blipFill>
         <p:spPr>
           <a:xfrm>
-            <a:off x="5216986" y="5422576"/>
+            <a:off x="5314348" y="5170215"/>
             <a:ext cx="695422" cy="1076475"/>
           </a:xfrm>
           <a:prstGeom prst="rect">
@@ -7752,7 +7690,7 @@
         </p:nvSpPr>
         <p:spPr>
           <a:xfrm>
-            <a:off x="8298803" y="6075935"/>
+            <a:off x="8396165" y="5823574"/>
             <a:ext cx="2177982" cy="646331"/>
           </a:xfrm>
           <a:prstGeom prst="rect">
@@ -7804,7 +7742,7 @@
         </p:nvSpPr>
         <p:spPr>
           <a:xfrm>
-            <a:off x="7553445" y="5018649"/>
+            <a:off x="7650807" y="4766288"/>
             <a:ext cx="2177982" cy="369332"/>
           </a:xfrm>
           <a:prstGeom prst="rect">
@@ -7864,7 +7802,7 @@
         </p:blipFill>
         <p:spPr>
           <a:xfrm>
-            <a:off x="10695778" y="5583047"/>
+            <a:off x="10793140" y="5330686"/>
             <a:ext cx="812908" cy="922760"/>
           </a:xfrm>
           <a:prstGeom prst="rect">
@@ -7894,7 +7832,7 @@
         </p:blipFill>
         <p:spPr>
           <a:xfrm>
-            <a:off x="7450117" y="5394419"/>
+            <a:off x="7547479" y="5142058"/>
             <a:ext cx="1857318" cy="681516"/>
           </a:xfrm>
           <a:prstGeom prst="rect">
@@ -7924,7 +7862,7 @@
         </p:blipFill>
         <p:spPr>
           <a:xfrm>
-            <a:off x="9668165" y="5583047"/>
+            <a:off x="9765527" y="5330686"/>
             <a:ext cx="768967" cy="922760"/>
           </a:xfrm>
           <a:prstGeom prst="rect">
@@ -7992,78 +7930,12 @@
           </a:prstGeom>
         </p:spPr>
       </p:pic>
-    </p:spTree>
-    <p:extLst>
-      <p:ext uri="{BB962C8B-B14F-4D97-AF65-F5344CB8AC3E}">
-        <p14:creationId xmlns:p14="http://schemas.microsoft.com/office/powerpoint/2010/main" val="1330705963"/>
-      </p:ext>
-    </p:extLst>
-  </p:cSld>
-  <p:clrMapOvr>
-    <a:masterClrMapping/>
-  </p:clrMapOvr>
-</p:sld>
-</file>
-
-<file path=ppt/slides/slide10.xml><?xml version="1.0" encoding="utf-8"?>
-<p:sld xmlns:a="http://schemas.openxmlformats.org/drawingml/2006/main" xmlns:r="http://schemas.openxmlformats.org/officeDocument/2006/relationships" xmlns:p="http://schemas.openxmlformats.org/presentationml/2006/main">
-  <p:cSld>
-    <p:spTree>
-      <p:nvGrpSpPr>
-        <p:cNvPr id="1" name=""/>
-        <p:cNvGrpSpPr/>
-        <p:nvPr/>
-      </p:nvGrpSpPr>
-      <p:grpSpPr>
-        <a:xfrm>
-          <a:off x="0" y="0"/>
-          <a:ext cx="0" cy="0"/>
-          <a:chOff x="0" y="0"/>
-          <a:chExt cx="0" cy="0"/>
-        </a:xfrm>
-      </p:grpSpPr>
       <p:sp>
         <p:nvSpPr>
-          <p:cNvPr id="2" name="Title 1">
+          <p:cNvPr id="9" name="TextBox 8">
             <a:extLst>
               <a:ext uri="{FF2B5EF4-FFF2-40B4-BE49-F238E27FC236}">
-                <a16:creationId xmlns:a16="http://schemas.microsoft.com/office/drawing/2014/main" id="{C1D0E459-2535-5082-B64B-176F4F745EE9}"/>
-              </a:ext>
-            </a:extLst>
-          </p:cNvPr>
-          <p:cNvSpPr>
-            <a:spLocks noGrp="1"/>
-          </p:cNvSpPr>
-          <p:nvPr>
-            <p:ph type="ctrTitle"/>
-          </p:nvPr>
-        </p:nvSpPr>
-        <p:spPr>
-          <a:xfrm>
-            <a:off x="211691" y="90564"/>
-            <a:ext cx="11107885" cy="922760"/>
-          </a:xfrm>
-        </p:spPr>
-        <p:txBody>
-          <a:bodyPr>
-            <a:normAutofit/>
-          </a:bodyPr>
-          <a:lstStyle/>
-          <a:p>
-            <a:r>
-              <a:rPr lang="en-US" dirty="0"/>
-              <a:t>Schedule</a:t>
-            </a:r>
-            <a:endParaRPr lang="en-AU" dirty="0"/>
-          </a:p>
-        </p:txBody>
-      </p:sp>
-      <p:sp>
-        <p:nvSpPr>
-          <p:cNvPr id="6" name="TextBox 5">
-            <a:extLst>
-              <a:ext uri="{FF2B5EF4-FFF2-40B4-BE49-F238E27FC236}">
-                <a16:creationId xmlns:a16="http://schemas.microsoft.com/office/drawing/2014/main" id="{DD91C24A-136B-FA18-BCAB-1A33044BA034}"/>
+                <a16:creationId xmlns:a16="http://schemas.microsoft.com/office/drawing/2014/main" id="{8288D196-EAD9-7A22-E0D0-677C26DB2F58}"/>
               </a:ext>
             </a:extLst>
           </p:cNvPr>
@@ -8072,511 +7944,8 @@
         </p:nvSpPr>
         <p:spPr>
           <a:xfrm>
-            <a:off x="1079046" y="2067309"/>
-            <a:ext cx="2320888" cy="461665"/>
-          </a:xfrm>
-          <a:prstGeom prst="rect">
-            <a:avLst/>
-          </a:prstGeom>
-          <a:noFill/>
-          <a:ln>
-            <a:solidFill>
-              <a:schemeClr val="tx1"/>
-            </a:solidFill>
-          </a:ln>
-        </p:spPr>
-        <p:txBody>
-          <a:bodyPr wrap="square">
-            <a:spAutoFit/>
-          </a:bodyPr>
-          <a:lstStyle/>
-          <a:p>
-            <a:r>
-              <a:rPr lang="en-GB" sz="2400" b="0" i="0" dirty="0">
-                <a:solidFill>
-                  <a:srgbClr val="606C71"/>
-                </a:solidFill>
-                <a:effectLst/>
-                <a:latin typeface="Open Sans" panose="020B0606030504020204" pitchFamily="34" charset="0"/>
-              </a:rPr>
-              <a:t>Segmentation </a:t>
-            </a:r>
-            <a:endParaRPr lang="en-GB" sz="2400" dirty="0"/>
-          </a:p>
-        </p:txBody>
-      </p:sp>
-      <p:sp>
-        <p:nvSpPr>
-          <p:cNvPr id="41" name="TextBox 40">
-            <a:extLst>
-              <a:ext uri="{FF2B5EF4-FFF2-40B4-BE49-F238E27FC236}">
-                <a16:creationId xmlns:a16="http://schemas.microsoft.com/office/drawing/2014/main" id="{6EAF794A-2EDD-7654-A738-D3728A67AF91}"/>
-              </a:ext>
-            </a:extLst>
-          </p:cNvPr>
-          <p:cNvSpPr txBox="1"/>
-          <p:nvPr/>
-        </p:nvSpPr>
-        <p:spPr>
-          <a:xfrm>
-            <a:off x="155251" y="1187108"/>
-            <a:ext cx="1604421" cy="369332"/>
-          </a:xfrm>
-          <a:prstGeom prst="rect">
-            <a:avLst/>
-          </a:prstGeom>
-          <a:noFill/>
-          <a:ln>
-            <a:solidFill>
-              <a:schemeClr val="tx1"/>
-            </a:solidFill>
-          </a:ln>
-        </p:spPr>
-        <p:txBody>
-          <a:bodyPr wrap="square">
-            <a:spAutoFit/>
-          </a:bodyPr>
-          <a:lstStyle/>
-          <a:p>
-            <a:r>
-              <a:rPr lang="en-GB" dirty="0">
-                <a:solidFill>
-                  <a:srgbClr val="606C71"/>
-                </a:solidFill>
-                <a:latin typeface="Open Sans" panose="020B0606030504020204" pitchFamily="34" charset="0"/>
-              </a:rPr>
-              <a:t>15:30 – 16:00</a:t>
-            </a:r>
-            <a:endParaRPr lang="en-GB" dirty="0"/>
-          </a:p>
-        </p:txBody>
-      </p:sp>
-      <p:sp>
-        <p:nvSpPr>
-          <p:cNvPr id="43" name="TextBox 42">
-            <a:extLst>
-              <a:ext uri="{FF2B5EF4-FFF2-40B4-BE49-F238E27FC236}">
-                <a16:creationId xmlns:a16="http://schemas.microsoft.com/office/drawing/2014/main" id="{2F3BC6B0-8AB6-EADE-61E4-9FD0DF78F78E}"/>
-              </a:ext>
-            </a:extLst>
-          </p:cNvPr>
-          <p:cNvSpPr txBox="1"/>
-          <p:nvPr/>
-        </p:nvSpPr>
-        <p:spPr>
-          <a:xfrm>
-            <a:off x="1109339" y="3827349"/>
-            <a:ext cx="3027287" cy="461665"/>
-          </a:xfrm>
-          <a:prstGeom prst="rect">
-            <a:avLst/>
-          </a:prstGeom>
-          <a:noFill/>
-          <a:ln>
-            <a:solidFill>
-              <a:schemeClr val="tx1"/>
-            </a:solidFill>
-          </a:ln>
-        </p:spPr>
-        <p:txBody>
-          <a:bodyPr wrap="square">
-            <a:spAutoFit/>
-          </a:bodyPr>
-          <a:lstStyle/>
-          <a:p>
-            <a:r>
-              <a:rPr lang="en-GB" sz="2400" b="0" i="0" dirty="0">
-                <a:solidFill>
-                  <a:srgbClr val="606C71"/>
-                </a:solidFill>
-                <a:effectLst/>
-                <a:latin typeface="Open Sans" panose="020B0606030504020204" pitchFamily="34" charset="0"/>
-              </a:rPr>
-              <a:t>Anomaly Detection</a:t>
-            </a:r>
-            <a:endParaRPr lang="en-GB" sz="2400" dirty="0"/>
-          </a:p>
-        </p:txBody>
-      </p:sp>
-      <p:sp>
-        <p:nvSpPr>
-          <p:cNvPr id="47" name="TextBox 46">
-            <a:extLst>
-              <a:ext uri="{FF2B5EF4-FFF2-40B4-BE49-F238E27FC236}">
-                <a16:creationId xmlns:a16="http://schemas.microsoft.com/office/drawing/2014/main" id="{4530FA2F-BB29-3E51-29C5-1F8C7C3FEBE5}"/>
-              </a:ext>
-            </a:extLst>
-          </p:cNvPr>
-          <p:cNvSpPr txBox="1"/>
-          <p:nvPr/>
-        </p:nvSpPr>
-        <p:spPr>
-          <a:xfrm>
-            <a:off x="211691" y="3317453"/>
-            <a:ext cx="1604421" cy="369332"/>
-          </a:xfrm>
-          <a:prstGeom prst="rect">
-            <a:avLst/>
-          </a:prstGeom>
-          <a:noFill/>
-          <a:ln>
-            <a:solidFill>
-              <a:schemeClr val="tx1"/>
-            </a:solidFill>
-          </a:ln>
-        </p:spPr>
-        <p:txBody>
-          <a:bodyPr wrap="square">
-            <a:spAutoFit/>
-          </a:bodyPr>
-          <a:lstStyle/>
-          <a:p>
-            <a:r>
-              <a:rPr lang="en-GB" dirty="0">
-                <a:solidFill>
-                  <a:srgbClr val="606C71"/>
-                </a:solidFill>
-                <a:latin typeface="Open Sans" panose="020B0606030504020204" pitchFamily="34" charset="0"/>
-              </a:rPr>
-              <a:t>16:30 – 17:00</a:t>
-            </a:r>
-            <a:endParaRPr lang="en-GB" dirty="0"/>
-          </a:p>
-        </p:txBody>
-      </p:sp>
-      <p:sp>
-        <p:nvSpPr>
-          <p:cNvPr id="27" name="TextBox 26">
-            <a:extLst>
-              <a:ext uri="{FF2B5EF4-FFF2-40B4-BE49-F238E27FC236}">
-                <a16:creationId xmlns:a16="http://schemas.microsoft.com/office/drawing/2014/main" id="{38E5166A-315E-6594-C14D-1FB51BB6F11B}"/>
-              </a:ext>
-            </a:extLst>
-          </p:cNvPr>
-          <p:cNvSpPr txBox="1"/>
-          <p:nvPr/>
-        </p:nvSpPr>
-        <p:spPr>
-          <a:xfrm>
-            <a:off x="1132882" y="5195511"/>
-            <a:ext cx="2824505" cy="461665"/>
-          </a:xfrm>
-          <a:prstGeom prst="rect">
-            <a:avLst/>
-          </a:prstGeom>
-          <a:noFill/>
-          <a:ln>
-            <a:solidFill>
-              <a:schemeClr val="tx1"/>
-            </a:solidFill>
-          </a:ln>
-        </p:spPr>
-        <p:txBody>
-          <a:bodyPr wrap="square">
-            <a:spAutoFit/>
-          </a:bodyPr>
-          <a:lstStyle/>
-          <a:p>
-            <a:r>
-              <a:rPr lang="en-GB" sz="2400" b="0" i="0" dirty="0">
-                <a:solidFill>
-                  <a:srgbClr val="606C71"/>
-                </a:solidFill>
-                <a:effectLst/>
-                <a:latin typeface="Open Sans" panose="020B0606030504020204" pitchFamily="34" charset="0"/>
-              </a:rPr>
-              <a:t>Deep learning</a:t>
-            </a:r>
-            <a:endParaRPr lang="en-GB" sz="2400" dirty="0"/>
-          </a:p>
-        </p:txBody>
-      </p:sp>
-      <p:sp>
-        <p:nvSpPr>
-          <p:cNvPr id="3" name="TextBox 2">
-            <a:extLst>
-              <a:ext uri="{FF2B5EF4-FFF2-40B4-BE49-F238E27FC236}">
-                <a16:creationId xmlns:a16="http://schemas.microsoft.com/office/drawing/2014/main" id="{99DB72FF-80EE-2360-EFBD-1CB42ABCF346}"/>
-              </a:ext>
-            </a:extLst>
-          </p:cNvPr>
-          <p:cNvSpPr txBox="1"/>
-          <p:nvPr/>
-        </p:nvSpPr>
-        <p:spPr>
-          <a:xfrm>
-            <a:off x="413025" y="2798558"/>
-            <a:ext cx="10783303" cy="400110"/>
-          </a:xfrm>
-          <a:prstGeom prst="rect">
-            <a:avLst/>
-          </a:prstGeom>
-          <a:noFill/>
-          <a:ln>
-            <a:solidFill>
-              <a:schemeClr val="accent1"/>
-            </a:solidFill>
-          </a:ln>
-        </p:spPr>
-        <p:txBody>
-          <a:bodyPr wrap="square">
-            <a:spAutoFit/>
-          </a:bodyPr>
-          <a:lstStyle/>
-          <a:p>
-            <a:pPr algn="ctr"/>
-            <a:r>
-              <a:rPr lang="en-GB" sz="2000" b="0" i="0" dirty="0">
-                <a:solidFill>
-                  <a:srgbClr val="606C71"/>
-                </a:solidFill>
-                <a:effectLst/>
-                <a:latin typeface="Open Sans" panose="020B0606030504020204" pitchFamily="34" charset="0"/>
-              </a:rPr>
-              <a:t>COFFEE BREAK</a:t>
-            </a:r>
-            <a:endParaRPr lang="en-GB" sz="2000" dirty="0"/>
-          </a:p>
-        </p:txBody>
-      </p:sp>
-      <p:sp>
-        <p:nvSpPr>
-          <p:cNvPr id="16" name="TextBox 15">
-            <a:extLst>
-              <a:ext uri="{FF2B5EF4-FFF2-40B4-BE49-F238E27FC236}">
-                <a16:creationId xmlns:a16="http://schemas.microsoft.com/office/drawing/2014/main" id="{B46619C3-4DDF-0C83-36F1-A021A72B8F9B}"/>
-              </a:ext>
-            </a:extLst>
-          </p:cNvPr>
-          <p:cNvSpPr txBox="1"/>
-          <p:nvPr/>
-        </p:nvSpPr>
-        <p:spPr>
-          <a:xfrm>
-            <a:off x="123943" y="6083988"/>
-            <a:ext cx="1604421" cy="369332"/>
-          </a:xfrm>
-          <a:prstGeom prst="rect">
-            <a:avLst/>
-          </a:prstGeom>
-          <a:noFill/>
-          <a:ln>
-            <a:solidFill>
-              <a:schemeClr val="tx1"/>
-            </a:solidFill>
-          </a:ln>
-        </p:spPr>
-        <p:txBody>
-          <a:bodyPr wrap="square">
-            <a:spAutoFit/>
-          </a:bodyPr>
-          <a:lstStyle/>
-          <a:p>
-            <a:r>
-              <a:rPr lang="en-GB" dirty="0">
-                <a:solidFill>
-                  <a:srgbClr val="606C71"/>
-                </a:solidFill>
-                <a:latin typeface="Open Sans" panose="020B0606030504020204" pitchFamily="34" charset="0"/>
-              </a:rPr>
-              <a:t>17:30 – 18:00</a:t>
-            </a:r>
-            <a:endParaRPr lang="en-GB" dirty="0"/>
-          </a:p>
-        </p:txBody>
-      </p:sp>
-      <p:sp>
-        <p:nvSpPr>
-          <p:cNvPr id="17" name="TextBox 16">
-            <a:extLst>
-              <a:ext uri="{FF2B5EF4-FFF2-40B4-BE49-F238E27FC236}">
-                <a16:creationId xmlns:a16="http://schemas.microsoft.com/office/drawing/2014/main" id="{7FFCD709-5B9B-954E-F3D2-4F35D13232E6}"/>
-              </a:ext>
-            </a:extLst>
-          </p:cNvPr>
-          <p:cNvSpPr txBox="1"/>
-          <p:nvPr/>
-        </p:nvSpPr>
-        <p:spPr>
-          <a:xfrm>
-            <a:off x="2024138" y="6083988"/>
-            <a:ext cx="5156307" cy="461665"/>
-          </a:xfrm>
-          <a:prstGeom prst="rect">
-            <a:avLst/>
-          </a:prstGeom>
-          <a:noFill/>
-          <a:ln>
-            <a:solidFill>
-              <a:schemeClr val="tx1"/>
-            </a:solidFill>
-          </a:ln>
-        </p:spPr>
-        <p:txBody>
-          <a:bodyPr wrap="square">
-            <a:spAutoFit/>
-          </a:bodyPr>
-          <a:lstStyle/>
-          <a:p>
-            <a:r>
-              <a:rPr lang="en-GB" sz="2400" b="0" i="0" dirty="0">
-                <a:solidFill>
-                  <a:srgbClr val="606C71"/>
-                </a:solidFill>
-                <a:effectLst/>
-                <a:latin typeface="Open Sans" panose="020B0606030504020204" pitchFamily="34" charset="0"/>
-              </a:rPr>
-              <a:t>Conclusions, future direction, Q&amp;A</a:t>
-            </a:r>
-            <a:endParaRPr lang="en-GB" sz="2400" dirty="0"/>
-          </a:p>
-        </p:txBody>
-      </p:sp>
-      <p:pic>
-        <p:nvPicPr>
-          <p:cNvPr id="20" name="4V7UxzvJ0hbIEMVFCewfs_FYUbzlSnQI2RbEt4agt0Ipe9sjCtD8BAIRn6-_ISoBkKE9MmASnB8sMZtA5-8icFH2i7ucuJPjrbKO-_u7hC-txhakCoeC2QL5D9v4BRyTNvJjc-pYk6tb3dbH1VtVtfnLZ6P2nVM8GPehNfgr6uMWSITzz-_aKQ6_p7k=nw.png" descr="4V7UxzvJ0hbIEMVFCewfs_FYUbzlSnQI2RbEt4agt0Ipe9sjCtD8BAIRn6-_ISoBkKE9MmASnB8sMZtA5-8icFH2i7ucuJPjrbKO-_u7hC-txhakCoeC2QL5D9v4BRyTNvJjc-pYk6tb3dbH1VtVtfnLZ6P2nVM8GPehNfgr6uMWSITzz-_aKQ6_p7k=nw.png">
-            <a:extLst>
-              <a:ext uri="{FF2B5EF4-FFF2-40B4-BE49-F238E27FC236}">
-                <a16:creationId xmlns:a16="http://schemas.microsoft.com/office/drawing/2014/main" id="{A826B8F8-A34B-886F-28FA-0AD675D29EE6}"/>
-              </a:ext>
-            </a:extLst>
-          </p:cNvPr>
-          <p:cNvPicPr>
-            <a:picLocks noChangeAspect="1"/>
-          </p:cNvPicPr>
-          <p:nvPr/>
-        </p:nvPicPr>
-        <p:blipFill>
-          <a:blip r:embed="rId2"/>
-          <a:stretch>
-            <a:fillRect/>
-          </a:stretch>
-        </p:blipFill>
-        <p:spPr>
-          <a:xfrm>
-            <a:off x="5018244" y="1016715"/>
-            <a:ext cx="6421680" cy="1649482"/>
-          </a:xfrm>
-          <a:prstGeom prst="rect">
-            <a:avLst/>
-          </a:prstGeom>
-          <a:ln w="12700">
-            <a:miter lim="400000"/>
-          </a:ln>
-        </p:spPr>
-      </p:pic>
-      <p:sp>
-        <p:nvSpPr>
-          <p:cNvPr id="28" name="Line">
-            <a:extLst>
-              <a:ext uri="{FF2B5EF4-FFF2-40B4-BE49-F238E27FC236}">
-                <a16:creationId xmlns:a16="http://schemas.microsoft.com/office/drawing/2014/main" id="{7647B519-2642-9516-F879-7AD94E922513}"/>
-              </a:ext>
-            </a:extLst>
-          </p:cNvPr>
-          <p:cNvSpPr/>
-          <p:nvPr/>
-        </p:nvSpPr>
-        <p:spPr>
-          <a:xfrm flipV="1">
-            <a:off x="7464378" y="893905"/>
-            <a:ext cx="1" cy="1714948"/>
-          </a:xfrm>
-          <a:prstGeom prst="line">
-            <a:avLst/>
-          </a:prstGeom>
-          <a:ln w="12700">
-            <a:solidFill>
-              <a:schemeClr val="accent2"/>
-            </a:solidFill>
-            <a:custDash>
-              <a:ds d="200000" sp="200000"/>
-            </a:custDash>
-            <a:miter lim="400000"/>
-          </a:ln>
-          <a:effectLst>
-            <a:outerShdw blurRad="38100" dist="20000" dir="5400000" rotWithShape="0">
-              <a:srgbClr val="000000">
-                <a:alpha val="38000"/>
-              </a:srgbClr>
-            </a:outerShdw>
-          </a:effectLst>
-        </p:spPr>
-        <p:txBody>
-          <a:bodyPr lIns="0" tIns="0" rIns="0" bIns="0"/>
-          <a:lstStyle/>
-          <a:p>
-            <a:pPr algn="ctr">
-              <a:defRPr sz="1000"/>
-            </a:pPr>
-            <a:endParaRPr/>
-          </a:p>
-        </p:txBody>
-      </p:sp>
-      <p:sp>
-        <p:nvSpPr>
-          <p:cNvPr id="29" name="Line">
-            <a:extLst>
-              <a:ext uri="{FF2B5EF4-FFF2-40B4-BE49-F238E27FC236}">
-                <a16:creationId xmlns:a16="http://schemas.microsoft.com/office/drawing/2014/main" id="{946D0F0F-F513-B746-002D-7AEBD04D33A7}"/>
-              </a:ext>
-            </a:extLst>
-          </p:cNvPr>
-          <p:cNvSpPr/>
-          <p:nvPr/>
-        </p:nvSpPr>
-        <p:spPr>
-          <a:xfrm flipV="1">
-            <a:off x="9370733" y="952204"/>
-            <a:ext cx="1" cy="1714949"/>
-          </a:xfrm>
-          <a:prstGeom prst="line">
-            <a:avLst/>
-          </a:prstGeom>
-          <a:ln w="12700">
-            <a:solidFill>
-              <a:schemeClr val="accent2"/>
-            </a:solidFill>
-            <a:custDash>
-              <a:ds d="200000" sp="200000"/>
-            </a:custDash>
-            <a:miter lim="400000"/>
-          </a:ln>
-          <a:effectLst>
-            <a:outerShdw blurRad="38100" dist="20000" dir="5400000" rotWithShape="0">
-              <a:srgbClr val="000000">
-                <a:alpha val="38000"/>
-              </a:srgbClr>
-            </a:outerShdw>
-          </a:effectLst>
-        </p:spPr>
-        <p:txBody>
-          <a:bodyPr lIns="0" tIns="0" rIns="0" bIns="0"/>
-          <a:lstStyle/>
-          <a:p>
-            <a:pPr algn="ctr">
-              <a:defRPr sz="1000"/>
-            </a:pPr>
-            <a:endParaRPr/>
-          </a:p>
-        </p:txBody>
-      </p:sp>
-      <p:sp>
-        <p:nvSpPr>
-          <p:cNvPr id="30" name="TextBox 29">
-            <a:extLst>
-              <a:ext uri="{FF2B5EF4-FFF2-40B4-BE49-F238E27FC236}">
-                <a16:creationId xmlns:a16="http://schemas.microsoft.com/office/drawing/2014/main" id="{F8FAF63E-6243-7BB2-5C61-BF4F67A44EE0}"/>
-              </a:ext>
-            </a:extLst>
-          </p:cNvPr>
-          <p:cNvSpPr txBox="1"/>
-          <p:nvPr/>
-        </p:nvSpPr>
-        <p:spPr>
-          <a:xfrm>
-            <a:off x="1878924" y="1015332"/>
-            <a:ext cx="2177982" cy="369332"/>
+            <a:off x="3403620" y="6529124"/>
+            <a:ext cx="6121666" cy="369332"/>
           </a:xfrm>
           <a:prstGeom prst="rect">
             <a:avLst/>
@@ -8590,2235 +7959,16 @@
           <a:lstStyle/>
           <a:p>
             <a:r>
-              <a:rPr lang="en-GB" i="0" dirty="0">
-                <a:solidFill>
-                  <a:srgbClr val="212529"/>
-                </a:solidFill>
-                <a:effectLst/>
-                <a:latin typeface="Helvetica Neue"/>
-              </a:rPr>
-              <a:t>Arik </a:t>
+              <a:rPr lang="en-GB" dirty="0"/>
+              <a:t>https://ecml-aaltd.github.io/aaltd2024</a:t>
             </a:r>
-            <a:r>
-              <a:rPr lang="en-GB" i="0" dirty="0" err="1">
-                <a:solidFill>
-                  <a:srgbClr val="212529"/>
-                </a:solidFill>
-                <a:effectLst/>
-                <a:latin typeface="Helvetica Neue"/>
-              </a:rPr>
-              <a:t>Ermshaus</a:t>
-            </a:r>
-            <a:endParaRPr lang="en-GB" dirty="0"/>
           </a:p>
         </p:txBody>
       </p:sp>
-      <p:pic>
-        <p:nvPicPr>
-          <p:cNvPr id="31" name="Picture 30">
-            <a:extLst>
-              <a:ext uri="{FF2B5EF4-FFF2-40B4-BE49-F238E27FC236}">
-                <a16:creationId xmlns:a16="http://schemas.microsoft.com/office/drawing/2014/main" id="{C2F1CB8C-BEAB-F00E-35D4-A8F516B74F6A}"/>
-              </a:ext>
-            </a:extLst>
-          </p:cNvPr>
-          <p:cNvPicPr>
-            <a:picLocks noChangeAspect="1"/>
-          </p:cNvPicPr>
-          <p:nvPr/>
-        </p:nvPicPr>
-        <p:blipFill>
-          <a:blip r:embed="rId3"/>
-          <a:stretch>
-            <a:fillRect/>
-          </a:stretch>
-        </p:blipFill>
-        <p:spPr>
-          <a:xfrm>
-            <a:off x="225493" y="1909805"/>
-            <a:ext cx="827406" cy="834133"/>
-          </a:xfrm>
-          <a:prstGeom prst="rect">
-            <a:avLst/>
-          </a:prstGeom>
-        </p:spPr>
-      </p:pic>
-      <p:sp>
-        <p:nvSpPr>
-          <p:cNvPr id="32" name="TextBox 31">
-            <a:extLst>
-              <a:ext uri="{FF2B5EF4-FFF2-40B4-BE49-F238E27FC236}">
-                <a16:creationId xmlns:a16="http://schemas.microsoft.com/office/drawing/2014/main" id="{ABF4C230-83E1-580C-905E-1B80F0F7F0DF}"/>
-              </a:ext>
-            </a:extLst>
-          </p:cNvPr>
-          <p:cNvSpPr txBox="1"/>
-          <p:nvPr/>
-        </p:nvSpPr>
-        <p:spPr>
-          <a:xfrm>
-            <a:off x="1878924" y="1428394"/>
-            <a:ext cx="2177982" cy="369332"/>
-          </a:xfrm>
-          <a:prstGeom prst="rect">
-            <a:avLst/>
-          </a:prstGeom>
-          <a:noFill/>
-        </p:spPr>
-        <p:txBody>
-          <a:bodyPr wrap="square">
-            <a:spAutoFit/>
-          </a:bodyPr>
-          <a:lstStyle/>
-          <a:p>
-            <a:r>
-              <a:rPr lang="en-GB" i="0" dirty="0">
-                <a:solidFill>
-                  <a:srgbClr val="212529"/>
-                </a:solidFill>
-                <a:effectLst/>
-                <a:latin typeface="Helvetica Neue"/>
-              </a:rPr>
-              <a:t>Patrick Schäfer</a:t>
-            </a:r>
-            <a:endParaRPr lang="en-GB" dirty="0"/>
-          </a:p>
-        </p:txBody>
-      </p:sp>
-      <p:pic>
-        <p:nvPicPr>
-          <p:cNvPr id="33" name="Picture 32">
-            <a:extLst>
-              <a:ext uri="{FF2B5EF4-FFF2-40B4-BE49-F238E27FC236}">
-                <a16:creationId xmlns:a16="http://schemas.microsoft.com/office/drawing/2014/main" id="{59045560-284A-1024-6542-B18807BBA19F}"/>
-              </a:ext>
-            </a:extLst>
-          </p:cNvPr>
-          <p:cNvPicPr>
-            <a:picLocks noChangeAspect="1"/>
-          </p:cNvPicPr>
-          <p:nvPr/>
-        </p:nvPicPr>
-        <p:blipFill>
-          <a:blip r:embed="rId4"/>
-          <a:stretch>
-            <a:fillRect/>
-          </a:stretch>
-        </p:blipFill>
-        <p:spPr>
-          <a:xfrm>
-            <a:off x="3455435" y="1841456"/>
-            <a:ext cx="619211" cy="838317"/>
-          </a:xfrm>
-          <a:prstGeom prst="rect">
-            <a:avLst/>
-          </a:prstGeom>
-        </p:spPr>
-      </p:pic>
-      <p:pic>
-        <p:nvPicPr>
-          <p:cNvPr id="34" name="Picture 33">
-            <a:extLst>
-              <a:ext uri="{FF2B5EF4-FFF2-40B4-BE49-F238E27FC236}">
-                <a16:creationId xmlns:a16="http://schemas.microsoft.com/office/drawing/2014/main" id="{BF64F457-0DF4-03FF-65A9-9842AD16C1AD}"/>
-              </a:ext>
-            </a:extLst>
-          </p:cNvPr>
-          <p:cNvPicPr>
-            <a:picLocks noChangeAspect="1"/>
-          </p:cNvPicPr>
-          <p:nvPr/>
-        </p:nvPicPr>
-        <p:blipFill>
-          <a:blip r:embed="rId5"/>
-          <a:stretch>
-            <a:fillRect/>
-          </a:stretch>
-        </p:blipFill>
-        <p:spPr>
-          <a:xfrm>
-            <a:off x="211691" y="3700534"/>
-            <a:ext cx="695422" cy="1076475"/>
-          </a:xfrm>
-          <a:prstGeom prst="rect">
-            <a:avLst/>
-          </a:prstGeom>
-        </p:spPr>
-      </p:pic>
-      <p:sp>
-        <p:nvSpPr>
-          <p:cNvPr id="26" name="TextBox 25">
-            <a:extLst>
-              <a:ext uri="{FF2B5EF4-FFF2-40B4-BE49-F238E27FC236}">
-                <a16:creationId xmlns:a16="http://schemas.microsoft.com/office/drawing/2014/main" id="{F6D206CF-B018-FEC6-EDBA-3BA32BCC2282}"/>
-              </a:ext>
-            </a:extLst>
-          </p:cNvPr>
-          <p:cNvSpPr txBox="1"/>
-          <p:nvPr/>
-        </p:nvSpPr>
-        <p:spPr>
-          <a:xfrm>
-            <a:off x="155251" y="4589990"/>
-            <a:ext cx="1604421" cy="369332"/>
-          </a:xfrm>
-          <a:prstGeom prst="rect">
-            <a:avLst/>
-          </a:prstGeom>
-          <a:solidFill>
-            <a:schemeClr val="bg1"/>
-          </a:solidFill>
-          <a:ln>
-            <a:solidFill>
-              <a:schemeClr val="tx1"/>
-            </a:solidFill>
-          </a:ln>
-        </p:spPr>
-        <p:txBody>
-          <a:bodyPr wrap="square">
-            <a:spAutoFit/>
-          </a:bodyPr>
-          <a:lstStyle/>
-          <a:p>
-            <a:r>
-              <a:rPr lang="en-GB" dirty="0">
-                <a:solidFill>
-                  <a:srgbClr val="606C71"/>
-                </a:solidFill>
-                <a:latin typeface="Open Sans" panose="020B0606030504020204" pitchFamily="34" charset="0"/>
-              </a:rPr>
-              <a:t>17:00 – 17:30</a:t>
-            </a:r>
-            <a:endParaRPr lang="en-GB" dirty="0"/>
-          </a:p>
-        </p:txBody>
-      </p:sp>
-      <p:pic>
-        <p:nvPicPr>
-          <p:cNvPr id="35" name="Picture 34">
-            <a:extLst>
-              <a:ext uri="{FF2B5EF4-FFF2-40B4-BE49-F238E27FC236}">
-                <a16:creationId xmlns:a16="http://schemas.microsoft.com/office/drawing/2014/main" id="{16DBA86E-4F65-3D32-6667-C3BBB44655D4}"/>
-              </a:ext>
-            </a:extLst>
-          </p:cNvPr>
-          <p:cNvPicPr>
-            <a:picLocks noChangeAspect="1"/>
-          </p:cNvPicPr>
-          <p:nvPr/>
-        </p:nvPicPr>
-        <p:blipFill>
-          <a:blip r:embed="rId6"/>
-          <a:stretch>
-            <a:fillRect/>
-          </a:stretch>
-        </p:blipFill>
-        <p:spPr>
-          <a:xfrm>
-            <a:off x="205056" y="4966311"/>
-            <a:ext cx="737219" cy="1018854"/>
-          </a:xfrm>
-          <a:prstGeom prst="rect">
-            <a:avLst/>
-          </a:prstGeom>
-        </p:spPr>
-      </p:pic>
-      <p:sp>
-        <p:nvSpPr>
-          <p:cNvPr id="36" name="Freeform 62">
-            <a:extLst>
-              <a:ext uri="{FF2B5EF4-FFF2-40B4-BE49-F238E27FC236}">
-                <a16:creationId xmlns:a16="http://schemas.microsoft.com/office/drawing/2014/main" id="{3B44C5AD-6C03-F95A-1CD4-ABB3167ED135}"/>
-              </a:ext>
-            </a:extLst>
-          </p:cNvPr>
-          <p:cNvSpPr>
-            <a:spLocks/>
-          </p:cNvSpPr>
-          <p:nvPr/>
-        </p:nvSpPr>
-        <p:spPr bwMode="auto">
-          <a:xfrm>
-            <a:off x="4845167" y="3467202"/>
-            <a:ext cx="1808162" cy="968375"/>
-          </a:xfrm>
-          <a:custGeom>
-            <a:avLst/>
-            <a:gdLst>
-              <a:gd name="T0" fmla="*/ 30 w 1310"/>
-              <a:gd name="T1" fmla="*/ 474 h 1219"/>
-              <a:gd name="T2" fmla="*/ 74 w 1310"/>
-              <a:gd name="T3" fmla="*/ 486 h 1219"/>
-              <a:gd name="T4" fmla="*/ 102 w 1310"/>
-              <a:gd name="T5" fmla="*/ 358 h 1219"/>
-              <a:gd name="T6" fmla="*/ 117 w 1310"/>
-              <a:gd name="T7" fmla="*/ 358 h 1219"/>
-              <a:gd name="T8" fmla="*/ 146 w 1310"/>
-              <a:gd name="T9" fmla="*/ 987 h 1219"/>
-              <a:gd name="T10" fmla="*/ 161 w 1310"/>
-              <a:gd name="T11" fmla="*/ 846 h 1219"/>
-              <a:gd name="T12" fmla="*/ 191 w 1310"/>
-              <a:gd name="T13" fmla="*/ 397 h 1219"/>
-              <a:gd name="T14" fmla="*/ 204 w 1310"/>
-              <a:gd name="T15" fmla="*/ 268 h 1219"/>
-              <a:gd name="T16" fmla="*/ 234 w 1310"/>
-              <a:gd name="T17" fmla="*/ 204 h 1219"/>
-              <a:gd name="T18" fmla="*/ 248 w 1310"/>
-              <a:gd name="T19" fmla="*/ 102 h 1219"/>
-              <a:gd name="T20" fmla="*/ 278 w 1310"/>
-              <a:gd name="T21" fmla="*/ 25 h 1219"/>
-              <a:gd name="T22" fmla="*/ 291 w 1310"/>
-              <a:gd name="T23" fmla="*/ 51 h 1219"/>
-              <a:gd name="T24" fmla="*/ 321 w 1310"/>
-              <a:gd name="T25" fmla="*/ 192 h 1219"/>
-              <a:gd name="T26" fmla="*/ 335 w 1310"/>
-              <a:gd name="T27" fmla="*/ 372 h 1219"/>
-              <a:gd name="T28" fmla="*/ 380 w 1310"/>
-              <a:gd name="T29" fmla="*/ 423 h 1219"/>
-              <a:gd name="T30" fmla="*/ 393 w 1310"/>
-              <a:gd name="T31" fmla="*/ 423 h 1219"/>
-              <a:gd name="T32" fmla="*/ 437 w 1310"/>
-              <a:gd name="T33" fmla="*/ 409 h 1219"/>
-              <a:gd name="T34" fmla="*/ 480 w 1310"/>
-              <a:gd name="T35" fmla="*/ 435 h 1219"/>
-              <a:gd name="T36" fmla="*/ 524 w 1310"/>
-              <a:gd name="T37" fmla="*/ 448 h 1219"/>
-              <a:gd name="T38" fmla="*/ 569 w 1310"/>
-              <a:gd name="T39" fmla="*/ 460 h 1219"/>
-              <a:gd name="T40" fmla="*/ 612 w 1310"/>
-              <a:gd name="T41" fmla="*/ 460 h 1219"/>
-              <a:gd name="T42" fmla="*/ 656 w 1310"/>
-              <a:gd name="T43" fmla="*/ 460 h 1219"/>
-              <a:gd name="T44" fmla="*/ 699 w 1310"/>
-              <a:gd name="T45" fmla="*/ 460 h 1219"/>
-              <a:gd name="T46" fmla="*/ 743 w 1310"/>
-              <a:gd name="T47" fmla="*/ 474 h 1219"/>
-              <a:gd name="T48" fmla="*/ 787 w 1310"/>
-              <a:gd name="T49" fmla="*/ 474 h 1219"/>
-              <a:gd name="T50" fmla="*/ 815 w 1310"/>
-              <a:gd name="T51" fmla="*/ 333 h 1219"/>
-              <a:gd name="T52" fmla="*/ 830 w 1310"/>
-              <a:gd name="T53" fmla="*/ 486 h 1219"/>
-              <a:gd name="T54" fmla="*/ 845 w 1310"/>
-              <a:gd name="T55" fmla="*/ 1219 h 1219"/>
-              <a:gd name="T56" fmla="*/ 874 w 1310"/>
-              <a:gd name="T57" fmla="*/ 680 h 1219"/>
-              <a:gd name="T58" fmla="*/ 889 w 1310"/>
-              <a:gd name="T59" fmla="*/ 319 h 1219"/>
-              <a:gd name="T60" fmla="*/ 917 w 1310"/>
-              <a:gd name="T61" fmla="*/ 256 h 1219"/>
-              <a:gd name="T62" fmla="*/ 932 w 1310"/>
-              <a:gd name="T63" fmla="*/ 178 h 1219"/>
-              <a:gd name="T64" fmla="*/ 961 w 1310"/>
-              <a:gd name="T65" fmla="*/ 102 h 1219"/>
-              <a:gd name="T66" fmla="*/ 991 w 1310"/>
-              <a:gd name="T67" fmla="*/ 37 h 1219"/>
-              <a:gd name="T68" fmla="*/ 1004 w 1310"/>
-              <a:gd name="T69" fmla="*/ 217 h 1219"/>
-              <a:gd name="T70" fmla="*/ 1034 w 1310"/>
-              <a:gd name="T71" fmla="*/ 345 h 1219"/>
-              <a:gd name="T72" fmla="*/ 1063 w 1310"/>
-              <a:gd name="T73" fmla="*/ 435 h 1219"/>
-              <a:gd name="T74" fmla="*/ 1106 w 1310"/>
-              <a:gd name="T75" fmla="*/ 435 h 1219"/>
-              <a:gd name="T76" fmla="*/ 1150 w 1310"/>
-              <a:gd name="T77" fmla="*/ 423 h 1219"/>
-              <a:gd name="T78" fmla="*/ 1193 w 1310"/>
-              <a:gd name="T79" fmla="*/ 448 h 1219"/>
-              <a:gd name="T80" fmla="*/ 1238 w 1310"/>
-              <a:gd name="T81" fmla="*/ 460 h 1219"/>
-              <a:gd name="T82" fmla="*/ 1282 w 1310"/>
-              <a:gd name="T83" fmla="*/ 460 h 1219"/>
-            </a:gdLst>
-            <a:ahLst/>
-            <a:cxnLst>
-              <a:cxn ang="0">
-                <a:pos x="T0" y="T1"/>
-              </a:cxn>
-              <a:cxn ang="0">
-                <a:pos x="T2" y="T3"/>
-              </a:cxn>
-              <a:cxn ang="0">
-                <a:pos x="T4" y="T5"/>
-              </a:cxn>
-              <a:cxn ang="0">
-                <a:pos x="T6" y="T7"/>
-              </a:cxn>
-              <a:cxn ang="0">
-                <a:pos x="T8" y="T9"/>
-              </a:cxn>
-              <a:cxn ang="0">
-                <a:pos x="T10" y="T11"/>
-              </a:cxn>
-              <a:cxn ang="0">
-                <a:pos x="T12" y="T13"/>
-              </a:cxn>
-              <a:cxn ang="0">
-                <a:pos x="T14" y="T15"/>
-              </a:cxn>
-              <a:cxn ang="0">
-                <a:pos x="T16" y="T17"/>
-              </a:cxn>
-              <a:cxn ang="0">
-                <a:pos x="T18" y="T19"/>
-              </a:cxn>
-              <a:cxn ang="0">
-                <a:pos x="T20" y="T21"/>
-              </a:cxn>
-              <a:cxn ang="0">
-                <a:pos x="T22" y="T23"/>
-              </a:cxn>
-              <a:cxn ang="0">
-                <a:pos x="T24" y="T25"/>
-              </a:cxn>
-              <a:cxn ang="0">
-                <a:pos x="T26" y="T27"/>
-              </a:cxn>
-              <a:cxn ang="0">
-                <a:pos x="T28" y="T29"/>
-              </a:cxn>
-              <a:cxn ang="0">
-                <a:pos x="T30" y="T31"/>
-              </a:cxn>
-              <a:cxn ang="0">
-                <a:pos x="T32" y="T33"/>
-              </a:cxn>
-              <a:cxn ang="0">
-                <a:pos x="T34" y="T35"/>
-              </a:cxn>
-              <a:cxn ang="0">
-                <a:pos x="T36" y="T37"/>
-              </a:cxn>
-              <a:cxn ang="0">
-                <a:pos x="T38" y="T39"/>
-              </a:cxn>
-              <a:cxn ang="0">
-                <a:pos x="T40" y="T41"/>
-              </a:cxn>
-              <a:cxn ang="0">
-                <a:pos x="T42" y="T43"/>
-              </a:cxn>
-              <a:cxn ang="0">
-                <a:pos x="T44" y="T45"/>
-              </a:cxn>
-              <a:cxn ang="0">
-                <a:pos x="T46" y="T47"/>
-              </a:cxn>
-              <a:cxn ang="0">
-                <a:pos x="T48" y="T49"/>
-              </a:cxn>
-              <a:cxn ang="0">
-                <a:pos x="T50" y="T51"/>
-              </a:cxn>
-              <a:cxn ang="0">
-                <a:pos x="T52" y="T53"/>
-              </a:cxn>
-              <a:cxn ang="0">
-                <a:pos x="T54" y="T55"/>
-              </a:cxn>
-              <a:cxn ang="0">
-                <a:pos x="T56" y="T57"/>
-              </a:cxn>
-              <a:cxn ang="0">
-                <a:pos x="T58" y="T59"/>
-              </a:cxn>
-              <a:cxn ang="0">
-                <a:pos x="T60" y="T61"/>
-              </a:cxn>
-              <a:cxn ang="0">
-                <a:pos x="T62" y="T63"/>
-              </a:cxn>
-              <a:cxn ang="0">
-                <a:pos x="T64" y="T65"/>
-              </a:cxn>
-              <a:cxn ang="0">
-                <a:pos x="T66" y="T67"/>
-              </a:cxn>
-              <a:cxn ang="0">
-                <a:pos x="T68" y="T69"/>
-              </a:cxn>
-              <a:cxn ang="0">
-                <a:pos x="T70" y="T71"/>
-              </a:cxn>
-              <a:cxn ang="0">
-                <a:pos x="T72" y="T73"/>
-              </a:cxn>
-              <a:cxn ang="0">
-                <a:pos x="T74" y="T75"/>
-              </a:cxn>
-              <a:cxn ang="0">
-                <a:pos x="T76" y="T77"/>
-              </a:cxn>
-              <a:cxn ang="0">
-                <a:pos x="T78" y="T79"/>
-              </a:cxn>
-              <a:cxn ang="0">
-                <a:pos x="T80" y="T81"/>
-              </a:cxn>
-              <a:cxn ang="0">
-                <a:pos x="T82" y="T83"/>
-              </a:cxn>
-            </a:cxnLst>
-            <a:rect l="0" t="0" r="r" b="b"/>
-            <a:pathLst>
-              <a:path w="1310" h="1219">
-                <a:moveTo>
-                  <a:pt x="0" y="460"/>
-                </a:moveTo>
-                <a:lnTo>
-                  <a:pt x="15" y="460"/>
-                </a:lnTo>
-                <a:lnTo>
-                  <a:pt x="30" y="474"/>
-                </a:lnTo>
-                <a:lnTo>
-                  <a:pt x="45" y="486"/>
-                </a:lnTo>
-                <a:lnTo>
-                  <a:pt x="59" y="486"/>
-                </a:lnTo>
-                <a:lnTo>
-                  <a:pt x="74" y="486"/>
-                </a:lnTo>
-                <a:lnTo>
-                  <a:pt x="89" y="474"/>
-                </a:lnTo>
-                <a:lnTo>
-                  <a:pt x="102" y="460"/>
-                </a:lnTo>
-                <a:lnTo>
-                  <a:pt x="102" y="358"/>
-                </a:lnTo>
-                <a:lnTo>
-                  <a:pt x="117" y="345"/>
-                </a:lnTo>
-                <a:lnTo>
-                  <a:pt x="117" y="294"/>
-                </a:lnTo>
-                <a:lnTo>
-                  <a:pt x="117" y="358"/>
-                </a:lnTo>
-                <a:lnTo>
-                  <a:pt x="132" y="409"/>
-                </a:lnTo>
-                <a:lnTo>
-                  <a:pt x="132" y="936"/>
-                </a:lnTo>
-                <a:lnTo>
-                  <a:pt x="146" y="987"/>
-                </a:lnTo>
-                <a:lnTo>
-                  <a:pt x="146" y="1193"/>
-                </a:lnTo>
-                <a:lnTo>
-                  <a:pt x="161" y="1205"/>
-                </a:lnTo>
-                <a:lnTo>
-                  <a:pt x="161" y="846"/>
-                </a:lnTo>
-                <a:lnTo>
-                  <a:pt x="176" y="770"/>
-                </a:lnTo>
-                <a:lnTo>
-                  <a:pt x="176" y="423"/>
-                </a:lnTo>
-                <a:lnTo>
-                  <a:pt x="191" y="397"/>
-                </a:lnTo>
-                <a:lnTo>
-                  <a:pt x="191" y="307"/>
-                </a:lnTo>
-                <a:lnTo>
-                  <a:pt x="204" y="294"/>
-                </a:lnTo>
-                <a:lnTo>
-                  <a:pt x="204" y="268"/>
-                </a:lnTo>
-                <a:lnTo>
-                  <a:pt x="219" y="256"/>
-                </a:lnTo>
-                <a:lnTo>
-                  <a:pt x="219" y="217"/>
-                </a:lnTo>
-                <a:lnTo>
-                  <a:pt x="234" y="204"/>
-                </a:lnTo>
-                <a:lnTo>
-                  <a:pt x="234" y="166"/>
-                </a:lnTo>
-                <a:lnTo>
-                  <a:pt x="248" y="153"/>
-                </a:lnTo>
-                <a:lnTo>
-                  <a:pt x="248" y="102"/>
-                </a:lnTo>
-                <a:lnTo>
-                  <a:pt x="263" y="88"/>
-                </a:lnTo>
-                <a:lnTo>
-                  <a:pt x="263" y="37"/>
-                </a:lnTo>
-                <a:lnTo>
-                  <a:pt x="278" y="25"/>
-                </a:lnTo>
-                <a:lnTo>
-                  <a:pt x="278" y="0"/>
-                </a:lnTo>
-                <a:lnTo>
-                  <a:pt x="291" y="12"/>
-                </a:lnTo>
-                <a:lnTo>
-                  <a:pt x="291" y="51"/>
-                </a:lnTo>
-                <a:lnTo>
-                  <a:pt x="306" y="63"/>
-                </a:lnTo>
-                <a:lnTo>
-                  <a:pt x="306" y="178"/>
-                </a:lnTo>
-                <a:lnTo>
-                  <a:pt x="321" y="192"/>
-                </a:lnTo>
-                <a:lnTo>
-                  <a:pt x="321" y="307"/>
-                </a:lnTo>
-                <a:lnTo>
-                  <a:pt x="335" y="319"/>
-                </a:lnTo>
-                <a:lnTo>
-                  <a:pt x="335" y="372"/>
-                </a:lnTo>
-                <a:lnTo>
-                  <a:pt x="350" y="384"/>
-                </a:lnTo>
-                <a:lnTo>
-                  <a:pt x="350" y="397"/>
-                </a:lnTo>
-                <a:lnTo>
-                  <a:pt x="380" y="423"/>
-                </a:lnTo>
-                <a:lnTo>
-                  <a:pt x="365" y="423"/>
-                </a:lnTo>
-                <a:lnTo>
-                  <a:pt x="380" y="423"/>
-                </a:lnTo>
-                <a:lnTo>
-                  <a:pt x="393" y="423"/>
-                </a:lnTo>
-                <a:lnTo>
-                  <a:pt x="408" y="423"/>
-                </a:lnTo>
-                <a:lnTo>
-                  <a:pt x="423" y="423"/>
-                </a:lnTo>
-                <a:lnTo>
-                  <a:pt x="437" y="409"/>
-                </a:lnTo>
-                <a:lnTo>
-                  <a:pt x="452" y="409"/>
-                </a:lnTo>
-                <a:lnTo>
-                  <a:pt x="467" y="423"/>
-                </a:lnTo>
-                <a:lnTo>
-                  <a:pt x="480" y="435"/>
-                </a:lnTo>
-                <a:lnTo>
-                  <a:pt x="495" y="435"/>
-                </a:lnTo>
-                <a:lnTo>
-                  <a:pt x="510" y="448"/>
-                </a:lnTo>
-                <a:lnTo>
-                  <a:pt x="524" y="448"/>
-                </a:lnTo>
-                <a:lnTo>
-                  <a:pt x="539" y="460"/>
-                </a:lnTo>
-                <a:lnTo>
-                  <a:pt x="554" y="460"/>
-                </a:lnTo>
-                <a:lnTo>
-                  <a:pt x="569" y="460"/>
-                </a:lnTo>
-                <a:lnTo>
-                  <a:pt x="582" y="460"/>
-                </a:lnTo>
-                <a:lnTo>
-                  <a:pt x="597" y="460"/>
-                </a:lnTo>
-                <a:lnTo>
-                  <a:pt x="612" y="460"/>
-                </a:lnTo>
-                <a:lnTo>
-                  <a:pt x="626" y="460"/>
-                </a:lnTo>
-                <a:lnTo>
-                  <a:pt x="641" y="460"/>
-                </a:lnTo>
-                <a:lnTo>
-                  <a:pt x="656" y="460"/>
-                </a:lnTo>
-                <a:lnTo>
-                  <a:pt x="669" y="474"/>
-                </a:lnTo>
-                <a:lnTo>
-                  <a:pt x="684" y="460"/>
-                </a:lnTo>
-                <a:lnTo>
-                  <a:pt x="699" y="460"/>
-                </a:lnTo>
-                <a:lnTo>
-                  <a:pt x="714" y="460"/>
-                </a:lnTo>
-                <a:lnTo>
-                  <a:pt x="728" y="460"/>
-                </a:lnTo>
-                <a:lnTo>
-                  <a:pt x="743" y="474"/>
-                </a:lnTo>
-                <a:lnTo>
-                  <a:pt x="758" y="486"/>
-                </a:lnTo>
-                <a:lnTo>
-                  <a:pt x="772" y="474"/>
-                </a:lnTo>
-                <a:lnTo>
-                  <a:pt x="787" y="474"/>
-                </a:lnTo>
-                <a:lnTo>
-                  <a:pt x="802" y="448"/>
-                </a:lnTo>
-                <a:lnTo>
-                  <a:pt x="802" y="345"/>
-                </a:lnTo>
-                <a:lnTo>
-                  <a:pt x="815" y="333"/>
-                </a:lnTo>
-                <a:lnTo>
-                  <a:pt x="815" y="282"/>
-                </a:lnTo>
-                <a:lnTo>
-                  <a:pt x="815" y="423"/>
-                </a:lnTo>
-                <a:lnTo>
-                  <a:pt x="830" y="486"/>
-                </a:lnTo>
-                <a:lnTo>
-                  <a:pt x="830" y="962"/>
-                </a:lnTo>
-                <a:lnTo>
-                  <a:pt x="845" y="1013"/>
-                </a:lnTo>
-                <a:lnTo>
-                  <a:pt x="845" y="1219"/>
-                </a:lnTo>
-                <a:lnTo>
-                  <a:pt x="859" y="1205"/>
-                </a:lnTo>
-                <a:lnTo>
-                  <a:pt x="859" y="744"/>
-                </a:lnTo>
-                <a:lnTo>
-                  <a:pt x="874" y="680"/>
-                </a:lnTo>
-                <a:lnTo>
-                  <a:pt x="874" y="409"/>
-                </a:lnTo>
-                <a:lnTo>
-                  <a:pt x="889" y="397"/>
-                </a:lnTo>
-                <a:lnTo>
-                  <a:pt x="889" y="319"/>
-                </a:lnTo>
-                <a:lnTo>
-                  <a:pt x="904" y="307"/>
-                </a:lnTo>
-                <a:lnTo>
-                  <a:pt x="904" y="268"/>
-                </a:lnTo>
-                <a:lnTo>
-                  <a:pt x="917" y="256"/>
-                </a:lnTo>
-                <a:lnTo>
-                  <a:pt x="917" y="229"/>
-                </a:lnTo>
-                <a:lnTo>
-                  <a:pt x="932" y="217"/>
-                </a:lnTo>
-                <a:lnTo>
-                  <a:pt x="932" y="178"/>
-                </a:lnTo>
-                <a:lnTo>
-                  <a:pt x="947" y="166"/>
-                </a:lnTo>
-                <a:lnTo>
-                  <a:pt x="947" y="114"/>
-                </a:lnTo>
-                <a:lnTo>
-                  <a:pt x="961" y="102"/>
-                </a:lnTo>
-                <a:lnTo>
-                  <a:pt x="961" y="37"/>
-                </a:lnTo>
-                <a:lnTo>
-                  <a:pt x="976" y="25"/>
-                </a:lnTo>
-                <a:lnTo>
-                  <a:pt x="991" y="37"/>
-                </a:lnTo>
-                <a:lnTo>
-                  <a:pt x="991" y="76"/>
-                </a:lnTo>
-                <a:lnTo>
-                  <a:pt x="1004" y="88"/>
-                </a:lnTo>
-                <a:lnTo>
-                  <a:pt x="1004" y="217"/>
-                </a:lnTo>
-                <a:lnTo>
-                  <a:pt x="1019" y="229"/>
-                </a:lnTo>
-                <a:lnTo>
-                  <a:pt x="1019" y="333"/>
-                </a:lnTo>
-                <a:lnTo>
-                  <a:pt x="1034" y="345"/>
-                </a:lnTo>
-                <a:lnTo>
-                  <a:pt x="1034" y="397"/>
-                </a:lnTo>
-                <a:lnTo>
-                  <a:pt x="1063" y="423"/>
-                </a:lnTo>
-                <a:lnTo>
-                  <a:pt x="1063" y="435"/>
-                </a:lnTo>
-                <a:lnTo>
-                  <a:pt x="1078" y="448"/>
-                </a:lnTo>
-                <a:lnTo>
-                  <a:pt x="1093" y="448"/>
-                </a:lnTo>
-                <a:lnTo>
-                  <a:pt x="1106" y="435"/>
-                </a:lnTo>
-                <a:lnTo>
-                  <a:pt x="1121" y="435"/>
-                </a:lnTo>
-                <a:lnTo>
-                  <a:pt x="1136" y="423"/>
-                </a:lnTo>
-                <a:lnTo>
-                  <a:pt x="1150" y="423"/>
-                </a:lnTo>
-                <a:lnTo>
-                  <a:pt x="1165" y="435"/>
-                </a:lnTo>
-                <a:lnTo>
-                  <a:pt x="1180" y="435"/>
-                </a:lnTo>
-                <a:lnTo>
-                  <a:pt x="1193" y="448"/>
-                </a:lnTo>
-                <a:lnTo>
-                  <a:pt x="1208" y="448"/>
-                </a:lnTo>
-                <a:lnTo>
-                  <a:pt x="1223" y="460"/>
-                </a:lnTo>
-                <a:lnTo>
-                  <a:pt x="1238" y="460"/>
-                </a:lnTo>
-                <a:lnTo>
-                  <a:pt x="1252" y="460"/>
-                </a:lnTo>
-                <a:lnTo>
-                  <a:pt x="1267" y="460"/>
-                </a:lnTo>
-                <a:lnTo>
-                  <a:pt x="1282" y="460"/>
-                </a:lnTo>
-                <a:lnTo>
-                  <a:pt x="1295" y="474"/>
-                </a:lnTo>
-                <a:lnTo>
-                  <a:pt x="1310" y="474"/>
-                </a:lnTo>
-              </a:path>
-            </a:pathLst>
-          </a:custGeom>
-          <a:noFill/>
-          <a:ln w="25400">
-            <a:solidFill>
-              <a:srgbClr val="0000FF"/>
-            </a:solidFill>
-            <a:prstDash val="solid"/>
-            <a:round/>
-            <a:headEnd/>
-            <a:tailEnd/>
-          </a:ln>
-          <a:extLst>
-            <a:ext uri="{909E8E84-426E-40DD-AFC4-6F175D3DCCD1}">
-              <a14:hiddenFill xmlns:a14="http://schemas.microsoft.com/office/drawing/2010/main">
-                <a:solidFill>
-                  <a:srgbClr val="FFFFFF"/>
-                </a:solidFill>
-              </a14:hiddenFill>
-            </a:ext>
-          </a:extLst>
-        </p:spPr>
-        <p:txBody>
-          <a:bodyPr/>
-          <a:lstStyle/>
-          <a:p>
-            <a:endParaRPr lang="en-GB"/>
-          </a:p>
-        </p:txBody>
-      </p:sp>
-      <p:sp>
-        <p:nvSpPr>
-          <p:cNvPr id="37" name="Freeform 63">
-            <a:extLst>
-              <a:ext uri="{FF2B5EF4-FFF2-40B4-BE49-F238E27FC236}">
-                <a16:creationId xmlns:a16="http://schemas.microsoft.com/office/drawing/2014/main" id="{46BCC8F4-CF20-AEFD-0FBD-6F105E18D997}"/>
-              </a:ext>
-            </a:extLst>
-          </p:cNvPr>
-          <p:cNvSpPr>
-            <a:spLocks/>
-          </p:cNvSpPr>
-          <p:nvPr/>
-        </p:nvSpPr>
-        <p:spPr bwMode="auto">
-          <a:xfrm>
-            <a:off x="6653329" y="3497364"/>
-            <a:ext cx="2125663" cy="906463"/>
-          </a:xfrm>
-          <a:custGeom>
-            <a:avLst/>
-            <a:gdLst>
-              <a:gd name="T0" fmla="*/ 29 w 1542"/>
-              <a:gd name="T1" fmla="*/ 437 h 1142"/>
-              <a:gd name="T2" fmla="*/ 72 w 1542"/>
-              <a:gd name="T3" fmla="*/ 450 h 1142"/>
-              <a:gd name="T4" fmla="*/ 116 w 1542"/>
-              <a:gd name="T5" fmla="*/ 450 h 1142"/>
-              <a:gd name="T6" fmla="*/ 161 w 1542"/>
-              <a:gd name="T7" fmla="*/ 462 h 1142"/>
-              <a:gd name="T8" fmla="*/ 190 w 1542"/>
-              <a:gd name="T9" fmla="*/ 296 h 1142"/>
-              <a:gd name="T10" fmla="*/ 205 w 1542"/>
-              <a:gd name="T11" fmla="*/ 437 h 1142"/>
-              <a:gd name="T12" fmla="*/ 233 w 1542"/>
-              <a:gd name="T13" fmla="*/ 976 h 1142"/>
-              <a:gd name="T14" fmla="*/ 248 w 1542"/>
-              <a:gd name="T15" fmla="*/ 1105 h 1142"/>
-              <a:gd name="T16" fmla="*/ 262 w 1542"/>
-              <a:gd name="T17" fmla="*/ 372 h 1142"/>
-              <a:gd name="T18" fmla="*/ 292 w 1542"/>
-              <a:gd name="T19" fmla="*/ 270 h 1142"/>
-              <a:gd name="T20" fmla="*/ 305 w 1542"/>
-              <a:gd name="T21" fmla="*/ 206 h 1142"/>
-              <a:gd name="T22" fmla="*/ 335 w 1542"/>
-              <a:gd name="T23" fmla="*/ 141 h 1142"/>
-              <a:gd name="T24" fmla="*/ 349 w 1542"/>
-              <a:gd name="T25" fmla="*/ 26 h 1142"/>
-              <a:gd name="T26" fmla="*/ 364 w 1542"/>
-              <a:gd name="T27" fmla="*/ 14 h 1142"/>
-              <a:gd name="T28" fmla="*/ 394 w 1542"/>
-              <a:gd name="T29" fmla="*/ 104 h 1142"/>
-              <a:gd name="T30" fmla="*/ 407 w 1542"/>
-              <a:gd name="T31" fmla="*/ 309 h 1142"/>
-              <a:gd name="T32" fmla="*/ 452 w 1542"/>
-              <a:gd name="T33" fmla="*/ 398 h 1142"/>
-              <a:gd name="T34" fmla="*/ 467 w 1542"/>
-              <a:gd name="T35" fmla="*/ 411 h 1142"/>
-              <a:gd name="T36" fmla="*/ 511 w 1542"/>
-              <a:gd name="T37" fmla="*/ 398 h 1142"/>
-              <a:gd name="T38" fmla="*/ 554 w 1542"/>
-              <a:gd name="T39" fmla="*/ 411 h 1142"/>
-              <a:gd name="T40" fmla="*/ 598 w 1542"/>
-              <a:gd name="T41" fmla="*/ 437 h 1142"/>
-              <a:gd name="T42" fmla="*/ 641 w 1542"/>
-              <a:gd name="T43" fmla="*/ 437 h 1142"/>
-              <a:gd name="T44" fmla="*/ 685 w 1542"/>
-              <a:gd name="T45" fmla="*/ 437 h 1142"/>
-              <a:gd name="T46" fmla="*/ 728 w 1542"/>
-              <a:gd name="T47" fmla="*/ 437 h 1142"/>
-              <a:gd name="T48" fmla="*/ 772 w 1542"/>
-              <a:gd name="T49" fmla="*/ 437 h 1142"/>
-              <a:gd name="T50" fmla="*/ 816 w 1542"/>
-              <a:gd name="T51" fmla="*/ 437 h 1142"/>
-              <a:gd name="T52" fmla="*/ 859 w 1542"/>
-              <a:gd name="T53" fmla="*/ 437 h 1142"/>
-              <a:gd name="T54" fmla="*/ 903 w 1542"/>
-              <a:gd name="T55" fmla="*/ 437 h 1142"/>
-              <a:gd name="T56" fmla="*/ 946 w 1542"/>
-              <a:gd name="T57" fmla="*/ 437 h 1142"/>
-              <a:gd name="T58" fmla="*/ 990 w 1542"/>
-              <a:gd name="T59" fmla="*/ 437 h 1142"/>
-              <a:gd name="T60" fmla="*/ 1033 w 1542"/>
-              <a:gd name="T61" fmla="*/ 437 h 1142"/>
-              <a:gd name="T62" fmla="*/ 1078 w 1542"/>
-              <a:gd name="T63" fmla="*/ 437 h 1142"/>
-              <a:gd name="T64" fmla="*/ 1122 w 1542"/>
-              <a:gd name="T65" fmla="*/ 437 h 1142"/>
-              <a:gd name="T66" fmla="*/ 1165 w 1542"/>
-              <a:gd name="T67" fmla="*/ 437 h 1142"/>
-              <a:gd name="T68" fmla="*/ 1209 w 1542"/>
-              <a:gd name="T69" fmla="*/ 437 h 1142"/>
-              <a:gd name="T70" fmla="*/ 1252 w 1542"/>
-              <a:gd name="T71" fmla="*/ 437 h 1142"/>
-              <a:gd name="T72" fmla="*/ 1296 w 1542"/>
-              <a:gd name="T73" fmla="*/ 437 h 1142"/>
-              <a:gd name="T74" fmla="*/ 1339 w 1542"/>
-              <a:gd name="T75" fmla="*/ 437 h 1142"/>
-              <a:gd name="T76" fmla="*/ 1383 w 1542"/>
-              <a:gd name="T77" fmla="*/ 437 h 1142"/>
-              <a:gd name="T78" fmla="*/ 1426 w 1542"/>
-              <a:gd name="T79" fmla="*/ 437 h 1142"/>
-              <a:gd name="T80" fmla="*/ 1470 w 1542"/>
-              <a:gd name="T81" fmla="*/ 437 h 1142"/>
-              <a:gd name="T82" fmla="*/ 1514 w 1542"/>
-              <a:gd name="T83" fmla="*/ 437 h 1142"/>
-            </a:gdLst>
-            <a:ahLst/>
-            <a:cxnLst>
-              <a:cxn ang="0">
-                <a:pos x="T0" y="T1"/>
-              </a:cxn>
-              <a:cxn ang="0">
-                <a:pos x="T2" y="T3"/>
-              </a:cxn>
-              <a:cxn ang="0">
-                <a:pos x="T4" y="T5"/>
-              </a:cxn>
-              <a:cxn ang="0">
-                <a:pos x="T6" y="T7"/>
-              </a:cxn>
-              <a:cxn ang="0">
-                <a:pos x="T8" y="T9"/>
-              </a:cxn>
-              <a:cxn ang="0">
-                <a:pos x="T10" y="T11"/>
-              </a:cxn>
-              <a:cxn ang="0">
-                <a:pos x="T12" y="T13"/>
-              </a:cxn>
-              <a:cxn ang="0">
-                <a:pos x="T14" y="T15"/>
-              </a:cxn>
-              <a:cxn ang="0">
-                <a:pos x="T16" y="T17"/>
-              </a:cxn>
-              <a:cxn ang="0">
-                <a:pos x="T18" y="T19"/>
-              </a:cxn>
-              <a:cxn ang="0">
-                <a:pos x="T20" y="T21"/>
-              </a:cxn>
-              <a:cxn ang="0">
-                <a:pos x="T22" y="T23"/>
-              </a:cxn>
-              <a:cxn ang="0">
-                <a:pos x="T24" y="T25"/>
-              </a:cxn>
-              <a:cxn ang="0">
-                <a:pos x="T26" y="T27"/>
-              </a:cxn>
-              <a:cxn ang="0">
-                <a:pos x="T28" y="T29"/>
-              </a:cxn>
-              <a:cxn ang="0">
-                <a:pos x="T30" y="T31"/>
-              </a:cxn>
-              <a:cxn ang="0">
-                <a:pos x="T32" y="T33"/>
-              </a:cxn>
-              <a:cxn ang="0">
-                <a:pos x="T34" y="T35"/>
-              </a:cxn>
-              <a:cxn ang="0">
-                <a:pos x="T36" y="T37"/>
-              </a:cxn>
-              <a:cxn ang="0">
-                <a:pos x="T38" y="T39"/>
-              </a:cxn>
-              <a:cxn ang="0">
-                <a:pos x="T40" y="T41"/>
-              </a:cxn>
-              <a:cxn ang="0">
-                <a:pos x="T42" y="T43"/>
-              </a:cxn>
-              <a:cxn ang="0">
-                <a:pos x="T44" y="T45"/>
-              </a:cxn>
-              <a:cxn ang="0">
-                <a:pos x="T46" y="T47"/>
-              </a:cxn>
-              <a:cxn ang="0">
-                <a:pos x="T48" y="T49"/>
-              </a:cxn>
-              <a:cxn ang="0">
-                <a:pos x="T50" y="T51"/>
-              </a:cxn>
-              <a:cxn ang="0">
-                <a:pos x="T52" y="T53"/>
-              </a:cxn>
-              <a:cxn ang="0">
-                <a:pos x="T54" y="T55"/>
-              </a:cxn>
-              <a:cxn ang="0">
-                <a:pos x="T56" y="T57"/>
-              </a:cxn>
-              <a:cxn ang="0">
-                <a:pos x="T58" y="T59"/>
-              </a:cxn>
-              <a:cxn ang="0">
-                <a:pos x="T60" y="T61"/>
-              </a:cxn>
-              <a:cxn ang="0">
-                <a:pos x="T62" y="T63"/>
-              </a:cxn>
-              <a:cxn ang="0">
-                <a:pos x="T64" y="T65"/>
-              </a:cxn>
-              <a:cxn ang="0">
-                <a:pos x="T66" y="T67"/>
-              </a:cxn>
-              <a:cxn ang="0">
-                <a:pos x="T68" y="T69"/>
-              </a:cxn>
-              <a:cxn ang="0">
-                <a:pos x="T70" y="T71"/>
-              </a:cxn>
-              <a:cxn ang="0">
-                <a:pos x="T72" y="T73"/>
-              </a:cxn>
-              <a:cxn ang="0">
-                <a:pos x="T74" y="T75"/>
-              </a:cxn>
-              <a:cxn ang="0">
-                <a:pos x="T76" y="T77"/>
-              </a:cxn>
-              <a:cxn ang="0">
-                <a:pos x="T78" y="T79"/>
-              </a:cxn>
-              <a:cxn ang="0">
-                <a:pos x="T80" y="T81"/>
-              </a:cxn>
-              <a:cxn ang="0">
-                <a:pos x="T82" y="T83"/>
-              </a:cxn>
-            </a:cxnLst>
-            <a:rect l="0" t="0" r="r" b="b"/>
-            <a:pathLst>
-              <a:path w="1542" h="1142">
-                <a:moveTo>
-                  <a:pt x="0" y="437"/>
-                </a:moveTo>
-                <a:lnTo>
-                  <a:pt x="15" y="437"/>
-                </a:lnTo>
-                <a:lnTo>
-                  <a:pt x="29" y="437"/>
-                </a:lnTo>
-                <a:lnTo>
-                  <a:pt x="44" y="450"/>
-                </a:lnTo>
-                <a:lnTo>
-                  <a:pt x="59" y="450"/>
-                </a:lnTo>
-                <a:lnTo>
-                  <a:pt x="72" y="450"/>
-                </a:lnTo>
-                <a:lnTo>
-                  <a:pt x="87" y="437"/>
-                </a:lnTo>
-                <a:lnTo>
-                  <a:pt x="103" y="437"/>
-                </a:lnTo>
-                <a:lnTo>
-                  <a:pt x="116" y="450"/>
-                </a:lnTo>
-                <a:lnTo>
-                  <a:pt x="131" y="462"/>
-                </a:lnTo>
-                <a:lnTo>
-                  <a:pt x="146" y="462"/>
-                </a:lnTo>
-                <a:lnTo>
-                  <a:pt x="161" y="462"/>
-                </a:lnTo>
-                <a:lnTo>
-                  <a:pt x="175" y="450"/>
-                </a:lnTo>
-                <a:lnTo>
-                  <a:pt x="190" y="437"/>
-                </a:lnTo>
-                <a:lnTo>
-                  <a:pt x="190" y="296"/>
-                </a:lnTo>
-                <a:lnTo>
-                  <a:pt x="205" y="270"/>
-                </a:lnTo>
-                <a:lnTo>
-                  <a:pt x="205" y="257"/>
-                </a:lnTo>
-                <a:lnTo>
-                  <a:pt x="205" y="437"/>
-                </a:lnTo>
-                <a:lnTo>
-                  <a:pt x="218" y="501"/>
-                </a:lnTo>
-                <a:lnTo>
-                  <a:pt x="218" y="937"/>
-                </a:lnTo>
-                <a:lnTo>
-                  <a:pt x="233" y="976"/>
-                </a:lnTo>
-                <a:lnTo>
-                  <a:pt x="233" y="1142"/>
-                </a:lnTo>
-                <a:lnTo>
-                  <a:pt x="233" y="1130"/>
-                </a:lnTo>
-                <a:lnTo>
-                  <a:pt x="248" y="1105"/>
-                </a:lnTo>
-                <a:lnTo>
-                  <a:pt x="248" y="655"/>
-                </a:lnTo>
-                <a:lnTo>
-                  <a:pt x="262" y="592"/>
-                </a:lnTo>
-                <a:lnTo>
-                  <a:pt x="262" y="372"/>
-                </a:lnTo>
-                <a:lnTo>
-                  <a:pt x="277" y="360"/>
-                </a:lnTo>
-                <a:lnTo>
-                  <a:pt x="277" y="282"/>
-                </a:lnTo>
-                <a:lnTo>
-                  <a:pt x="292" y="270"/>
-                </a:lnTo>
-                <a:lnTo>
-                  <a:pt x="292" y="245"/>
-                </a:lnTo>
-                <a:lnTo>
-                  <a:pt x="305" y="231"/>
-                </a:lnTo>
-                <a:lnTo>
-                  <a:pt x="305" y="206"/>
-                </a:lnTo>
-                <a:lnTo>
-                  <a:pt x="320" y="194"/>
-                </a:lnTo>
-                <a:lnTo>
-                  <a:pt x="320" y="155"/>
-                </a:lnTo>
-                <a:lnTo>
-                  <a:pt x="335" y="141"/>
-                </a:lnTo>
-                <a:lnTo>
-                  <a:pt x="335" y="78"/>
-                </a:lnTo>
-                <a:lnTo>
-                  <a:pt x="349" y="65"/>
-                </a:lnTo>
-                <a:lnTo>
-                  <a:pt x="349" y="26"/>
-                </a:lnTo>
-                <a:lnTo>
-                  <a:pt x="364" y="14"/>
-                </a:lnTo>
-                <a:lnTo>
-                  <a:pt x="364" y="0"/>
-                </a:lnTo>
-                <a:lnTo>
-                  <a:pt x="364" y="14"/>
-                </a:lnTo>
-                <a:lnTo>
-                  <a:pt x="379" y="26"/>
-                </a:lnTo>
-                <a:lnTo>
-                  <a:pt x="379" y="90"/>
-                </a:lnTo>
-                <a:lnTo>
-                  <a:pt x="394" y="104"/>
-                </a:lnTo>
-                <a:lnTo>
-                  <a:pt x="394" y="219"/>
-                </a:lnTo>
-                <a:lnTo>
-                  <a:pt x="407" y="231"/>
-                </a:lnTo>
-                <a:lnTo>
-                  <a:pt x="407" y="309"/>
-                </a:lnTo>
-                <a:lnTo>
-                  <a:pt x="422" y="321"/>
-                </a:lnTo>
-                <a:lnTo>
-                  <a:pt x="422" y="372"/>
-                </a:lnTo>
-                <a:lnTo>
-                  <a:pt x="452" y="398"/>
-                </a:lnTo>
-                <a:lnTo>
-                  <a:pt x="437" y="398"/>
-                </a:lnTo>
-                <a:lnTo>
-                  <a:pt x="452" y="398"/>
-                </a:lnTo>
-                <a:lnTo>
-                  <a:pt x="467" y="411"/>
-                </a:lnTo>
-                <a:lnTo>
-                  <a:pt x="481" y="411"/>
-                </a:lnTo>
-                <a:lnTo>
-                  <a:pt x="496" y="411"/>
-                </a:lnTo>
-                <a:lnTo>
-                  <a:pt x="511" y="398"/>
-                </a:lnTo>
-                <a:lnTo>
-                  <a:pt x="524" y="398"/>
-                </a:lnTo>
-                <a:lnTo>
-                  <a:pt x="539" y="411"/>
-                </a:lnTo>
-                <a:lnTo>
-                  <a:pt x="554" y="411"/>
-                </a:lnTo>
-                <a:lnTo>
-                  <a:pt x="568" y="423"/>
-                </a:lnTo>
-                <a:lnTo>
-                  <a:pt x="583" y="423"/>
-                </a:lnTo>
-                <a:lnTo>
-                  <a:pt x="598" y="437"/>
-                </a:lnTo>
-                <a:lnTo>
-                  <a:pt x="613" y="437"/>
-                </a:lnTo>
-                <a:lnTo>
-                  <a:pt x="626" y="437"/>
-                </a:lnTo>
-                <a:lnTo>
-                  <a:pt x="641" y="437"/>
-                </a:lnTo>
-                <a:lnTo>
-                  <a:pt x="656" y="437"/>
-                </a:lnTo>
-                <a:lnTo>
-                  <a:pt x="670" y="437"/>
-                </a:lnTo>
-                <a:lnTo>
-                  <a:pt x="685" y="437"/>
-                </a:lnTo>
-                <a:lnTo>
-                  <a:pt x="700" y="437"/>
-                </a:lnTo>
-                <a:lnTo>
-                  <a:pt x="713" y="437"/>
-                </a:lnTo>
-                <a:lnTo>
-                  <a:pt x="728" y="437"/>
-                </a:lnTo>
-                <a:lnTo>
-                  <a:pt x="743" y="437"/>
-                </a:lnTo>
-                <a:lnTo>
-                  <a:pt x="757" y="437"/>
-                </a:lnTo>
-                <a:lnTo>
-                  <a:pt x="772" y="437"/>
-                </a:lnTo>
-                <a:lnTo>
-                  <a:pt x="787" y="437"/>
-                </a:lnTo>
-                <a:lnTo>
-                  <a:pt x="801" y="437"/>
-                </a:lnTo>
-                <a:lnTo>
-                  <a:pt x="816" y="437"/>
-                </a:lnTo>
-                <a:lnTo>
-                  <a:pt x="831" y="437"/>
-                </a:lnTo>
-                <a:lnTo>
-                  <a:pt x="846" y="437"/>
-                </a:lnTo>
-                <a:lnTo>
-                  <a:pt x="859" y="437"/>
-                </a:lnTo>
-                <a:lnTo>
-                  <a:pt x="874" y="437"/>
-                </a:lnTo>
-                <a:lnTo>
-                  <a:pt x="889" y="437"/>
-                </a:lnTo>
-                <a:lnTo>
-                  <a:pt x="903" y="437"/>
-                </a:lnTo>
-                <a:lnTo>
-                  <a:pt x="918" y="437"/>
-                </a:lnTo>
-                <a:lnTo>
-                  <a:pt x="933" y="437"/>
-                </a:lnTo>
-                <a:lnTo>
-                  <a:pt x="946" y="437"/>
-                </a:lnTo>
-                <a:lnTo>
-                  <a:pt x="961" y="437"/>
-                </a:lnTo>
-                <a:lnTo>
-                  <a:pt x="976" y="437"/>
-                </a:lnTo>
-                <a:lnTo>
-                  <a:pt x="990" y="437"/>
-                </a:lnTo>
-                <a:lnTo>
-                  <a:pt x="1005" y="437"/>
-                </a:lnTo>
-                <a:lnTo>
-                  <a:pt x="1020" y="437"/>
-                </a:lnTo>
-                <a:lnTo>
-                  <a:pt x="1033" y="437"/>
-                </a:lnTo>
-                <a:lnTo>
-                  <a:pt x="1048" y="437"/>
-                </a:lnTo>
-                <a:lnTo>
-                  <a:pt x="1063" y="437"/>
-                </a:lnTo>
-                <a:lnTo>
-                  <a:pt x="1078" y="437"/>
-                </a:lnTo>
-                <a:lnTo>
-                  <a:pt x="1092" y="437"/>
-                </a:lnTo>
-                <a:lnTo>
-                  <a:pt x="1107" y="437"/>
-                </a:lnTo>
-                <a:lnTo>
-                  <a:pt x="1122" y="437"/>
-                </a:lnTo>
-                <a:lnTo>
-                  <a:pt x="1135" y="437"/>
-                </a:lnTo>
-                <a:lnTo>
-                  <a:pt x="1150" y="437"/>
-                </a:lnTo>
-                <a:lnTo>
-                  <a:pt x="1165" y="437"/>
-                </a:lnTo>
-                <a:lnTo>
-                  <a:pt x="1179" y="437"/>
-                </a:lnTo>
-                <a:lnTo>
-                  <a:pt x="1194" y="437"/>
-                </a:lnTo>
-                <a:lnTo>
-                  <a:pt x="1209" y="437"/>
-                </a:lnTo>
-                <a:lnTo>
-                  <a:pt x="1222" y="437"/>
-                </a:lnTo>
-                <a:lnTo>
-                  <a:pt x="1237" y="437"/>
-                </a:lnTo>
-                <a:lnTo>
-                  <a:pt x="1252" y="437"/>
-                </a:lnTo>
-                <a:lnTo>
-                  <a:pt x="1266" y="437"/>
-                </a:lnTo>
-                <a:lnTo>
-                  <a:pt x="1281" y="437"/>
-                </a:lnTo>
-                <a:lnTo>
-                  <a:pt x="1296" y="437"/>
-                </a:lnTo>
-                <a:lnTo>
-                  <a:pt x="1311" y="437"/>
-                </a:lnTo>
-                <a:lnTo>
-                  <a:pt x="1324" y="437"/>
-                </a:lnTo>
-                <a:lnTo>
-                  <a:pt x="1339" y="437"/>
-                </a:lnTo>
-                <a:lnTo>
-                  <a:pt x="1354" y="437"/>
-                </a:lnTo>
-                <a:lnTo>
-                  <a:pt x="1368" y="437"/>
-                </a:lnTo>
-                <a:lnTo>
-                  <a:pt x="1383" y="437"/>
-                </a:lnTo>
-                <a:lnTo>
-                  <a:pt x="1398" y="437"/>
-                </a:lnTo>
-                <a:lnTo>
-                  <a:pt x="1411" y="437"/>
-                </a:lnTo>
-                <a:lnTo>
-                  <a:pt x="1426" y="437"/>
-                </a:lnTo>
-                <a:lnTo>
-                  <a:pt x="1441" y="437"/>
-                </a:lnTo>
-                <a:lnTo>
-                  <a:pt x="1455" y="437"/>
-                </a:lnTo>
-                <a:lnTo>
-                  <a:pt x="1470" y="437"/>
-                </a:lnTo>
-                <a:lnTo>
-                  <a:pt x="1485" y="437"/>
-                </a:lnTo>
-                <a:lnTo>
-                  <a:pt x="1499" y="437"/>
-                </a:lnTo>
-                <a:lnTo>
-                  <a:pt x="1514" y="437"/>
-                </a:lnTo>
-                <a:lnTo>
-                  <a:pt x="1529" y="437"/>
-                </a:lnTo>
-                <a:lnTo>
-                  <a:pt x="1542" y="437"/>
-                </a:lnTo>
-              </a:path>
-            </a:pathLst>
-          </a:custGeom>
-          <a:noFill/>
-          <a:ln w="25400">
-            <a:solidFill>
-              <a:srgbClr val="0000FF"/>
-            </a:solidFill>
-            <a:prstDash val="solid"/>
-            <a:round/>
-            <a:headEnd/>
-            <a:tailEnd/>
-          </a:ln>
-          <a:extLst>
-            <a:ext uri="{909E8E84-426E-40DD-AFC4-6F175D3DCCD1}">
-              <a14:hiddenFill xmlns:a14="http://schemas.microsoft.com/office/drawing/2010/main">
-                <a:solidFill>
-                  <a:srgbClr val="FFFFFF"/>
-                </a:solidFill>
-              </a14:hiddenFill>
-            </a:ext>
-          </a:extLst>
-        </p:spPr>
-        <p:txBody>
-          <a:bodyPr/>
-          <a:lstStyle/>
-          <a:p>
-            <a:endParaRPr lang="en-GB"/>
-          </a:p>
-        </p:txBody>
-      </p:sp>
-      <p:sp>
-        <p:nvSpPr>
-          <p:cNvPr id="38" name="Freeform 64">
-            <a:extLst>
-              <a:ext uri="{FF2B5EF4-FFF2-40B4-BE49-F238E27FC236}">
-                <a16:creationId xmlns:a16="http://schemas.microsoft.com/office/drawing/2014/main" id="{2AA22A79-2EB4-6F3C-2DA6-46E6AA1D4E88}"/>
-              </a:ext>
-            </a:extLst>
-          </p:cNvPr>
-          <p:cNvSpPr>
-            <a:spLocks/>
-          </p:cNvSpPr>
-          <p:nvPr/>
-        </p:nvSpPr>
-        <p:spPr bwMode="auto">
-          <a:xfrm>
-            <a:off x="8778992" y="3518002"/>
-            <a:ext cx="1863725" cy="885825"/>
-          </a:xfrm>
-          <a:custGeom>
-            <a:avLst/>
-            <a:gdLst>
-              <a:gd name="T0" fmla="*/ 30 w 1353"/>
-              <a:gd name="T1" fmla="*/ 411 h 1116"/>
-              <a:gd name="T2" fmla="*/ 74 w 1353"/>
-              <a:gd name="T3" fmla="*/ 423 h 1116"/>
-              <a:gd name="T4" fmla="*/ 117 w 1353"/>
-              <a:gd name="T5" fmla="*/ 411 h 1116"/>
-              <a:gd name="T6" fmla="*/ 161 w 1353"/>
-              <a:gd name="T7" fmla="*/ 436 h 1116"/>
-              <a:gd name="T8" fmla="*/ 204 w 1353"/>
-              <a:gd name="T9" fmla="*/ 423 h 1116"/>
-              <a:gd name="T10" fmla="*/ 219 w 1353"/>
-              <a:gd name="T11" fmla="*/ 231 h 1116"/>
-              <a:gd name="T12" fmla="*/ 248 w 1353"/>
-              <a:gd name="T13" fmla="*/ 668 h 1116"/>
-              <a:gd name="T14" fmla="*/ 263 w 1353"/>
-              <a:gd name="T15" fmla="*/ 1091 h 1116"/>
-              <a:gd name="T16" fmla="*/ 278 w 1353"/>
-              <a:gd name="T17" fmla="*/ 474 h 1116"/>
-              <a:gd name="T18" fmla="*/ 306 w 1353"/>
-              <a:gd name="T19" fmla="*/ 282 h 1116"/>
-              <a:gd name="T20" fmla="*/ 321 w 1353"/>
-              <a:gd name="T21" fmla="*/ 205 h 1116"/>
-              <a:gd name="T22" fmla="*/ 350 w 1353"/>
-              <a:gd name="T23" fmla="*/ 154 h 1116"/>
-              <a:gd name="T24" fmla="*/ 365 w 1353"/>
-              <a:gd name="T25" fmla="*/ 39 h 1116"/>
-              <a:gd name="T26" fmla="*/ 408 w 1353"/>
-              <a:gd name="T27" fmla="*/ 25 h 1116"/>
-              <a:gd name="T28" fmla="*/ 422 w 1353"/>
-              <a:gd name="T29" fmla="*/ 244 h 1116"/>
-              <a:gd name="T30" fmla="*/ 452 w 1353"/>
-              <a:gd name="T31" fmla="*/ 333 h 1116"/>
-              <a:gd name="T32" fmla="*/ 480 w 1353"/>
-              <a:gd name="T33" fmla="*/ 385 h 1116"/>
-              <a:gd name="T34" fmla="*/ 524 w 1353"/>
-              <a:gd name="T35" fmla="*/ 385 h 1116"/>
-              <a:gd name="T36" fmla="*/ 567 w 1353"/>
-              <a:gd name="T37" fmla="*/ 385 h 1116"/>
-              <a:gd name="T38" fmla="*/ 611 w 1353"/>
-              <a:gd name="T39" fmla="*/ 411 h 1116"/>
-              <a:gd name="T40" fmla="*/ 655 w 1353"/>
-              <a:gd name="T41" fmla="*/ 423 h 1116"/>
-              <a:gd name="T42" fmla="*/ 698 w 1353"/>
-              <a:gd name="T43" fmla="*/ 423 h 1116"/>
-              <a:gd name="T44" fmla="*/ 743 w 1353"/>
-              <a:gd name="T45" fmla="*/ 436 h 1116"/>
-              <a:gd name="T46" fmla="*/ 787 w 1353"/>
-              <a:gd name="T47" fmla="*/ 423 h 1116"/>
-              <a:gd name="T48" fmla="*/ 830 w 1353"/>
-              <a:gd name="T49" fmla="*/ 423 h 1116"/>
-              <a:gd name="T50" fmla="*/ 874 w 1353"/>
-              <a:gd name="T51" fmla="*/ 436 h 1116"/>
-              <a:gd name="T52" fmla="*/ 902 w 1353"/>
-              <a:gd name="T53" fmla="*/ 295 h 1116"/>
-              <a:gd name="T54" fmla="*/ 917 w 1353"/>
-              <a:gd name="T55" fmla="*/ 321 h 1116"/>
-              <a:gd name="T56" fmla="*/ 946 w 1353"/>
-              <a:gd name="T57" fmla="*/ 924 h 1116"/>
-              <a:gd name="T58" fmla="*/ 961 w 1353"/>
-              <a:gd name="T59" fmla="*/ 732 h 1116"/>
-              <a:gd name="T60" fmla="*/ 989 w 1353"/>
-              <a:gd name="T61" fmla="*/ 346 h 1116"/>
-              <a:gd name="T62" fmla="*/ 1004 w 1353"/>
-              <a:gd name="T63" fmla="*/ 231 h 1116"/>
-              <a:gd name="T64" fmla="*/ 1033 w 1353"/>
-              <a:gd name="T65" fmla="*/ 166 h 1116"/>
-              <a:gd name="T66" fmla="*/ 1048 w 1353"/>
-              <a:gd name="T67" fmla="*/ 64 h 1116"/>
-              <a:gd name="T68" fmla="*/ 1076 w 1353"/>
-              <a:gd name="T69" fmla="*/ 0 h 1116"/>
-              <a:gd name="T70" fmla="*/ 1106 w 1353"/>
-              <a:gd name="T71" fmla="*/ 64 h 1116"/>
-              <a:gd name="T72" fmla="*/ 1120 w 1353"/>
-              <a:gd name="T73" fmla="*/ 282 h 1116"/>
-              <a:gd name="T74" fmla="*/ 1163 w 1353"/>
-              <a:gd name="T75" fmla="*/ 360 h 1116"/>
-              <a:gd name="T76" fmla="*/ 1193 w 1353"/>
-              <a:gd name="T77" fmla="*/ 372 h 1116"/>
-              <a:gd name="T78" fmla="*/ 1237 w 1353"/>
-              <a:gd name="T79" fmla="*/ 360 h 1116"/>
-              <a:gd name="T80" fmla="*/ 1280 w 1353"/>
-              <a:gd name="T81" fmla="*/ 385 h 1116"/>
-              <a:gd name="T82" fmla="*/ 1324 w 1353"/>
-              <a:gd name="T83" fmla="*/ 397 h 1116"/>
-            </a:gdLst>
-            <a:ahLst/>
-            <a:cxnLst>
-              <a:cxn ang="0">
-                <a:pos x="T0" y="T1"/>
-              </a:cxn>
-              <a:cxn ang="0">
-                <a:pos x="T2" y="T3"/>
-              </a:cxn>
-              <a:cxn ang="0">
-                <a:pos x="T4" y="T5"/>
-              </a:cxn>
-              <a:cxn ang="0">
-                <a:pos x="T6" y="T7"/>
-              </a:cxn>
-              <a:cxn ang="0">
-                <a:pos x="T8" y="T9"/>
-              </a:cxn>
-              <a:cxn ang="0">
-                <a:pos x="T10" y="T11"/>
-              </a:cxn>
-              <a:cxn ang="0">
-                <a:pos x="T12" y="T13"/>
-              </a:cxn>
-              <a:cxn ang="0">
-                <a:pos x="T14" y="T15"/>
-              </a:cxn>
-              <a:cxn ang="0">
-                <a:pos x="T16" y="T17"/>
-              </a:cxn>
-              <a:cxn ang="0">
-                <a:pos x="T18" y="T19"/>
-              </a:cxn>
-              <a:cxn ang="0">
-                <a:pos x="T20" y="T21"/>
-              </a:cxn>
-              <a:cxn ang="0">
-                <a:pos x="T22" y="T23"/>
-              </a:cxn>
-              <a:cxn ang="0">
-                <a:pos x="T24" y="T25"/>
-              </a:cxn>
-              <a:cxn ang="0">
-                <a:pos x="T26" y="T27"/>
-              </a:cxn>
-              <a:cxn ang="0">
-                <a:pos x="T28" y="T29"/>
-              </a:cxn>
-              <a:cxn ang="0">
-                <a:pos x="T30" y="T31"/>
-              </a:cxn>
-              <a:cxn ang="0">
-                <a:pos x="T32" y="T33"/>
-              </a:cxn>
-              <a:cxn ang="0">
-                <a:pos x="T34" y="T35"/>
-              </a:cxn>
-              <a:cxn ang="0">
-                <a:pos x="T36" y="T37"/>
-              </a:cxn>
-              <a:cxn ang="0">
-                <a:pos x="T38" y="T39"/>
-              </a:cxn>
-              <a:cxn ang="0">
-                <a:pos x="T40" y="T41"/>
-              </a:cxn>
-              <a:cxn ang="0">
-                <a:pos x="T42" y="T43"/>
-              </a:cxn>
-              <a:cxn ang="0">
-                <a:pos x="T44" y="T45"/>
-              </a:cxn>
-              <a:cxn ang="0">
-                <a:pos x="T46" y="T47"/>
-              </a:cxn>
-              <a:cxn ang="0">
-                <a:pos x="T48" y="T49"/>
-              </a:cxn>
-              <a:cxn ang="0">
-                <a:pos x="T50" y="T51"/>
-              </a:cxn>
-              <a:cxn ang="0">
-                <a:pos x="T52" y="T53"/>
-              </a:cxn>
-              <a:cxn ang="0">
-                <a:pos x="T54" y="T55"/>
-              </a:cxn>
-              <a:cxn ang="0">
-                <a:pos x="T56" y="T57"/>
-              </a:cxn>
-              <a:cxn ang="0">
-                <a:pos x="T58" y="T59"/>
-              </a:cxn>
-              <a:cxn ang="0">
-                <a:pos x="T60" y="T61"/>
-              </a:cxn>
-              <a:cxn ang="0">
-                <a:pos x="T62" y="T63"/>
-              </a:cxn>
-              <a:cxn ang="0">
-                <a:pos x="T64" y="T65"/>
-              </a:cxn>
-              <a:cxn ang="0">
-                <a:pos x="T66" y="T67"/>
-              </a:cxn>
-              <a:cxn ang="0">
-                <a:pos x="T68" y="T69"/>
-              </a:cxn>
-              <a:cxn ang="0">
-                <a:pos x="T70" y="T71"/>
-              </a:cxn>
-              <a:cxn ang="0">
-                <a:pos x="T72" y="T73"/>
-              </a:cxn>
-              <a:cxn ang="0">
-                <a:pos x="T74" y="T75"/>
-              </a:cxn>
-              <a:cxn ang="0">
-                <a:pos x="T76" y="T77"/>
-              </a:cxn>
-              <a:cxn ang="0">
-                <a:pos x="T78" y="T79"/>
-              </a:cxn>
-              <a:cxn ang="0">
-                <a:pos x="T80" y="T81"/>
-              </a:cxn>
-              <a:cxn ang="0">
-                <a:pos x="T82" y="T83"/>
-              </a:cxn>
-            </a:cxnLst>
-            <a:rect l="0" t="0" r="r" b="b"/>
-            <a:pathLst>
-              <a:path w="1353" h="1116">
-                <a:moveTo>
-                  <a:pt x="0" y="411"/>
-                </a:moveTo>
-                <a:lnTo>
-                  <a:pt x="15" y="411"/>
-                </a:lnTo>
-                <a:lnTo>
-                  <a:pt x="30" y="411"/>
-                </a:lnTo>
-                <a:lnTo>
-                  <a:pt x="45" y="423"/>
-                </a:lnTo>
-                <a:lnTo>
-                  <a:pt x="59" y="423"/>
-                </a:lnTo>
-                <a:lnTo>
-                  <a:pt x="74" y="423"/>
-                </a:lnTo>
-                <a:lnTo>
-                  <a:pt x="89" y="423"/>
-                </a:lnTo>
-                <a:lnTo>
-                  <a:pt x="102" y="411"/>
-                </a:lnTo>
-                <a:lnTo>
-                  <a:pt x="117" y="411"/>
-                </a:lnTo>
-                <a:lnTo>
-                  <a:pt x="132" y="411"/>
-                </a:lnTo>
-                <a:lnTo>
-                  <a:pt x="146" y="423"/>
-                </a:lnTo>
-                <a:lnTo>
-                  <a:pt x="161" y="436"/>
-                </a:lnTo>
-                <a:lnTo>
-                  <a:pt x="176" y="436"/>
-                </a:lnTo>
-                <a:lnTo>
-                  <a:pt x="189" y="436"/>
-                </a:lnTo>
-                <a:lnTo>
-                  <a:pt x="204" y="423"/>
-                </a:lnTo>
-                <a:lnTo>
-                  <a:pt x="204" y="372"/>
-                </a:lnTo>
-                <a:lnTo>
-                  <a:pt x="219" y="346"/>
-                </a:lnTo>
-                <a:lnTo>
-                  <a:pt x="219" y="231"/>
-                </a:lnTo>
-                <a:lnTo>
-                  <a:pt x="233" y="231"/>
-                </a:lnTo>
-                <a:lnTo>
-                  <a:pt x="233" y="603"/>
-                </a:lnTo>
-                <a:lnTo>
-                  <a:pt x="248" y="668"/>
-                </a:lnTo>
-                <a:lnTo>
-                  <a:pt x="248" y="1014"/>
-                </a:lnTo>
-                <a:lnTo>
-                  <a:pt x="263" y="1052"/>
-                </a:lnTo>
-                <a:lnTo>
-                  <a:pt x="263" y="1091"/>
-                </a:lnTo>
-                <a:lnTo>
-                  <a:pt x="263" y="975"/>
-                </a:lnTo>
-                <a:lnTo>
-                  <a:pt x="278" y="911"/>
-                </a:lnTo>
-                <a:lnTo>
-                  <a:pt x="278" y="474"/>
-                </a:lnTo>
-                <a:lnTo>
-                  <a:pt x="291" y="448"/>
-                </a:lnTo>
-                <a:lnTo>
-                  <a:pt x="291" y="295"/>
-                </a:lnTo>
-                <a:lnTo>
-                  <a:pt x="306" y="282"/>
-                </a:lnTo>
-                <a:lnTo>
-                  <a:pt x="306" y="244"/>
-                </a:lnTo>
-                <a:lnTo>
-                  <a:pt x="321" y="231"/>
-                </a:lnTo>
-                <a:lnTo>
-                  <a:pt x="321" y="205"/>
-                </a:lnTo>
-                <a:lnTo>
-                  <a:pt x="335" y="192"/>
-                </a:lnTo>
-                <a:lnTo>
-                  <a:pt x="335" y="166"/>
-                </a:lnTo>
-                <a:lnTo>
-                  <a:pt x="350" y="154"/>
-                </a:lnTo>
-                <a:lnTo>
-                  <a:pt x="350" y="102"/>
-                </a:lnTo>
-                <a:lnTo>
-                  <a:pt x="365" y="90"/>
-                </a:lnTo>
-                <a:lnTo>
-                  <a:pt x="365" y="39"/>
-                </a:lnTo>
-                <a:lnTo>
-                  <a:pt x="378" y="25"/>
-                </a:lnTo>
-                <a:lnTo>
-                  <a:pt x="378" y="0"/>
-                </a:lnTo>
-                <a:lnTo>
-                  <a:pt x="408" y="25"/>
-                </a:lnTo>
-                <a:lnTo>
-                  <a:pt x="408" y="115"/>
-                </a:lnTo>
-                <a:lnTo>
-                  <a:pt x="422" y="141"/>
-                </a:lnTo>
-                <a:lnTo>
-                  <a:pt x="422" y="244"/>
-                </a:lnTo>
-                <a:lnTo>
-                  <a:pt x="437" y="256"/>
-                </a:lnTo>
-                <a:lnTo>
-                  <a:pt x="437" y="321"/>
-                </a:lnTo>
-                <a:lnTo>
-                  <a:pt x="452" y="333"/>
-                </a:lnTo>
-                <a:lnTo>
-                  <a:pt x="452" y="360"/>
-                </a:lnTo>
-                <a:lnTo>
-                  <a:pt x="465" y="372"/>
-                </a:lnTo>
-                <a:lnTo>
-                  <a:pt x="480" y="385"/>
-                </a:lnTo>
-                <a:lnTo>
-                  <a:pt x="495" y="397"/>
-                </a:lnTo>
-                <a:lnTo>
-                  <a:pt x="510" y="397"/>
-                </a:lnTo>
-                <a:lnTo>
-                  <a:pt x="524" y="385"/>
-                </a:lnTo>
-                <a:lnTo>
-                  <a:pt x="539" y="385"/>
-                </a:lnTo>
-                <a:lnTo>
-                  <a:pt x="554" y="385"/>
-                </a:lnTo>
-                <a:lnTo>
-                  <a:pt x="567" y="385"/>
-                </a:lnTo>
-                <a:lnTo>
-                  <a:pt x="582" y="397"/>
-                </a:lnTo>
-                <a:lnTo>
-                  <a:pt x="597" y="411"/>
-                </a:lnTo>
-                <a:lnTo>
-                  <a:pt x="611" y="411"/>
-                </a:lnTo>
-                <a:lnTo>
-                  <a:pt x="626" y="411"/>
-                </a:lnTo>
-                <a:lnTo>
-                  <a:pt x="641" y="423"/>
-                </a:lnTo>
-                <a:lnTo>
-                  <a:pt x="655" y="423"/>
-                </a:lnTo>
-                <a:lnTo>
-                  <a:pt x="670" y="423"/>
-                </a:lnTo>
-                <a:lnTo>
-                  <a:pt x="685" y="423"/>
-                </a:lnTo>
-                <a:lnTo>
-                  <a:pt x="698" y="423"/>
-                </a:lnTo>
-                <a:lnTo>
-                  <a:pt x="713" y="423"/>
-                </a:lnTo>
-                <a:lnTo>
-                  <a:pt x="728" y="423"/>
-                </a:lnTo>
-                <a:lnTo>
-                  <a:pt x="743" y="436"/>
-                </a:lnTo>
-                <a:lnTo>
-                  <a:pt x="757" y="436"/>
-                </a:lnTo>
-                <a:lnTo>
-                  <a:pt x="772" y="436"/>
-                </a:lnTo>
-                <a:lnTo>
-                  <a:pt x="787" y="423"/>
-                </a:lnTo>
-                <a:lnTo>
-                  <a:pt x="800" y="423"/>
-                </a:lnTo>
-                <a:lnTo>
-                  <a:pt x="815" y="423"/>
-                </a:lnTo>
-                <a:lnTo>
-                  <a:pt x="830" y="423"/>
-                </a:lnTo>
-                <a:lnTo>
-                  <a:pt x="844" y="436"/>
-                </a:lnTo>
-                <a:lnTo>
-                  <a:pt x="859" y="436"/>
-                </a:lnTo>
-                <a:lnTo>
-                  <a:pt x="874" y="436"/>
-                </a:lnTo>
-                <a:lnTo>
-                  <a:pt x="887" y="423"/>
-                </a:lnTo>
-                <a:lnTo>
-                  <a:pt x="902" y="411"/>
-                </a:lnTo>
-                <a:lnTo>
-                  <a:pt x="902" y="295"/>
-                </a:lnTo>
-                <a:lnTo>
-                  <a:pt x="917" y="270"/>
-                </a:lnTo>
-                <a:lnTo>
-                  <a:pt x="917" y="231"/>
-                </a:lnTo>
-                <a:lnTo>
-                  <a:pt x="917" y="321"/>
-                </a:lnTo>
-                <a:lnTo>
-                  <a:pt x="931" y="385"/>
-                </a:lnTo>
-                <a:lnTo>
-                  <a:pt x="931" y="885"/>
-                </a:lnTo>
-                <a:lnTo>
-                  <a:pt x="946" y="924"/>
-                </a:lnTo>
-                <a:lnTo>
-                  <a:pt x="946" y="1116"/>
-                </a:lnTo>
-                <a:lnTo>
-                  <a:pt x="961" y="1116"/>
-                </a:lnTo>
-                <a:lnTo>
-                  <a:pt x="961" y="732"/>
-                </a:lnTo>
-                <a:lnTo>
-                  <a:pt x="974" y="654"/>
-                </a:lnTo>
-                <a:lnTo>
-                  <a:pt x="974" y="360"/>
-                </a:lnTo>
-                <a:lnTo>
-                  <a:pt x="989" y="346"/>
-                </a:lnTo>
-                <a:lnTo>
-                  <a:pt x="989" y="270"/>
-                </a:lnTo>
-                <a:lnTo>
-                  <a:pt x="1004" y="256"/>
-                </a:lnTo>
-                <a:lnTo>
-                  <a:pt x="1004" y="231"/>
-                </a:lnTo>
-                <a:lnTo>
-                  <a:pt x="1019" y="217"/>
-                </a:lnTo>
-                <a:lnTo>
-                  <a:pt x="1019" y="180"/>
-                </a:lnTo>
-                <a:lnTo>
-                  <a:pt x="1033" y="166"/>
-                </a:lnTo>
-                <a:lnTo>
-                  <a:pt x="1033" y="129"/>
-                </a:lnTo>
-                <a:lnTo>
-                  <a:pt x="1048" y="115"/>
-                </a:lnTo>
-                <a:lnTo>
-                  <a:pt x="1048" y="64"/>
-                </a:lnTo>
-                <a:lnTo>
-                  <a:pt x="1063" y="51"/>
-                </a:lnTo>
-                <a:lnTo>
-                  <a:pt x="1063" y="13"/>
-                </a:lnTo>
-                <a:lnTo>
-                  <a:pt x="1076" y="0"/>
-                </a:lnTo>
-                <a:lnTo>
-                  <a:pt x="1091" y="13"/>
-                </a:lnTo>
-                <a:lnTo>
-                  <a:pt x="1091" y="51"/>
-                </a:lnTo>
-                <a:lnTo>
-                  <a:pt x="1106" y="64"/>
-                </a:lnTo>
-                <a:lnTo>
-                  <a:pt x="1106" y="166"/>
-                </a:lnTo>
-                <a:lnTo>
-                  <a:pt x="1120" y="180"/>
-                </a:lnTo>
-                <a:lnTo>
-                  <a:pt x="1120" y="282"/>
-                </a:lnTo>
-                <a:lnTo>
-                  <a:pt x="1135" y="295"/>
-                </a:lnTo>
-                <a:lnTo>
-                  <a:pt x="1135" y="333"/>
-                </a:lnTo>
-                <a:lnTo>
-                  <a:pt x="1163" y="360"/>
-                </a:lnTo>
-                <a:lnTo>
-                  <a:pt x="1163" y="372"/>
-                </a:lnTo>
-                <a:lnTo>
-                  <a:pt x="1178" y="372"/>
-                </a:lnTo>
-                <a:lnTo>
-                  <a:pt x="1193" y="372"/>
-                </a:lnTo>
-                <a:lnTo>
-                  <a:pt x="1207" y="372"/>
-                </a:lnTo>
-                <a:lnTo>
-                  <a:pt x="1222" y="360"/>
-                </a:lnTo>
-                <a:lnTo>
-                  <a:pt x="1237" y="360"/>
-                </a:lnTo>
-                <a:lnTo>
-                  <a:pt x="1252" y="360"/>
-                </a:lnTo>
-                <a:lnTo>
-                  <a:pt x="1265" y="372"/>
-                </a:lnTo>
-                <a:lnTo>
-                  <a:pt x="1280" y="385"/>
-                </a:lnTo>
-                <a:lnTo>
-                  <a:pt x="1296" y="385"/>
-                </a:lnTo>
-                <a:lnTo>
-                  <a:pt x="1309" y="397"/>
-                </a:lnTo>
-                <a:lnTo>
-                  <a:pt x="1324" y="397"/>
-                </a:lnTo>
-                <a:lnTo>
-                  <a:pt x="1339" y="397"/>
-                </a:lnTo>
-                <a:lnTo>
-                  <a:pt x="1353" y="411"/>
-                </a:lnTo>
-              </a:path>
-            </a:pathLst>
-          </a:custGeom>
-          <a:noFill/>
-          <a:ln w="25400">
-            <a:solidFill>
-              <a:srgbClr val="0000FF"/>
-            </a:solidFill>
-            <a:prstDash val="solid"/>
-            <a:round/>
-            <a:headEnd/>
-            <a:tailEnd/>
-          </a:ln>
-          <a:extLst>
-            <a:ext uri="{909E8E84-426E-40DD-AFC4-6F175D3DCCD1}">
-              <a14:hiddenFill xmlns:a14="http://schemas.microsoft.com/office/drawing/2010/main">
-                <a:solidFill>
-                  <a:srgbClr val="FFFFFF"/>
-                </a:solidFill>
-              </a14:hiddenFill>
-            </a:ext>
-          </a:extLst>
-        </p:spPr>
-        <p:txBody>
-          <a:bodyPr/>
-          <a:lstStyle/>
-          <a:p>
-            <a:endParaRPr lang="en-GB"/>
-          </a:p>
-        </p:txBody>
-      </p:sp>
-      <p:pic>
-        <p:nvPicPr>
-          <p:cNvPr id="39" name="Picture 38">
-            <a:extLst>
-              <a:ext uri="{FF2B5EF4-FFF2-40B4-BE49-F238E27FC236}">
-                <a16:creationId xmlns:a16="http://schemas.microsoft.com/office/drawing/2014/main" id="{4B26A1F2-CC3D-6654-E884-086EA9AC7670}"/>
-              </a:ext>
-            </a:extLst>
-          </p:cNvPr>
-          <p:cNvPicPr>
-            <a:picLocks noChangeAspect="1"/>
-          </p:cNvPicPr>
-          <p:nvPr/>
-        </p:nvPicPr>
-        <p:blipFill>
-          <a:blip r:embed="rId7"/>
-          <a:stretch>
-            <a:fillRect/>
-          </a:stretch>
-        </p:blipFill>
-        <p:spPr>
-          <a:xfrm>
-            <a:off x="4885998" y="4599130"/>
-            <a:ext cx="4588894" cy="1484858"/>
-          </a:xfrm>
-          <a:prstGeom prst="rect">
-            <a:avLst/>
-          </a:prstGeom>
-        </p:spPr>
-      </p:pic>
     </p:spTree>
     <p:extLst>
       <p:ext uri="{BB962C8B-B14F-4D97-AF65-F5344CB8AC3E}">
-        <p14:creationId xmlns:p14="http://schemas.microsoft.com/office/powerpoint/2010/main" val="3623936753"/>
+        <p14:creationId xmlns:p14="http://schemas.microsoft.com/office/powerpoint/2010/main" val="1330705963"/>
       </p:ext>
     </p:extLst>
   </p:cSld>
@@ -11832,799 +8982,6 @@
 </file>
 
 <file path=ppt/slides/slide3.xml><?xml version="1.0" encoding="utf-8"?>
-<p:sld xmlns:a="http://schemas.openxmlformats.org/drawingml/2006/main" xmlns:r="http://schemas.openxmlformats.org/officeDocument/2006/relationships" xmlns:p="http://schemas.openxmlformats.org/presentationml/2006/main">
-  <p:cSld>
-    <p:spTree>
-      <p:nvGrpSpPr>
-        <p:cNvPr id="1" name=""/>
-        <p:cNvGrpSpPr/>
-        <p:nvPr/>
-      </p:nvGrpSpPr>
-      <p:grpSpPr>
-        <a:xfrm>
-          <a:off x="0" y="0"/>
-          <a:ext cx="0" cy="0"/>
-          <a:chOff x="0" y="0"/>
-          <a:chExt cx="0" cy="0"/>
-        </a:xfrm>
-      </p:grpSpPr>
-      <p:sp>
-        <p:nvSpPr>
-          <p:cNvPr id="2" name="Title 1">
-            <a:extLst>
-              <a:ext uri="{FF2B5EF4-FFF2-40B4-BE49-F238E27FC236}">
-                <a16:creationId xmlns:a16="http://schemas.microsoft.com/office/drawing/2014/main" id="{D5EF5146-F01F-413E-B715-720E0AD2E61F}"/>
-              </a:ext>
-            </a:extLst>
-          </p:cNvPr>
-          <p:cNvSpPr>
-            <a:spLocks noGrp="1"/>
-          </p:cNvSpPr>
-          <p:nvPr>
-            <p:ph type="title"/>
-          </p:nvPr>
-        </p:nvSpPr>
-        <p:spPr>
-          <a:xfrm>
-            <a:off x="0" y="-43980"/>
-            <a:ext cx="12411400" cy="1122300"/>
-          </a:xfrm>
-        </p:spPr>
-        <p:txBody>
-          <a:bodyPr/>
-          <a:lstStyle/>
-          <a:p>
-            <a:r>
-              <a:rPr lang="en-GB" sz="4000" dirty="0">
-                <a:solidFill>
-                  <a:schemeClr val="accent2">
-                    <a:lumMod val="75000"/>
-                  </a:schemeClr>
-                </a:solidFill>
-              </a:rPr>
-              <a:t>What is a time series?</a:t>
-            </a:r>
-          </a:p>
-        </p:txBody>
-      </p:sp>
-      <p:sp>
-        <p:nvSpPr>
-          <p:cNvPr id="3" name="Content Placeholder 2">
-            <a:extLst>
-              <a:ext uri="{FF2B5EF4-FFF2-40B4-BE49-F238E27FC236}">
-                <a16:creationId xmlns:a16="http://schemas.microsoft.com/office/drawing/2014/main" id="{BF905F09-FEC9-F33C-754B-0704FF8271F8}"/>
-              </a:ext>
-            </a:extLst>
-          </p:cNvPr>
-          <p:cNvSpPr txBox="1">
-            <a:spLocks/>
-          </p:cNvSpPr>
-          <p:nvPr/>
-        </p:nvSpPr>
-        <p:spPr>
-          <a:xfrm>
-            <a:off x="1806539" y="1356962"/>
-            <a:ext cx="9310099" cy="1047192"/>
-          </a:xfrm>
-        </p:spPr>
-        <p:txBody>
-          <a:bodyPr/>
-          <a:lstStyle>
-            <a:defPPr marR="0" lvl="0" algn="l" rtl="0">
-              <a:lnSpc>
-                <a:spcPct val="100000"/>
-              </a:lnSpc>
-              <a:spcBef>
-                <a:spcPts val="0"/>
-              </a:spcBef>
-              <a:spcAft>
-                <a:spcPts val="0"/>
-              </a:spcAft>
-            </a:defPPr>
-            <a:lvl1pPr marR="0" lvl="0" algn="l" rtl="0">
-              <a:lnSpc>
-                <a:spcPct val="100000"/>
-              </a:lnSpc>
-              <a:spcBef>
-                <a:spcPts val="0"/>
-              </a:spcBef>
-              <a:spcAft>
-                <a:spcPts val="0"/>
-              </a:spcAft>
-              <a:buClr>
-                <a:srgbClr val="000000"/>
-              </a:buClr>
-              <a:buFont typeface="Arial"/>
-              <a:defRPr sz="1400" b="0" i="0" u="none" strike="noStrike" cap="none">
-                <a:solidFill>
-                  <a:srgbClr val="460046"/>
-                </a:solidFill>
-                <a:latin typeface="Arial"/>
-                <a:ea typeface="Arial"/>
-                <a:cs typeface="Arial"/>
-                <a:sym typeface="Arial"/>
-              </a:defRPr>
-            </a:lvl1pPr>
-            <a:lvl2pPr marR="0" lvl="1" algn="l" rtl="0">
-              <a:lnSpc>
-                <a:spcPct val="100000"/>
-              </a:lnSpc>
-              <a:spcBef>
-                <a:spcPts val="0"/>
-              </a:spcBef>
-              <a:spcAft>
-                <a:spcPts val="0"/>
-              </a:spcAft>
-              <a:buClr>
-                <a:srgbClr val="000000"/>
-              </a:buClr>
-              <a:buFont typeface="Arial"/>
-              <a:defRPr sz="1400" b="0" i="0" u="none" strike="noStrike" cap="none">
-                <a:solidFill>
-                  <a:srgbClr val="000000"/>
-                </a:solidFill>
-                <a:latin typeface="Arial"/>
-                <a:ea typeface="Arial"/>
-                <a:cs typeface="Arial"/>
-                <a:sym typeface="Arial"/>
-              </a:defRPr>
-            </a:lvl2pPr>
-            <a:lvl3pPr marR="0" lvl="2" algn="l" rtl="0">
-              <a:lnSpc>
-                <a:spcPct val="100000"/>
-              </a:lnSpc>
-              <a:spcBef>
-                <a:spcPts val="0"/>
-              </a:spcBef>
-              <a:spcAft>
-                <a:spcPts val="0"/>
-              </a:spcAft>
-              <a:buClr>
-                <a:srgbClr val="000000"/>
-              </a:buClr>
-              <a:buFont typeface="Arial"/>
-              <a:defRPr sz="1400" b="0" i="0" u="none" strike="noStrike" cap="none">
-                <a:solidFill>
-                  <a:srgbClr val="000000"/>
-                </a:solidFill>
-                <a:latin typeface="Arial"/>
-                <a:ea typeface="Arial"/>
-                <a:cs typeface="Arial"/>
-                <a:sym typeface="Arial"/>
-              </a:defRPr>
-            </a:lvl3pPr>
-            <a:lvl4pPr marR="0" lvl="3" algn="l" rtl="0">
-              <a:lnSpc>
-                <a:spcPct val="100000"/>
-              </a:lnSpc>
-              <a:spcBef>
-                <a:spcPts val="0"/>
-              </a:spcBef>
-              <a:spcAft>
-                <a:spcPts val="0"/>
-              </a:spcAft>
-              <a:buClr>
-                <a:srgbClr val="000000"/>
-              </a:buClr>
-              <a:buFont typeface="Arial"/>
-              <a:defRPr sz="1400" b="0" i="0" u="none" strike="noStrike" cap="none">
-                <a:solidFill>
-                  <a:srgbClr val="000000"/>
-                </a:solidFill>
-                <a:latin typeface="Arial"/>
-                <a:ea typeface="Arial"/>
-                <a:cs typeface="Arial"/>
-                <a:sym typeface="Arial"/>
-              </a:defRPr>
-            </a:lvl4pPr>
-            <a:lvl5pPr marR="0" lvl="4" algn="l" rtl="0">
-              <a:lnSpc>
-                <a:spcPct val="100000"/>
-              </a:lnSpc>
-              <a:spcBef>
-                <a:spcPts val="0"/>
-              </a:spcBef>
-              <a:spcAft>
-                <a:spcPts val="0"/>
-              </a:spcAft>
-              <a:buClr>
-                <a:srgbClr val="000000"/>
-              </a:buClr>
-              <a:buFont typeface="Arial"/>
-              <a:defRPr sz="1400" b="0" i="0" u="none" strike="noStrike" cap="none">
-                <a:solidFill>
-                  <a:srgbClr val="000000"/>
-                </a:solidFill>
-                <a:latin typeface="Arial"/>
-                <a:ea typeface="Arial"/>
-                <a:cs typeface="Arial"/>
-                <a:sym typeface="Arial"/>
-              </a:defRPr>
-            </a:lvl5pPr>
-            <a:lvl6pPr marR="0" lvl="5" algn="l" rtl="0">
-              <a:lnSpc>
-                <a:spcPct val="100000"/>
-              </a:lnSpc>
-              <a:spcBef>
-                <a:spcPts val="0"/>
-              </a:spcBef>
-              <a:spcAft>
-                <a:spcPts val="0"/>
-              </a:spcAft>
-              <a:buClr>
-                <a:srgbClr val="000000"/>
-              </a:buClr>
-              <a:buFont typeface="Arial"/>
-              <a:defRPr sz="1400" b="0" i="0" u="none" strike="noStrike" cap="none">
-                <a:solidFill>
-                  <a:srgbClr val="000000"/>
-                </a:solidFill>
-                <a:latin typeface="Arial"/>
-                <a:ea typeface="Arial"/>
-                <a:cs typeface="Arial"/>
-                <a:sym typeface="Arial"/>
-              </a:defRPr>
-            </a:lvl6pPr>
-            <a:lvl7pPr marR="0" lvl="6" algn="l" rtl="0">
-              <a:lnSpc>
-                <a:spcPct val="100000"/>
-              </a:lnSpc>
-              <a:spcBef>
-                <a:spcPts val="0"/>
-              </a:spcBef>
-              <a:spcAft>
-                <a:spcPts val="0"/>
-              </a:spcAft>
-              <a:buClr>
-                <a:srgbClr val="000000"/>
-              </a:buClr>
-              <a:buFont typeface="Arial"/>
-              <a:defRPr sz="1400" b="0" i="0" u="none" strike="noStrike" cap="none">
-                <a:solidFill>
-                  <a:srgbClr val="000000"/>
-                </a:solidFill>
-                <a:latin typeface="Arial"/>
-                <a:ea typeface="Arial"/>
-                <a:cs typeface="Arial"/>
-                <a:sym typeface="Arial"/>
-              </a:defRPr>
-            </a:lvl7pPr>
-            <a:lvl8pPr marR="0" lvl="7" algn="l" rtl="0">
-              <a:lnSpc>
-                <a:spcPct val="100000"/>
-              </a:lnSpc>
-              <a:spcBef>
-                <a:spcPts val="0"/>
-              </a:spcBef>
-              <a:spcAft>
-                <a:spcPts val="0"/>
-              </a:spcAft>
-              <a:buClr>
-                <a:srgbClr val="000000"/>
-              </a:buClr>
-              <a:buFont typeface="Arial"/>
-              <a:defRPr sz="1400" b="0" i="0" u="none" strike="noStrike" cap="none">
-                <a:solidFill>
-                  <a:srgbClr val="000000"/>
-                </a:solidFill>
-                <a:latin typeface="Arial"/>
-                <a:ea typeface="Arial"/>
-                <a:cs typeface="Arial"/>
-                <a:sym typeface="Arial"/>
-              </a:defRPr>
-            </a:lvl8pPr>
-            <a:lvl9pPr marR="0" lvl="8" algn="l" rtl="0">
-              <a:lnSpc>
-                <a:spcPct val="100000"/>
-              </a:lnSpc>
-              <a:spcBef>
-                <a:spcPts val="0"/>
-              </a:spcBef>
-              <a:spcAft>
-                <a:spcPts val="0"/>
-              </a:spcAft>
-              <a:buClr>
-                <a:srgbClr val="000000"/>
-              </a:buClr>
-              <a:buFont typeface="Arial"/>
-              <a:defRPr sz="1400" b="0" i="0" u="none" strike="noStrike" cap="none">
-                <a:solidFill>
-                  <a:srgbClr val="000000"/>
-                </a:solidFill>
-                <a:latin typeface="Arial"/>
-                <a:ea typeface="Arial"/>
-                <a:cs typeface="Arial"/>
-                <a:sym typeface="Arial"/>
-              </a:defRPr>
-            </a:lvl9pPr>
-          </a:lstStyle>
-          <a:p>
-            <a:endParaRPr lang="en-GB" sz="3400" dirty="0">
-              <a:solidFill>
-                <a:schemeClr val="bg1"/>
-              </a:solidFill>
-            </a:endParaRPr>
-          </a:p>
-        </p:txBody>
-      </p:sp>
-      <p:sp>
-        <p:nvSpPr>
-          <p:cNvPr id="4" name="Content Placeholder 2">
-            <a:extLst>
-              <a:ext uri="{FF2B5EF4-FFF2-40B4-BE49-F238E27FC236}">
-                <a16:creationId xmlns:a16="http://schemas.microsoft.com/office/drawing/2014/main" id="{351D5D63-81C5-AC69-DE93-03C620E93DA1}"/>
-              </a:ext>
-            </a:extLst>
-          </p:cNvPr>
-          <p:cNvSpPr txBox="1">
-            <a:spLocks/>
-          </p:cNvSpPr>
-          <p:nvPr/>
-        </p:nvSpPr>
-        <p:spPr>
-          <a:xfrm>
-            <a:off x="1440950" y="1085055"/>
-            <a:ext cx="9310099" cy="1047192"/>
-          </a:xfrm>
-        </p:spPr>
-        <p:txBody>
-          <a:bodyPr/>
-          <a:lstStyle>
-            <a:defPPr marR="0" lvl="0" algn="l" rtl="0">
-              <a:lnSpc>
-                <a:spcPct val="100000"/>
-              </a:lnSpc>
-              <a:spcBef>
-                <a:spcPts val="0"/>
-              </a:spcBef>
-              <a:spcAft>
-                <a:spcPts val="0"/>
-              </a:spcAft>
-            </a:defPPr>
-            <a:lvl1pPr marR="0" lvl="0" algn="l" rtl="0">
-              <a:lnSpc>
-                <a:spcPct val="100000"/>
-              </a:lnSpc>
-              <a:spcBef>
-                <a:spcPts val="0"/>
-              </a:spcBef>
-              <a:spcAft>
-                <a:spcPts val="0"/>
-              </a:spcAft>
-              <a:buClr>
-                <a:srgbClr val="000000"/>
-              </a:buClr>
-              <a:buFont typeface="Arial"/>
-              <a:defRPr sz="1400" b="0" i="0" u="none" strike="noStrike" cap="none">
-                <a:solidFill>
-                  <a:srgbClr val="460046"/>
-                </a:solidFill>
-                <a:latin typeface="Arial"/>
-                <a:ea typeface="Arial"/>
-                <a:cs typeface="Arial"/>
-                <a:sym typeface="Arial"/>
-              </a:defRPr>
-            </a:lvl1pPr>
-            <a:lvl2pPr marR="0" lvl="1" algn="l" rtl="0">
-              <a:lnSpc>
-                <a:spcPct val="100000"/>
-              </a:lnSpc>
-              <a:spcBef>
-                <a:spcPts val="0"/>
-              </a:spcBef>
-              <a:spcAft>
-                <a:spcPts val="0"/>
-              </a:spcAft>
-              <a:buClr>
-                <a:srgbClr val="000000"/>
-              </a:buClr>
-              <a:buFont typeface="Arial"/>
-              <a:defRPr sz="1400" b="0" i="0" u="none" strike="noStrike" cap="none">
-                <a:solidFill>
-                  <a:srgbClr val="000000"/>
-                </a:solidFill>
-                <a:latin typeface="Arial"/>
-                <a:ea typeface="Arial"/>
-                <a:cs typeface="Arial"/>
-                <a:sym typeface="Arial"/>
-              </a:defRPr>
-            </a:lvl2pPr>
-            <a:lvl3pPr marR="0" lvl="2" algn="l" rtl="0">
-              <a:lnSpc>
-                <a:spcPct val="100000"/>
-              </a:lnSpc>
-              <a:spcBef>
-                <a:spcPts val="0"/>
-              </a:spcBef>
-              <a:spcAft>
-                <a:spcPts val="0"/>
-              </a:spcAft>
-              <a:buClr>
-                <a:srgbClr val="000000"/>
-              </a:buClr>
-              <a:buFont typeface="Arial"/>
-              <a:defRPr sz="1400" b="0" i="0" u="none" strike="noStrike" cap="none">
-                <a:solidFill>
-                  <a:srgbClr val="000000"/>
-                </a:solidFill>
-                <a:latin typeface="Arial"/>
-                <a:ea typeface="Arial"/>
-                <a:cs typeface="Arial"/>
-                <a:sym typeface="Arial"/>
-              </a:defRPr>
-            </a:lvl3pPr>
-            <a:lvl4pPr marR="0" lvl="3" algn="l" rtl="0">
-              <a:lnSpc>
-                <a:spcPct val="100000"/>
-              </a:lnSpc>
-              <a:spcBef>
-                <a:spcPts val="0"/>
-              </a:spcBef>
-              <a:spcAft>
-                <a:spcPts val="0"/>
-              </a:spcAft>
-              <a:buClr>
-                <a:srgbClr val="000000"/>
-              </a:buClr>
-              <a:buFont typeface="Arial"/>
-              <a:defRPr sz="1400" b="0" i="0" u="none" strike="noStrike" cap="none">
-                <a:solidFill>
-                  <a:srgbClr val="000000"/>
-                </a:solidFill>
-                <a:latin typeface="Arial"/>
-                <a:ea typeface="Arial"/>
-                <a:cs typeface="Arial"/>
-                <a:sym typeface="Arial"/>
-              </a:defRPr>
-            </a:lvl4pPr>
-            <a:lvl5pPr marR="0" lvl="4" algn="l" rtl="0">
-              <a:lnSpc>
-                <a:spcPct val="100000"/>
-              </a:lnSpc>
-              <a:spcBef>
-                <a:spcPts val="0"/>
-              </a:spcBef>
-              <a:spcAft>
-                <a:spcPts val="0"/>
-              </a:spcAft>
-              <a:buClr>
-                <a:srgbClr val="000000"/>
-              </a:buClr>
-              <a:buFont typeface="Arial"/>
-              <a:defRPr sz="1400" b="0" i="0" u="none" strike="noStrike" cap="none">
-                <a:solidFill>
-                  <a:srgbClr val="000000"/>
-                </a:solidFill>
-                <a:latin typeface="Arial"/>
-                <a:ea typeface="Arial"/>
-                <a:cs typeface="Arial"/>
-                <a:sym typeface="Arial"/>
-              </a:defRPr>
-            </a:lvl5pPr>
-            <a:lvl6pPr marR="0" lvl="5" algn="l" rtl="0">
-              <a:lnSpc>
-                <a:spcPct val="100000"/>
-              </a:lnSpc>
-              <a:spcBef>
-                <a:spcPts val="0"/>
-              </a:spcBef>
-              <a:spcAft>
-                <a:spcPts val="0"/>
-              </a:spcAft>
-              <a:buClr>
-                <a:srgbClr val="000000"/>
-              </a:buClr>
-              <a:buFont typeface="Arial"/>
-              <a:defRPr sz="1400" b="0" i="0" u="none" strike="noStrike" cap="none">
-                <a:solidFill>
-                  <a:srgbClr val="000000"/>
-                </a:solidFill>
-                <a:latin typeface="Arial"/>
-                <a:ea typeface="Arial"/>
-                <a:cs typeface="Arial"/>
-                <a:sym typeface="Arial"/>
-              </a:defRPr>
-            </a:lvl6pPr>
-            <a:lvl7pPr marR="0" lvl="6" algn="l" rtl="0">
-              <a:lnSpc>
-                <a:spcPct val="100000"/>
-              </a:lnSpc>
-              <a:spcBef>
-                <a:spcPts val="0"/>
-              </a:spcBef>
-              <a:spcAft>
-                <a:spcPts val="0"/>
-              </a:spcAft>
-              <a:buClr>
-                <a:srgbClr val="000000"/>
-              </a:buClr>
-              <a:buFont typeface="Arial"/>
-              <a:defRPr sz="1400" b="0" i="0" u="none" strike="noStrike" cap="none">
-                <a:solidFill>
-                  <a:srgbClr val="000000"/>
-                </a:solidFill>
-                <a:latin typeface="Arial"/>
-                <a:ea typeface="Arial"/>
-                <a:cs typeface="Arial"/>
-                <a:sym typeface="Arial"/>
-              </a:defRPr>
-            </a:lvl7pPr>
-            <a:lvl8pPr marR="0" lvl="7" algn="l" rtl="0">
-              <a:lnSpc>
-                <a:spcPct val="100000"/>
-              </a:lnSpc>
-              <a:spcBef>
-                <a:spcPts val="0"/>
-              </a:spcBef>
-              <a:spcAft>
-                <a:spcPts val="0"/>
-              </a:spcAft>
-              <a:buClr>
-                <a:srgbClr val="000000"/>
-              </a:buClr>
-              <a:buFont typeface="Arial"/>
-              <a:defRPr sz="1400" b="0" i="0" u="none" strike="noStrike" cap="none">
-                <a:solidFill>
-                  <a:srgbClr val="000000"/>
-                </a:solidFill>
-                <a:latin typeface="Arial"/>
-                <a:ea typeface="Arial"/>
-                <a:cs typeface="Arial"/>
-                <a:sym typeface="Arial"/>
-              </a:defRPr>
-            </a:lvl8pPr>
-            <a:lvl9pPr marR="0" lvl="8" algn="l" rtl="0">
-              <a:lnSpc>
-                <a:spcPct val="100000"/>
-              </a:lnSpc>
-              <a:spcBef>
-                <a:spcPts val="0"/>
-              </a:spcBef>
-              <a:spcAft>
-                <a:spcPts val="0"/>
-              </a:spcAft>
-              <a:buClr>
-                <a:srgbClr val="000000"/>
-              </a:buClr>
-              <a:buFont typeface="Arial"/>
-              <a:defRPr sz="1400" b="0" i="0" u="none" strike="noStrike" cap="none">
-                <a:solidFill>
-                  <a:srgbClr val="000000"/>
-                </a:solidFill>
-                <a:latin typeface="Arial"/>
-                <a:ea typeface="Arial"/>
-                <a:cs typeface="Arial"/>
-                <a:sym typeface="Arial"/>
-              </a:defRPr>
-            </a:lvl9pPr>
-          </a:lstStyle>
-          <a:p>
-            <a:r>
-              <a:rPr lang="en-GB" sz="3400" dirty="0">
-                <a:solidFill>
-                  <a:schemeClr val="bg1"/>
-                </a:solidFill>
-              </a:rPr>
-              <a:t>A time series is an ordered list of observations of real valued variable(s)</a:t>
-            </a:r>
-          </a:p>
-          <a:p>
-            <a:endParaRPr lang="en-GB" sz="3400" dirty="0">
-              <a:solidFill>
-                <a:schemeClr val="bg1"/>
-              </a:solidFill>
-            </a:endParaRPr>
-          </a:p>
-        </p:txBody>
-      </p:sp>
-      <p:sp>
-        <p:nvSpPr>
-          <p:cNvPr id="6" name="TextBox 5">
-            <a:extLst>
-              <a:ext uri="{FF2B5EF4-FFF2-40B4-BE49-F238E27FC236}">
-                <a16:creationId xmlns:a16="http://schemas.microsoft.com/office/drawing/2014/main" id="{BCDA530A-A410-D5C9-2E2E-AF056D001A89}"/>
-              </a:ext>
-            </a:extLst>
-          </p:cNvPr>
-          <p:cNvSpPr txBox="1"/>
-          <p:nvPr/>
-        </p:nvSpPr>
-        <p:spPr>
-          <a:xfrm>
-            <a:off x="121750" y="2277267"/>
-            <a:ext cx="5090331" cy="1384995"/>
-          </a:xfrm>
-          <a:prstGeom prst="rect">
-            <a:avLst/>
-          </a:prstGeom>
-          <a:noFill/>
-          <a:ln>
-            <a:solidFill>
-              <a:schemeClr val="accent1"/>
-            </a:solidFill>
-          </a:ln>
-        </p:spPr>
-        <p:txBody>
-          <a:bodyPr wrap="square">
-            <a:spAutoFit/>
-          </a:bodyPr>
-          <a:lstStyle/>
-          <a:p>
-            <a:r>
-              <a:rPr lang="en-GB" sz="2800" dirty="0">
-                <a:solidFill>
-                  <a:schemeClr val="bg1"/>
-                </a:solidFill>
-              </a:rPr>
-              <a:t>If each observation is a scalar, we call it a univariate time series </a:t>
-            </a:r>
-            <a:endParaRPr lang="en-GB" sz="2800" dirty="0"/>
-          </a:p>
-        </p:txBody>
-      </p:sp>
-      <p:sp>
-        <p:nvSpPr>
-          <p:cNvPr id="8" name="TextBox 7">
-            <a:extLst>
-              <a:ext uri="{FF2B5EF4-FFF2-40B4-BE49-F238E27FC236}">
-                <a16:creationId xmlns:a16="http://schemas.microsoft.com/office/drawing/2014/main" id="{C33FE7F7-0E67-BA1B-1F2D-8DD312CD899C}"/>
-              </a:ext>
-            </a:extLst>
-          </p:cNvPr>
-          <p:cNvSpPr txBox="1"/>
-          <p:nvPr/>
-        </p:nvSpPr>
-        <p:spPr>
-          <a:xfrm>
-            <a:off x="6461588" y="2277267"/>
-            <a:ext cx="5246741" cy="1384995"/>
-          </a:xfrm>
-          <a:prstGeom prst="rect">
-            <a:avLst/>
-          </a:prstGeom>
-          <a:noFill/>
-          <a:ln>
-            <a:solidFill>
-              <a:schemeClr val="accent1"/>
-            </a:solidFill>
-          </a:ln>
-        </p:spPr>
-        <p:txBody>
-          <a:bodyPr wrap="square">
-            <a:spAutoFit/>
-          </a:bodyPr>
-          <a:lstStyle/>
-          <a:p>
-            <a:r>
-              <a:rPr lang="en-GB" sz="2800" dirty="0">
-                <a:solidFill>
-                  <a:schemeClr val="bg1"/>
-                </a:solidFill>
-              </a:rPr>
-              <a:t>If each observation is a vector of observations  we call it a multivariate time series</a:t>
-            </a:r>
-          </a:p>
-        </p:txBody>
-      </p:sp>
-      <p:pic>
-        <p:nvPicPr>
-          <p:cNvPr id="10" name="Picture 9">
-            <a:extLst>
-              <a:ext uri="{FF2B5EF4-FFF2-40B4-BE49-F238E27FC236}">
-                <a16:creationId xmlns:a16="http://schemas.microsoft.com/office/drawing/2014/main" id="{1166D24A-01AB-5A7E-6E9C-4E4526DC121F}"/>
-              </a:ext>
-            </a:extLst>
-          </p:cNvPr>
-          <p:cNvPicPr>
-            <a:picLocks noChangeAspect="1"/>
-          </p:cNvPicPr>
-          <p:nvPr/>
-        </p:nvPicPr>
-        <p:blipFill>
-          <a:blip r:embed="rId3"/>
-          <a:stretch>
-            <a:fillRect/>
-          </a:stretch>
-        </p:blipFill>
-        <p:spPr>
-          <a:xfrm>
-            <a:off x="121750" y="3902055"/>
-            <a:ext cx="3878928" cy="2641365"/>
-          </a:xfrm>
-          <a:prstGeom prst="rect">
-            <a:avLst/>
-          </a:prstGeom>
-        </p:spPr>
-      </p:pic>
-      <p:pic>
-        <p:nvPicPr>
-          <p:cNvPr id="12" name="Picture 11">
-            <a:extLst>
-              <a:ext uri="{FF2B5EF4-FFF2-40B4-BE49-F238E27FC236}">
-                <a16:creationId xmlns:a16="http://schemas.microsoft.com/office/drawing/2014/main" id="{832799E6-FE43-7439-DF25-0B18B2E5D934}"/>
-              </a:ext>
-            </a:extLst>
-          </p:cNvPr>
-          <p:cNvPicPr>
-            <a:picLocks noChangeAspect="1"/>
-          </p:cNvPicPr>
-          <p:nvPr/>
-        </p:nvPicPr>
-        <p:blipFill>
-          <a:blip r:embed="rId4"/>
-          <a:stretch>
-            <a:fillRect/>
-          </a:stretch>
-        </p:blipFill>
-        <p:spPr>
-          <a:xfrm>
-            <a:off x="8660674" y="3807282"/>
-            <a:ext cx="2950401" cy="3024162"/>
-          </a:xfrm>
-          <a:prstGeom prst="rect">
-            <a:avLst/>
-          </a:prstGeom>
-        </p:spPr>
-      </p:pic>
-      <p:sp>
-        <p:nvSpPr>
-          <p:cNvPr id="13" name="TextBox 12">
-            <a:extLst>
-              <a:ext uri="{FF2B5EF4-FFF2-40B4-BE49-F238E27FC236}">
-                <a16:creationId xmlns:a16="http://schemas.microsoft.com/office/drawing/2014/main" id="{4F95ADA2-86D9-53B5-DC7D-195A05DCDC7C}"/>
-              </a:ext>
-            </a:extLst>
-          </p:cNvPr>
-          <p:cNvSpPr txBox="1"/>
-          <p:nvPr/>
-        </p:nvSpPr>
-        <p:spPr>
-          <a:xfrm>
-            <a:off x="4297680" y="4377480"/>
-            <a:ext cx="4084322" cy="1815882"/>
-          </a:xfrm>
-          <a:prstGeom prst="rect">
-            <a:avLst/>
-          </a:prstGeom>
-          <a:noFill/>
-          <a:ln>
-            <a:solidFill>
-              <a:schemeClr val="accent1"/>
-            </a:solidFill>
-          </a:ln>
-        </p:spPr>
-        <p:txBody>
-          <a:bodyPr wrap="square">
-            <a:spAutoFit/>
-          </a:bodyPr>
-          <a:lstStyle/>
-          <a:p>
-            <a:r>
-              <a:rPr lang="en-GB" sz="2800" dirty="0">
-                <a:solidFill>
-                  <a:schemeClr val="bg1"/>
-                </a:solidFill>
-              </a:rPr>
-              <a:t>The data does not need be ordered in time (sometimes called a data series)</a:t>
-            </a:r>
-            <a:endParaRPr lang="en-GB" sz="2800" dirty="0"/>
-          </a:p>
-        </p:txBody>
-      </p:sp>
-    </p:spTree>
-    <p:extLst>
-      <p:ext uri="{BB962C8B-B14F-4D97-AF65-F5344CB8AC3E}">
-        <p14:creationId xmlns:p14="http://schemas.microsoft.com/office/powerpoint/2010/main" val="939016131"/>
-      </p:ext>
-    </p:extLst>
-  </p:cSld>
-  <p:clrMapOvr>
-    <a:masterClrMapping/>
-  </p:clrMapOvr>
-</p:sld>
-</file>
-
-<file path=ppt/slides/slide4.xml><?xml version="1.0" encoding="utf-8"?>
 <p:sld xmlns:a="http://schemas.openxmlformats.org/drawingml/2006/main" xmlns:r="http://schemas.openxmlformats.org/officeDocument/2006/relationships" xmlns:p="http://schemas.openxmlformats.org/presentationml/2006/main">
   <p:cSld>
     <p:spTree>
@@ -20346,7 +16703,7 @@
 </p:sld>
 </file>
 
-<file path=ppt/slides/slide5.xml><?xml version="1.0" encoding="utf-8"?>
+<file path=ppt/slides/slide4.xml><?xml version="1.0" encoding="utf-8"?>
 <p:sld xmlns:a="http://schemas.openxmlformats.org/drawingml/2006/main" xmlns:r="http://schemas.openxmlformats.org/officeDocument/2006/relationships" xmlns:p="http://schemas.openxmlformats.org/presentationml/2006/main">
   <p:cSld>
     <p:spTree>
@@ -22098,7 +18455,7 @@
 </p:sld>
 </file>
 
-<file path=ppt/slides/slide6.xml><?xml version="1.0" encoding="utf-8"?>
+<file path=ppt/slides/slide5.xml><?xml version="1.0" encoding="utf-8"?>
 <p:sld xmlns:a="http://schemas.openxmlformats.org/drawingml/2006/main" xmlns:r="http://schemas.openxmlformats.org/officeDocument/2006/relationships" xmlns:p="http://schemas.openxmlformats.org/presentationml/2006/main">
   <p:cSld>
     <p:spTree>
@@ -22441,7 +18798,7 @@
 </p:sld>
 </file>
 
-<file path=ppt/slides/slide7.xml><?xml version="1.0" encoding="utf-8"?>
+<file path=ppt/slides/slide6.xml><?xml version="1.0" encoding="utf-8"?>
 <p:sld xmlns:a="http://schemas.openxmlformats.org/drawingml/2006/main" xmlns:r="http://schemas.openxmlformats.org/officeDocument/2006/relationships" xmlns:p="http://schemas.openxmlformats.org/presentationml/2006/main">
   <p:cSld>
     <p:spTree>
@@ -24105,7 +20462,7 @@
 </p:sld>
 </file>
 
-<file path=ppt/slides/slide8.xml><?xml version="1.0" encoding="utf-8"?>
+<file path=ppt/slides/slide7.xml><?xml version="1.0" encoding="utf-8"?>
 <p:sld xmlns:a="http://schemas.openxmlformats.org/drawingml/2006/main" xmlns:r="http://schemas.openxmlformats.org/officeDocument/2006/relationships" xmlns:p="http://schemas.openxmlformats.org/presentationml/2006/main">
   <p:cSld>
     <p:spTree>
@@ -25273,36 +21630,6 @@
           </a:p>
         </p:txBody>
       </p:sp>
-      <p:pic>
-        <p:nvPicPr>
-          <p:cNvPr id="8" name="Picture 7">
-            <a:extLst>
-              <a:ext uri="{FF2B5EF4-FFF2-40B4-BE49-F238E27FC236}">
-                <a16:creationId xmlns:a16="http://schemas.microsoft.com/office/drawing/2014/main" id="{1133383E-C77E-AB65-5A09-EAB0E1E03E83}"/>
-              </a:ext>
-            </a:extLst>
-          </p:cNvPr>
-          <p:cNvPicPr>
-            <a:picLocks noChangeAspect="1"/>
-          </p:cNvPicPr>
-          <p:nvPr/>
-        </p:nvPicPr>
-        <p:blipFill>
-          <a:blip r:embed="rId4"/>
-          <a:stretch>
-            <a:fillRect/>
-          </a:stretch>
-        </p:blipFill>
-        <p:spPr>
-          <a:xfrm>
-            <a:off x="8805723" y="3790624"/>
-            <a:ext cx="2686425" cy="2724530"/>
-          </a:xfrm>
-          <a:prstGeom prst="rect">
-            <a:avLst/>
-          </a:prstGeom>
-        </p:spPr>
-      </p:pic>
       <p:sp>
         <p:nvSpPr>
           <p:cNvPr id="6" name="Title 1">
@@ -25358,6 +21685,36 @@
           </a:p>
         </p:txBody>
       </p:sp>
+      <p:pic>
+        <p:nvPicPr>
+          <p:cNvPr id="9" name="Picture 8">
+            <a:extLst>
+              <a:ext uri="{FF2B5EF4-FFF2-40B4-BE49-F238E27FC236}">
+                <a16:creationId xmlns:a16="http://schemas.microsoft.com/office/drawing/2014/main" id="{F872086B-5573-AF3A-CB5B-4D85399D8C6C}"/>
+              </a:ext>
+            </a:extLst>
+          </p:cNvPr>
+          <p:cNvPicPr>
+            <a:picLocks noChangeAspect="1"/>
+          </p:cNvPicPr>
+          <p:nvPr/>
+        </p:nvPicPr>
+        <p:blipFill>
+          <a:blip r:embed="rId4"/>
+          <a:stretch>
+            <a:fillRect/>
+          </a:stretch>
+        </p:blipFill>
+        <p:spPr>
+          <a:xfrm>
+            <a:off x="8055638" y="3782903"/>
+            <a:ext cx="3952730" cy="2677656"/>
+          </a:xfrm>
+          <a:prstGeom prst="rect">
+            <a:avLst/>
+          </a:prstGeom>
+        </p:spPr>
+      </p:pic>
     </p:spTree>
     <p:extLst>
       <p:ext uri="{BB962C8B-B14F-4D97-AF65-F5344CB8AC3E}">
@@ -25371,7 +21728,7 @@
 </p:sld>
 </file>
 
-<file path=ppt/slides/slide9.xml><?xml version="1.0" encoding="utf-8"?>
+<file path=ppt/slides/slide8.xml><?xml version="1.0" encoding="utf-8"?>
 <p:sld xmlns:a="http://schemas.openxmlformats.org/drawingml/2006/main" xmlns:r="http://schemas.openxmlformats.org/officeDocument/2006/relationships" xmlns:p="http://schemas.openxmlformats.org/presentationml/2006/main">
   <p:cSld>
     <p:spTree>
@@ -30669,6 +27026,2829 @@
 </p:sld>
 </file>
 
+<file path=ppt/slides/slide9.xml><?xml version="1.0" encoding="utf-8"?>
+<p:sld xmlns:a="http://schemas.openxmlformats.org/drawingml/2006/main" xmlns:r="http://schemas.openxmlformats.org/officeDocument/2006/relationships" xmlns:p="http://schemas.openxmlformats.org/presentationml/2006/main">
+  <p:cSld>
+    <p:spTree>
+      <p:nvGrpSpPr>
+        <p:cNvPr id="1" name=""/>
+        <p:cNvGrpSpPr/>
+        <p:nvPr/>
+      </p:nvGrpSpPr>
+      <p:grpSpPr>
+        <a:xfrm>
+          <a:off x="0" y="0"/>
+          <a:ext cx="0" cy="0"/>
+          <a:chOff x="0" y="0"/>
+          <a:chExt cx="0" cy="0"/>
+        </a:xfrm>
+      </p:grpSpPr>
+      <p:sp>
+        <p:nvSpPr>
+          <p:cNvPr id="2" name="Title 1">
+            <a:extLst>
+              <a:ext uri="{FF2B5EF4-FFF2-40B4-BE49-F238E27FC236}">
+                <a16:creationId xmlns:a16="http://schemas.microsoft.com/office/drawing/2014/main" id="{C1D0E459-2535-5082-B64B-176F4F745EE9}"/>
+              </a:ext>
+            </a:extLst>
+          </p:cNvPr>
+          <p:cNvSpPr>
+            <a:spLocks noGrp="1"/>
+          </p:cNvSpPr>
+          <p:nvPr>
+            <p:ph type="ctrTitle"/>
+          </p:nvPr>
+        </p:nvSpPr>
+        <p:spPr>
+          <a:xfrm>
+            <a:off x="211691" y="90564"/>
+            <a:ext cx="11107885" cy="922760"/>
+          </a:xfrm>
+        </p:spPr>
+        <p:txBody>
+          <a:bodyPr>
+            <a:normAutofit/>
+          </a:bodyPr>
+          <a:lstStyle/>
+          <a:p>
+            <a:r>
+              <a:rPr lang="en-US" dirty="0"/>
+              <a:t>Schedule</a:t>
+            </a:r>
+            <a:endParaRPr lang="en-AU" dirty="0"/>
+          </a:p>
+        </p:txBody>
+      </p:sp>
+      <p:sp>
+        <p:nvSpPr>
+          <p:cNvPr id="6" name="TextBox 5">
+            <a:extLst>
+              <a:ext uri="{FF2B5EF4-FFF2-40B4-BE49-F238E27FC236}">
+                <a16:creationId xmlns:a16="http://schemas.microsoft.com/office/drawing/2014/main" id="{DD91C24A-136B-FA18-BCAB-1A33044BA034}"/>
+              </a:ext>
+            </a:extLst>
+          </p:cNvPr>
+          <p:cNvSpPr txBox="1"/>
+          <p:nvPr/>
+        </p:nvSpPr>
+        <p:spPr>
+          <a:xfrm>
+            <a:off x="1079046" y="2067309"/>
+            <a:ext cx="2320888" cy="461665"/>
+          </a:xfrm>
+          <a:prstGeom prst="rect">
+            <a:avLst/>
+          </a:prstGeom>
+          <a:noFill/>
+          <a:ln>
+            <a:solidFill>
+              <a:schemeClr val="tx1"/>
+            </a:solidFill>
+          </a:ln>
+        </p:spPr>
+        <p:txBody>
+          <a:bodyPr wrap="square">
+            <a:spAutoFit/>
+          </a:bodyPr>
+          <a:lstStyle/>
+          <a:p>
+            <a:r>
+              <a:rPr lang="en-GB" sz="2400" b="0" i="0" dirty="0">
+                <a:solidFill>
+                  <a:srgbClr val="606C71"/>
+                </a:solidFill>
+                <a:effectLst/>
+                <a:latin typeface="Open Sans" panose="020B0606030504020204" pitchFamily="34" charset="0"/>
+              </a:rPr>
+              <a:t>Segmentation </a:t>
+            </a:r>
+            <a:endParaRPr lang="en-GB" sz="2400" dirty="0"/>
+          </a:p>
+        </p:txBody>
+      </p:sp>
+      <p:sp>
+        <p:nvSpPr>
+          <p:cNvPr id="41" name="TextBox 40">
+            <a:extLst>
+              <a:ext uri="{FF2B5EF4-FFF2-40B4-BE49-F238E27FC236}">
+                <a16:creationId xmlns:a16="http://schemas.microsoft.com/office/drawing/2014/main" id="{6EAF794A-2EDD-7654-A738-D3728A67AF91}"/>
+              </a:ext>
+            </a:extLst>
+          </p:cNvPr>
+          <p:cNvSpPr txBox="1"/>
+          <p:nvPr/>
+        </p:nvSpPr>
+        <p:spPr>
+          <a:xfrm>
+            <a:off x="155251" y="1187108"/>
+            <a:ext cx="1604421" cy="369332"/>
+          </a:xfrm>
+          <a:prstGeom prst="rect">
+            <a:avLst/>
+          </a:prstGeom>
+          <a:noFill/>
+          <a:ln>
+            <a:solidFill>
+              <a:schemeClr val="tx1"/>
+            </a:solidFill>
+          </a:ln>
+        </p:spPr>
+        <p:txBody>
+          <a:bodyPr wrap="square">
+            <a:spAutoFit/>
+          </a:bodyPr>
+          <a:lstStyle/>
+          <a:p>
+            <a:r>
+              <a:rPr lang="en-GB" dirty="0">
+                <a:solidFill>
+                  <a:srgbClr val="606C71"/>
+                </a:solidFill>
+                <a:latin typeface="Open Sans" panose="020B0606030504020204" pitchFamily="34" charset="0"/>
+              </a:rPr>
+              <a:t>15:30 – 16:00</a:t>
+            </a:r>
+            <a:endParaRPr lang="en-GB" dirty="0"/>
+          </a:p>
+        </p:txBody>
+      </p:sp>
+      <p:sp>
+        <p:nvSpPr>
+          <p:cNvPr id="43" name="TextBox 42">
+            <a:extLst>
+              <a:ext uri="{FF2B5EF4-FFF2-40B4-BE49-F238E27FC236}">
+                <a16:creationId xmlns:a16="http://schemas.microsoft.com/office/drawing/2014/main" id="{2F3BC6B0-8AB6-EADE-61E4-9FD0DF78F78E}"/>
+              </a:ext>
+            </a:extLst>
+          </p:cNvPr>
+          <p:cNvSpPr txBox="1"/>
+          <p:nvPr/>
+        </p:nvSpPr>
+        <p:spPr>
+          <a:xfrm>
+            <a:off x="1109339" y="3827349"/>
+            <a:ext cx="3027287" cy="461665"/>
+          </a:xfrm>
+          <a:prstGeom prst="rect">
+            <a:avLst/>
+          </a:prstGeom>
+          <a:noFill/>
+          <a:ln>
+            <a:solidFill>
+              <a:schemeClr val="tx1"/>
+            </a:solidFill>
+          </a:ln>
+        </p:spPr>
+        <p:txBody>
+          <a:bodyPr wrap="square">
+            <a:spAutoFit/>
+          </a:bodyPr>
+          <a:lstStyle/>
+          <a:p>
+            <a:r>
+              <a:rPr lang="en-GB" sz="2400" b="0" i="0" dirty="0">
+                <a:solidFill>
+                  <a:srgbClr val="606C71"/>
+                </a:solidFill>
+                <a:effectLst/>
+                <a:latin typeface="Open Sans" panose="020B0606030504020204" pitchFamily="34" charset="0"/>
+              </a:rPr>
+              <a:t>Anomaly Detection</a:t>
+            </a:r>
+            <a:endParaRPr lang="en-GB" sz="2400" dirty="0"/>
+          </a:p>
+        </p:txBody>
+      </p:sp>
+      <p:sp>
+        <p:nvSpPr>
+          <p:cNvPr id="47" name="TextBox 46">
+            <a:extLst>
+              <a:ext uri="{FF2B5EF4-FFF2-40B4-BE49-F238E27FC236}">
+                <a16:creationId xmlns:a16="http://schemas.microsoft.com/office/drawing/2014/main" id="{4530FA2F-BB29-3E51-29C5-1F8C7C3FEBE5}"/>
+              </a:ext>
+            </a:extLst>
+          </p:cNvPr>
+          <p:cNvSpPr txBox="1"/>
+          <p:nvPr/>
+        </p:nvSpPr>
+        <p:spPr>
+          <a:xfrm>
+            <a:off x="211691" y="3317453"/>
+            <a:ext cx="1604421" cy="369332"/>
+          </a:xfrm>
+          <a:prstGeom prst="rect">
+            <a:avLst/>
+          </a:prstGeom>
+          <a:noFill/>
+          <a:ln>
+            <a:solidFill>
+              <a:schemeClr val="tx1"/>
+            </a:solidFill>
+          </a:ln>
+        </p:spPr>
+        <p:txBody>
+          <a:bodyPr wrap="square">
+            <a:spAutoFit/>
+          </a:bodyPr>
+          <a:lstStyle/>
+          <a:p>
+            <a:r>
+              <a:rPr lang="en-GB" dirty="0">
+                <a:solidFill>
+                  <a:srgbClr val="606C71"/>
+                </a:solidFill>
+                <a:latin typeface="Open Sans" panose="020B0606030504020204" pitchFamily="34" charset="0"/>
+              </a:rPr>
+              <a:t>16:30 – 17:00</a:t>
+            </a:r>
+            <a:endParaRPr lang="en-GB" dirty="0"/>
+          </a:p>
+        </p:txBody>
+      </p:sp>
+      <p:sp>
+        <p:nvSpPr>
+          <p:cNvPr id="27" name="TextBox 26">
+            <a:extLst>
+              <a:ext uri="{FF2B5EF4-FFF2-40B4-BE49-F238E27FC236}">
+                <a16:creationId xmlns:a16="http://schemas.microsoft.com/office/drawing/2014/main" id="{38E5166A-315E-6594-C14D-1FB51BB6F11B}"/>
+              </a:ext>
+            </a:extLst>
+          </p:cNvPr>
+          <p:cNvSpPr txBox="1"/>
+          <p:nvPr/>
+        </p:nvSpPr>
+        <p:spPr>
+          <a:xfrm>
+            <a:off x="1132882" y="5195511"/>
+            <a:ext cx="2824505" cy="461665"/>
+          </a:xfrm>
+          <a:prstGeom prst="rect">
+            <a:avLst/>
+          </a:prstGeom>
+          <a:noFill/>
+          <a:ln>
+            <a:solidFill>
+              <a:schemeClr val="tx1"/>
+            </a:solidFill>
+          </a:ln>
+        </p:spPr>
+        <p:txBody>
+          <a:bodyPr wrap="square">
+            <a:spAutoFit/>
+          </a:bodyPr>
+          <a:lstStyle/>
+          <a:p>
+            <a:r>
+              <a:rPr lang="en-GB" sz="2400" b="0" i="0" dirty="0">
+                <a:solidFill>
+                  <a:srgbClr val="606C71"/>
+                </a:solidFill>
+                <a:effectLst/>
+                <a:latin typeface="Open Sans" panose="020B0606030504020204" pitchFamily="34" charset="0"/>
+              </a:rPr>
+              <a:t>Deep learning</a:t>
+            </a:r>
+            <a:endParaRPr lang="en-GB" sz="2400" dirty="0"/>
+          </a:p>
+        </p:txBody>
+      </p:sp>
+      <p:sp>
+        <p:nvSpPr>
+          <p:cNvPr id="3" name="TextBox 2">
+            <a:extLst>
+              <a:ext uri="{FF2B5EF4-FFF2-40B4-BE49-F238E27FC236}">
+                <a16:creationId xmlns:a16="http://schemas.microsoft.com/office/drawing/2014/main" id="{99DB72FF-80EE-2360-EFBD-1CB42ABCF346}"/>
+              </a:ext>
+            </a:extLst>
+          </p:cNvPr>
+          <p:cNvSpPr txBox="1"/>
+          <p:nvPr/>
+        </p:nvSpPr>
+        <p:spPr>
+          <a:xfrm>
+            <a:off x="413025" y="2798558"/>
+            <a:ext cx="10783303" cy="400110"/>
+          </a:xfrm>
+          <a:prstGeom prst="rect">
+            <a:avLst/>
+          </a:prstGeom>
+          <a:noFill/>
+          <a:ln>
+            <a:solidFill>
+              <a:schemeClr val="accent1"/>
+            </a:solidFill>
+          </a:ln>
+        </p:spPr>
+        <p:txBody>
+          <a:bodyPr wrap="square">
+            <a:spAutoFit/>
+          </a:bodyPr>
+          <a:lstStyle/>
+          <a:p>
+            <a:pPr algn="ctr"/>
+            <a:r>
+              <a:rPr lang="en-GB" sz="2000" b="0" i="0" dirty="0">
+                <a:solidFill>
+                  <a:srgbClr val="606C71"/>
+                </a:solidFill>
+                <a:effectLst/>
+                <a:latin typeface="Open Sans" panose="020B0606030504020204" pitchFamily="34" charset="0"/>
+              </a:rPr>
+              <a:t>COFFEE BREAK</a:t>
+            </a:r>
+            <a:endParaRPr lang="en-GB" sz="2000" dirty="0"/>
+          </a:p>
+        </p:txBody>
+      </p:sp>
+      <p:sp>
+        <p:nvSpPr>
+          <p:cNvPr id="16" name="TextBox 15">
+            <a:extLst>
+              <a:ext uri="{FF2B5EF4-FFF2-40B4-BE49-F238E27FC236}">
+                <a16:creationId xmlns:a16="http://schemas.microsoft.com/office/drawing/2014/main" id="{B46619C3-4DDF-0C83-36F1-A021A72B8F9B}"/>
+              </a:ext>
+            </a:extLst>
+          </p:cNvPr>
+          <p:cNvSpPr txBox="1"/>
+          <p:nvPr/>
+        </p:nvSpPr>
+        <p:spPr>
+          <a:xfrm>
+            <a:off x="123943" y="6083988"/>
+            <a:ext cx="1604421" cy="369332"/>
+          </a:xfrm>
+          <a:prstGeom prst="rect">
+            <a:avLst/>
+          </a:prstGeom>
+          <a:noFill/>
+          <a:ln>
+            <a:solidFill>
+              <a:schemeClr val="tx1"/>
+            </a:solidFill>
+          </a:ln>
+        </p:spPr>
+        <p:txBody>
+          <a:bodyPr wrap="square">
+            <a:spAutoFit/>
+          </a:bodyPr>
+          <a:lstStyle/>
+          <a:p>
+            <a:r>
+              <a:rPr lang="en-GB" dirty="0">
+                <a:solidFill>
+                  <a:srgbClr val="606C71"/>
+                </a:solidFill>
+                <a:latin typeface="Open Sans" panose="020B0606030504020204" pitchFamily="34" charset="0"/>
+              </a:rPr>
+              <a:t>17:30 – 18:00</a:t>
+            </a:r>
+            <a:endParaRPr lang="en-GB" dirty="0"/>
+          </a:p>
+        </p:txBody>
+      </p:sp>
+      <p:sp>
+        <p:nvSpPr>
+          <p:cNvPr id="17" name="TextBox 16">
+            <a:extLst>
+              <a:ext uri="{FF2B5EF4-FFF2-40B4-BE49-F238E27FC236}">
+                <a16:creationId xmlns:a16="http://schemas.microsoft.com/office/drawing/2014/main" id="{7FFCD709-5B9B-954E-F3D2-4F35D13232E6}"/>
+              </a:ext>
+            </a:extLst>
+          </p:cNvPr>
+          <p:cNvSpPr txBox="1"/>
+          <p:nvPr/>
+        </p:nvSpPr>
+        <p:spPr>
+          <a:xfrm>
+            <a:off x="2024138" y="6083988"/>
+            <a:ext cx="5156307" cy="461665"/>
+          </a:xfrm>
+          <a:prstGeom prst="rect">
+            <a:avLst/>
+          </a:prstGeom>
+          <a:noFill/>
+          <a:ln>
+            <a:solidFill>
+              <a:schemeClr val="tx1"/>
+            </a:solidFill>
+          </a:ln>
+        </p:spPr>
+        <p:txBody>
+          <a:bodyPr wrap="square">
+            <a:spAutoFit/>
+          </a:bodyPr>
+          <a:lstStyle/>
+          <a:p>
+            <a:r>
+              <a:rPr lang="en-GB" sz="2400" b="0" i="0" dirty="0">
+                <a:solidFill>
+                  <a:srgbClr val="606C71"/>
+                </a:solidFill>
+                <a:effectLst/>
+                <a:latin typeface="Open Sans" panose="020B0606030504020204" pitchFamily="34" charset="0"/>
+              </a:rPr>
+              <a:t>Conclusions, future direction, Q&amp;A</a:t>
+            </a:r>
+            <a:endParaRPr lang="en-GB" sz="2400" dirty="0"/>
+          </a:p>
+        </p:txBody>
+      </p:sp>
+      <p:pic>
+        <p:nvPicPr>
+          <p:cNvPr id="20" name="4V7UxzvJ0hbIEMVFCewfs_FYUbzlSnQI2RbEt4agt0Ipe9sjCtD8BAIRn6-_ISoBkKE9MmASnB8sMZtA5-8icFH2i7ucuJPjrbKO-_u7hC-txhakCoeC2QL5D9v4BRyTNvJjc-pYk6tb3dbH1VtVtfnLZ6P2nVM8GPehNfgr6uMWSITzz-_aKQ6_p7k=nw.png" descr="4V7UxzvJ0hbIEMVFCewfs_FYUbzlSnQI2RbEt4agt0Ipe9sjCtD8BAIRn6-_ISoBkKE9MmASnB8sMZtA5-8icFH2i7ucuJPjrbKO-_u7hC-txhakCoeC2QL5D9v4BRyTNvJjc-pYk6tb3dbH1VtVtfnLZ6P2nVM8GPehNfgr6uMWSITzz-_aKQ6_p7k=nw.png">
+            <a:extLst>
+              <a:ext uri="{FF2B5EF4-FFF2-40B4-BE49-F238E27FC236}">
+                <a16:creationId xmlns:a16="http://schemas.microsoft.com/office/drawing/2014/main" id="{A826B8F8-A34B-886F-28FA-0AD675D29EE6}"/>
+              </a:ext>
+            </a:extLst>
+          </p:cNvPr>
+          <p:cNvPicPr>
+            <a:picLocks noChangeAspect="1"/>
+          </p:cNvPicPr>
+          <p:nvPr/>
+        </p:nvPicPr>
+        <p:blipFill>
+          <a:blip r:embed="rId2"/>
+          <a:stretch>
+            <a:fillRect/>
+          </a:stretch>
+        </p:blipFill>
+        <p:spPr>
+          <a:xfrm>
+            <a:off x="5018244" y="1016715"/>
+            <a:ext cx="6421680" cy="1649482"/>
+          </a:xfrm>
+          <a:prstGeom prst="rect">
+            <a:avLst/>
+          </a:prstGeom>
+          <a:ln w="12700">
+            <a:miter lim="400000"/>
+          </a:ln>
+        </p:spPr>
+      </p:pic>
+      <p:sp>
+        <p:nvSpPr>
+          <p:cNvPr id="28" name="Line">
+            <a:extLst>
+              <a:ext uri="{FF2B5EF4-FFF2-40B4-BE49-F238E27FC236}">
+                <a16:creationId xmlns:a16="http://schemas.microsoft.com/office/drawing/2014/main" id="{7647B519-2642-9516-F879-7AD94E922513}"/>
+              </a:ext>
+            </a:extLst>
+          </p:cNvPr>
+          <p:cNvSpPr/>
+          <p:nvPr/>
+        </p:nvSpPr>
+        <p:spPr>
+          <a:xfrm flipV="1">
+            <a:off x="7464378" y="893905"/>
+            <a:ext cx="1" cy="1714948"/>
+          </a:xfrm>
+          <a:prstGeom prst="line">
+            <a:avLst/>
+          </a:prstGeom>
+          <a:ln w="12700">
+            <a:solidFill>
+              <a:schemeClr val="accent2"/>
+            </a:solidFill>
+            <a:custDash>
+              <a:ds d="200000" sp="200000"/>
+            </a:custDash>
+            <a:miter lim="400000"/>
+          </a:ln>
+          <a:effectLst>
+            <a:outerShdw blurRad="38100" dist="20000" dir="5400000" rotWithShape="0">
+              <a:srgbClr val="000000">
+                <a:alpha val="38000"/>
+              </a:srgbClr>
+            </a:outerShdw>
+          </a:effectLst>
+        </p:spPr>
+        <p:txBody>
+          <a:bodyPr lIns="0" tIns="0" rIns="0" bIns="0"/>
+          <a:lstStyle/>
+          <a:p>
+            <a:pPr algn="ctr">
+              <a:defRPr sz="1000"/>
+            </a:pPr>
+            <a:endParaRPr/>
+          </a:p>
+        </p:txBody>
+      </p:sp>
+      <p:sp>
+        <p:nvSpPr>
+          <p:cNvPr id="29" name="Line">
+            <a:extLst>
+              <a:ext uri="{FF2B5EF4-FFF2-40B4-BE49-F238E27FC236}">
+                <a16:creationId xmlns:a16="http://schemas.microsoft.com/office/drawing/2014/main" id="{946D0F0F-F513-B746-002D-7AEBD04D33A7}"/>
+              </a:ext>
+            </a:extLst>
+          </p:cNvPr>
+          <p:cNvSpPr/>
+          <p:nvPr/>
+        </p:nvSpPr>
+        <p:spPr>
+          <a:xfrm flipV="1">
+            <a:off x="9370733" y="952204"/>
+            <a:ext cx="1" cy="1714949"/>
+          </a:xfrm>
+          <a:prstGeom prst="line">
+            <a:avLst/>
+          </a:prstGeom>
+          <a:ln w="12700">
+            <a:solidFill>
+              <a:schemeClr val="accent2"/>
+            </a:solidFill>
+            <a:custDash>
+              <a:ds d="200000" sp="200000"/>
+            </a:custDash>
+            <a:miter lim="400000"/>
+          </a:ln>
+          <a:effectLst>
+            <a:outerShdw blurRad="38100" dist="20000" dir="5400000" rotWithShape="0">
+              <a:srgbClr val="000000">
+                <a:alpha val="38000"/>
+              </a:srgbClr>
+            </a:outerShdw>
+          </a:effectLst>
+        </p:spPr>
+        <p:txBody>
+          <a:bodyPr lIns="0" tIns="0" rIns="0" bIns="0"/>
+          <a:lstStyle/>
+          <a:p>
+            <a:pPr algn="ctr">
+              <a:defRPr sz="1000"/>
+            </a:pPr>
+            <a:endParaRPr/>
+          </a:p>
+        </p:txBody>
+      </p:sp>
+      <p:sp>
+        <p:nvSpPr>
+          <p:cNvPr id="30" name="TextBox 29">
+            <a:extLst>
+              <a:ext uri="{FF2B5EF4-FFF2-40B4-BE49-F238E27FC236}">
+                <a16:creationId xmlns:a16="http://schemas.microsoft.com/office/drawing/2014/main" id="{F8FAF63E-6243-7BB2-5C61-BF4F67A44EE0}"/>
+              </a:ext>
+            </a:extLst>
+          </p:cNvPr>
+          <p:cNvSpPr txBox="1"/>
+          <p:nvPr/>
+        </p:nvSpPr>
+        <p:spPr>
+          <a:xfrm>
+            <a:off x="1878924" y="1015332"/>
+            <a:ext cx="2177982" cy="369332"/>
+          </a:xfrm>
+          <a:prstGeom prst="rect">
+            <a:avLst/>
+          </a:prstGeom>
+          <a:noFill/>
+        </p:spPr>
+        <p:txBody>
+          <a:bodyPr wrap="square">
+            <a:spAutoFit/>
+          </a:bodyPr>
+          <a:lstStyle/>
+          <a:p>
+            <a:r>
+              <a:rPr lang="en-GB" i="0" dirty="0">
+                <a:solidFill>
+                  <a:srgbClr val="212529"/>
+                </a:solidFill>
+                <a:effectLst/>
+                <a:latin typeface="Helvetica Neue"/>
+              </a:rPr>
+              <a:t>Arik </a:t>
+            </a:r>
+            <a:r>
+              <a:rPr lang="en-GB" i="0" dirty="0" err="1">
+                <a:solidFill>
+                  <a:srgbClr val="212529"/>
+                </a:solidFill>
+                <a:effectLst/>
+                <a:latin typeface="Helvetica Neue"/>
+              </a:rPr>
+              <a:t>Ermshaus</a:t>
+            </a:r>
+            <a:endParaRPr lang="en-GB" dirty="0"/>
+          </a:p>
+        </p:txBody>
+      </p:sp>
+      <p:pic>
+        <p:nvPicPr>
+          <p:cNvPr id="31" name="Picture 30">
+            <a:extLst>
+              <a:ext uri="{FF2B5EF4-FFF2-40B4-BE49-F238E27FC236}">
+                <a16:creationId xmlns:a16="http://schemas.microsoft.com/office/drawing/2014/main" id="{C2F1CB8C-BEAB-F00E-35D4-A8F516B74F6A}"/>
+              </a:ext>
+            </a:extLst>
+          </p:cNvPr>
+          <p:cNvPicPr>
+            <a:picLocks noChangeAspect="1"/>
+          </p:cNvPicPr>
+          <p:nvPr/>
+        </p:nvPicPr>
+        <p:blipFill>
+          <a:blip r:embed="rId3"/>
+          <a:stretch>
+            <a:fillRect/>
+          </a:stretch>
+        </p:blipFill>
+        <p:spPr>
+          <a:xfrm>
+            <a:off x="225493" y="1909805"/>
+            <a:ext cx="827406" cy="834133"/>
+          </a:xfrm>
+          <a:prstGeom prst="rect">
+            <a:avLst/>
+          </a:prstGeom>
+        </p:spPr>
+      </p:pic>
+      <p:sp>
+        <p:nvSpPr>
+          <p:cNvPr id="32" name="TextBox 31">
+            <a:extLst>
+              <a:ext uri="{FF2B5EF4-FFF2-40B4-BE49-F238E27FC236}">
+                <a16:creationId xmlns:a16="http://schemas.microsoft.com/office/drawing/2014/main" id="{ABF4C230-83E1-580C-905E-1B80F0F7F0DF}"/>
+              </a:ext>
+            </a:extLst>
+          </p:cNvPr>
+          <p:cNvSpPr txBox="1"/>
+          <p:nvPr/>
+        </p:nvSpPr>
+        <p:spPr>
+          <a:xfrm>
+            <a:off x="1878924" y="1428394"/>
+            <a:ext cx="2177982" cy="369332"/>
+          </a:xfrm>
+          <a:prstGeom prst="rect">
+            <a:avLst/>
+          </a:prstGeom>
+          <a:noFill/>
+        </p:spPr>
+        <p:txBody>
+          <a:bodyPr wrap="square">
+            <a:spAutoFit/>
+          </a:bodyPr>
+          <a:lstStyle/>
+          <a:p>
+            <a:r>
+              <a:rPr lang="en-GB" i="0" dirty="0">
+                <a:solidFill>
+                  <a:srgbClr val="212529"/>
+                </a:solidFill>
+                <a:effectLst/>
+                <a:latin typeface="Helvetica Neue"/>
+              </a:rPr>
+              <a:t>Patrick Schäfer</a:t>
+            </a:r>
+            <a:endParaRPr lang="en-GB" dirty="0"/>
+          </a:p>
+        </p:txBody>
+      </p:sp>
+      <p:pic>
+        <p:nvPicPr>
+          <p:cNvPr id="33" name="Picture 32">
+            <a:extLst>
+              <a:ext uri="{FF2B5EF4-FFF2-40B4-BE49-F238E27FC236}">
+                <a16:creationId xmlns:a16="http://schemas.microsoft.com/office/drawing/2014/main" id="{59045560-284A-1024-6542-B18807BBA19F}"/>
+              </a:ext>
+            </a:extLst>
+          </p:cNvPr>
+          <p:cNvPicPr>
+            <a:picLocks noChangeAspect="1"/>
+          </p:cNvPicPr>
+          <p:nvPr/>
+        </p:nvPicPr>
+        <p:blipFill>
+          <a:blip r:embed="rId4"/>
+          <a:stretch>
+            <a:fillRect/>
+          </a:stretch>
+        </p:blipFill>
+        <p:spPr>
+          <a:xfrm>
+            <a:off x="3455435" y="1841456"/>
+            <a:ext cx="619211" cy="838317"/>
+          </a:xfrm>
+          <a:prstGeom prst="rect">
+            <a:avLst/>
+          </a:prstGeom>
+        </p:spPr>
+      </p:pic>
+      <p:pic>
+        <p:nvPicPr>
+          <p:cNvPr id="34" name="Picture 33">
+            <a:extLst>
+              <a:ext uri="{FF2B5EF4-FFF2-40B4-BE49-F238E27FC236}">
+                <a16:creationId xmlns:a16="http://schemas.microsoft.com/office/drawing/2014/main" id="{BF64F457-0DF4-03FF-65A9-9842AD16C1AD}"/>
+              </a:ext>
+            </a:extLst>
+          </p:cNvPr>
+          <p:cNvPicPr>
+            <a:picLocks noChangeAspect="1"/>
+          </p:cNvPicPr>
+          <p:nvPr/>
+        </p:nvPicPr>
+        <p:blipFill>
+          <a:blip r:embed="rId5"/>
+          <a:stretch>
+            <a:fillRect/>
+          </a:stretch>
+        </p:blipFill>
+        <p:spPr>
+          <a:xfrm>
+            <a:off x="211691" y="3700534"/>
+            <a:ext cx="695422" cy="1076475"/>
+          </a:xfrm>
+          <a:prstGeom prst="rect">
+            <a:avLst/>
+          </a:prstGeom>
+        </p:spPr>
+      </p:pic>
+      <p:sp>
+        <p:nvSpPr>
+          <p:cNvPr id="26" name="TextBox 25">
+            <a:extLst>
+              <a:ext uri="{FF2B5EF4-FFF2-40B4-BE49-F238E27FC236}">
+                <a16:creationId xmlns:a16="http://schemas.microsoft.com/office/drawing/2014/main" id="{F6D206CF-B018-FEC6-EDBA-3BA32BCC2282}"/>
+              </a:ext>
+            </a:extLst>
+          </p:cNvPr>
+          <p:cNvSpPr txBox="1"/>
+          <p:nvPr/>
+        </p:nvSpPr>
+        <p:spPr>
+          <a:xfrm>
+            <a:off x="155251" y="4589990"/>
+            <a:ext cx="1604421" cy="369332"/>
+          </a:xfrm>
+          <a:prstGeom prst="rect">
+            <a:avLst/>
+          </a:prstGeom>
+          <a:solidFill>
+            <a:schemeClr val="bg1"/>
+          </a:solidFill>
+          <a:ln>
+            <a:solidFill>
+              <a:schemeClr val="tx1"/>
+            </a:solidFill>
+          </a:ln>
+        </p:spPr>
+        <p:txBody>
+          <a:bodyPr wrap="square">
+            <a:spAutoFit/>
+          </a:bodyPr>
+          <a:lstStyle/>
+          <a:p>
+            <a:r>
+              <a:rPr lang="en-GB" dirty="0">
+                <a:solidFill>
+                  <a:srgbClr val="606C71"/>
+                </a:solidFill>
+                <a:latin typeface="Open Sans" panose="020B0606030504020204" pitchFamily="34" charset="0"/>
+              </a:rPr>
+              <a:t>17:00 – 17:30</a:t>
+            </a:r>
+            <a:endParaRPr lang="en-GB" dirty="0"/>
+          </a:p>
+        </p:txBody>
+      </p:sp>
+      <p:pic>
+        <p:nvPicPr>
+          <p:cNvPr id="35" name="Picture 34">
+            <a:extLst>
+              <a:ext uri="{FF2B5EF4-FFF2-40B4-BE49-F238E27FC236}">
+                <a16:creationId xmlns:a16="http://schemas.microsoft.com/office/drawing/2014/main" id="{16DBA86E-4F65-3D32-6667-C3BBB44655D4}"/>
+              </a:ext>
+            </a:extLst>
+          </p:cNvPr>
+          <p:cNvPicPr>
+            <a:picLocks noChangeAspect="1"/>
+          </p:cNvPicPr>
+          <p:nvPr/>
+        </p:nvPicPr>
+        <p:blipFill>
+          <a:blip r:embed="rId6"/>
+          <a:stretch>
+            <a:fillRect/>
+          </a:stretch>
+        </p:blipFill>
+        <p:spPr>
+          <a:xfrm>
+            <a:off x="205056" y="4966311"/>
+            <a:ext cx="737219" cy="1018854"/>
+          </a:xfrm>
+          <a:prstGeom prst="rect">
+            <a:avLst/>
+          </a:prstGeom>
+        </p:spPr>
+      </p:pic>
+      <p:sp>
+        <p:nvSpPr>
+          <p:cNvPr id="36" name="Freeform 62">
+            <a:extLst>
+              <a:ext uri="{FF2B5EF4-FFF2-40B4-BE49-F238E27FC236}">
+                <a16:creationId xmlns:a16="http://schemas.microsoft.com/office/drawing/2014/main" id="{3B44C5AD-6C03-F95A-1CD4-ABB3167ED135}"/>
+              </a:ext>
+            </a:extLst>
+          </p:cNvPr>
+          <p:cNvSpPr>
+            <a:spLocks/>
+          </p:cNvSpPr>
+          <p:nvPr/>
+        </p:nvSpPr>
+        <p:spPr bwMode="auto">
+          <a:xfrm>
+            <a:off x="4845167" y="3467202"/>
+            <a:ext cx="1808162" cy="968375"/>
+          </a:xfrm>
+          <a:custGeom>
+            <a:avLst/>
+            <a:gdLst>
+              <a:gd name="T0" fmla="*/ 30 w 1310"/>
+              <a:gd name="T1" fmla="*/ 474 h 1219"/>
+              <a:gd name="T2" fmla="*/ 74 w 1310"/>
+              <a:gd name="T3" fmla="*/ 486 h 1219"/>
+              <a:gd name="T4" fmla="*/ 102 w 1310"/>
+              <a:gd name="T5" fmla="*/ 358 h 1219"/>
+              <a:gd name="T6" fmla="*/ 117 w 1310"/>
+              <a:gd name="T7" fmla="*/ 358 h 1219"/>
+              <a:gd name="T8" fmla="*/ 146 w 1310"/>
+              <a:gd name="T9" fmla="*/ 987 h 1219"/>
+              <a:gd name="T10" fmla="*/ 161 w 1310"/>
+              <a:gd name="T11" fmla="*/ 846 h 1219"/>
+              <a:gd name="T12" fmla="*/ 191 w 1310"/>
+              <a:gd name="T13" fmla="*/ 397 h 1219"/>
+              <a:gd name="T14" fmla="*/ 204 w 1310"/>
+              <a:gd name="T15" fmla="*/ 268 h 1219"/>
+              <a:gd name="T16" fmla="*/ 234 w 1310"/>
+              <a:gd name="T17" fmla="*/ 204 h 1219"/>
+              <a:gd name="T18" fmla="*/ 248 w 1310"/>
+              <a:gd name="T19" fmla="*/ 102 h 1219"/>
+              <a:gd name="T20" fmla="*/ 278 w 1310"/>
+              <a:gd name="T21" fmla="*/ 25 h 1219"/>
+              <a:gd name="T22" fmla="*/ 291 w 1310"/>
+              <a:gd name="T23" fmla="*/ 51 h 1219"/>
+              <a:gd name="T24" fmla="*/ 321 w 1310"/>
+              <a:gd name="T25" fmla="*/ 192 h 1219"/>
+              <a:gd name="T26" fmla="*/ 335 w 1310"/>
+              <a:gd name="T27" fmla="*/ 372 h 1219"/>
+              <a:gd name="T28" fmla="*/ 380 w 1310"/>
+              <a:gd name="T29" fmla="*/ 423 h 1219"/>
+              <a:gd name="T30" fmla="*/ 393 w 1310"/>
+              <a:gd name="T31" fmla="*/ 423 h 1219"/>
+              <a:gd name="T32" fmla="*/ 437 w 1310"/>
+              <a:gd name="T33" fmla="*/ 409 h 1219"/>
+              <a:gd name="T34" fmla="*/ 480 w 1310"/>
+              <a:gd name="T35" fmla="*/ 435 h 1219"/>
+              <a:gd name="T36" fmla="*/ 524 w 1310"/>
+              <a:gd name="T37" fmla="*/ 448 h 1219"/>
+              <a:gd name="T38" fmla="*/ 569 w 1310"/>
+              <a:gd name="T39" fmla="*/ 460 h 1219"/>
+              <a:gd name="T40" fmla="*/ 612 w 1310"/>
+              <a:gd name="T41" fmla="*/ 460 h 1219"/>
+              <a:gd name="T42" fmla="*/ 656 w 1310"/>
+              <a:gd name="T43" fmla="*/ 460 h 1219"/>
+              <a:gd name="T44" fmla="*/ 699 w 1310"/>
+              <a:gd name="T45" fmla="*/ 460 h 1219"/>
+              <a:gd name="T46" fmla="*/ 743 w 1310"/>
+              <a:gd name="T47" fmla="*/ 474 h 1219"/>
+              <a:gd name="T48" fmla="*/ 787 w 1310"/>
+              <a:gd name="T49" fmla="*/ 474 h 1219"/>
+              <a:gd name="T50" fmla="*/ 815 w 1310"/>
+              <a:gd name="T51" fmla="*/ 333 h 1219"/>
+              <a:gd name="T52" fmla="*/ 830 w 1310"/>
+              <a:gd name="T53" fmla="*/ 486 h 1219"/>
+              <a:gd name="T54" fmla="*/ 845 w 1310"/>
+              <a:gd name="T55" fmla="*/ 1219 h 1219"/>
+              <a:gd name="T56" fmla="*/ 874 w 1310"/>
+              <a:gd name="T57" fmla="*/ 680 h 1219"/>
+              <a:gd name="T58" fmla="*/ 889 w 1310"/>
+              <a:gd name="T59" fmla="*/ 319 h 1219"/>
+              <a:gd name="T60" fmla="*/ 917 w 1310"/>
+              <a:gd name="T61" fmla="*/ 256 h 1219"/>
+              <a:gd name="T62" fmla="*/ 932 w 1310"/>
+              <a:gd name="T63" fmla="*/ 178 h 1219"/>
+              <a:gd name="T64" fmla="*/ 961 w 1310"/>
+              <a:gd name="T65" fmla="*/ 102 h 1219"/>
+              <a:gd name="T66" fmla="*/ 991 w 1310"/>
+              <a:gd name="T67" fmla="*/ 37 h 1219"/>
+              <a:gd name="T68" fmla="*/ 1004 w 1310"/>
+              <a:gd name="T69" fmla="*/ 217 h 1219"/>
+              <a:gd name="T70" fmla="*/ 1034 w 1310"/>
+              <a:gd name="T71" fmla="*/ 345 h 1219"/>
+              <a:gd name="T72" fmla="*/ 1063 w 1310"/>
+              <a:gd name="T73" fmla="*/ 435 h 1219"/>
+              <a:gd name="T74" fmla="*/ 1106 w 1310"/>
+              <a:gd name="T75" fmla="*/ 435 h 1219"/>
+              <a:gd name="T76" fmla="*/ 1150 w 1310"/>
+              <a:gd name="T77" fmla="*/ 423 h 1219"/>
+              <a:gd name="T78" fmla="*/ 1193 w 1310"/>
+              <a:gd name="T79" fmla="*/ 448 h 1219"/>
+              <a:gd name="T80" fmla="*/ 1238 w 1310"/>
+              <a:gd name="T81" fmla="*/ 460 h 1219"/>
+              <a:gd name="T82" fmla="*/ 1282 w 1310"/>
+              <a:gd name="T83" fmla="*/ 460 h 1219"/>
+            </a:gdLst>
+            <a:ahLst/>
+            <a:cxnLst>
+              <a:cxn ang="0">
+                <a:pos x="T0" y="T1"/>
+              </a:cxn>
+              <a:cxn ang="0">
+                <a:pos x="T2" y="T3"/>
+              </a:cxn>
+              <a:cxn ang="0">
+                <a:pos x="T4" y="T5"/>
+              </a:cxn>
+              <a:cxn ang="0">
+                <a:pos x="T6" y="T7"/>
+              </a:cxn>
+              <a:cxn ang="0">
+                <a:pos x="T8" y="T9"/>
+              </a:cxn>
+              <a:cxn ang="0">
+                <a:pos x="T10" y="T11"/>
+              </a:cxn>
+              <a:cxn ang="0">
+                <a:pos x="T12" y="T13"/>
+              </a:cxn>
+              <a:cxn ang="0">
+                <a:pos x="T14" y="T15"/>
+              </a:cxn>
+              <a:cxn ang="0">
+                <a:pos x="T16" y="T17"/>
+              </a:cxn>
+              <a:cxn ang="0">
+                <a:pos x="T18" y="T19"/>
+              </a:cxn>
+              <a:cxn ang="0">
+                <a:pos x="T20" y="T21"/>
+              </a:cxn>
+              <a:cxn ang="0">
+                <a:pos x="T22" y="T23"/>
+              </a:cxn>
+              <a:cxn ang="0">
+                <a:pos x="T24" y="T25"/>
+              </a:cxn>
+              <a:cxn ang="0">
+                <a:pos x="T26" y="T27"/>
+              </a:cxn>
+              <a:cxn ang="0">
+                <a:pos x="T28" y="T29"/>
+              </a:cxn>
+              <a:cxn ang="0">
+                <a:pos x="T30" y="T31"/>
+              </a:cxn>
+              <a:cxn ang="0">
+                <a:pos x="T32" y="T33"/>
+              </a:cxn>
+              <a:cxn ang="0">
+                <a:pos x="T34" y="T35"/>
+              </a:cxn>
+              <a:cxn ang="0">
+                <a:pos x="T36" y="T37"/>
+              </a:cxn>
+              <a:cxn ang="0">
+                <a:pos x="T38" y="T39"/>
+              </a:cxn>
+              <a:cxn ang="0">
+                <a:pos x="T40" y="T41"/>
+              </a:cxn>
+              <a:cxn ang="0">
+                <a:pos x="T42" y="T43"/>
+              </a:cxn>
+              <a:cxn ang="0">
+                <a:pos x="T44" y="T45"/>
+              </a:cxn>
+              <a:cxn ang="0">
+                <a:pos x="T46" y="T47"/>
+              </a:cxn>
+              <a:cxn ang="0">
+                <a:pos x="T48" y="T49"/>
+              </a:cxn>
+              <a:cxn ang="0">
+                <a:pos x="T50" y="T51"/>
+              </a:cxn>
+              <a:cxn ang="0">
+                <a:pos x="T52" y="T53"/>
+              </a:cxn>
+              <a:cxn ang="0">
+                <a:pos x="T54" y="T55"/>
+              </a:cxn>
+              <a:cxn ang="0">
+                <a:pos x="T56" y="T57"/>
+              </a:cxn>
+              <a:cxn ang="0">
+                <a:pos x="T58" y="T59"/>
+              </a:cxn>
+              <a:cxn ang="0">
+                <a:pos x="T60" y="T61"/>
+              </a:cxn>
+              <a:cxn ang="0">
+                <a:pos x="T62" y="T63"/>
+              </a:cxn>
+              <a:cxn ang="0">
+                <a:pos x="T64" y="T65"/>
+              </a:cxn>
+              <a:cxn ang="0">
+                <a:pos x="T66" y="T67"/>
+              </a:cxn>
+              <a:cxn ang="0">
+                <a:pos x="T68" y="T69"/>
+              </a:cxn>
+              <a:cxn ang="0">
+                <a:pos x="T70" y="T71"/>
+              </a:cxn>
+              <a:cxn ang="0">
+                <a:pos x="T72" y="T73"/>
+              </a:cxn>
+              <a:cxn ang="0">
+                <a:pos x="T74" y="T75"/>
+              </a:cxn>
+              <a:cxn ang="0">
+                <a:pos x="T76" y="T77"/>
+              </a:cxn>
+              <a:cxn ang="0">
+                <a:pos x="T78" y="T79"/>
+              </a:cxn>
+              <a:cxn ang="0">
+                <a:pos x="T80" y="T81"/>
+              </a:cxn>
+              <a:cxn ang="0">
+                <a:pos x="T82" y="T83"/>
+              </a:cxn>
+            </a:cxnLst>
+            <a:rect l="0" t="0" r="r" b="b"/>
+            <a:pathLst>
+              <a:path w="1310" h="1219">
+                <a:moveTo>
+                  <a:pt x="0" y="460"/>
+                </a:moveTo>
+                <a:lnTo>
+                  <a:pt x="15" y="460"/>
+                </a:lnTo>
+                <a:lnTo>
+                  <a:pt x="30" y="474"/>
+                </a:lnTo>
+                <a:lnTo>
+                  <a:pt x="45" y="486"/>
+                </a:lnTo>
+                <a:lnTo>
+                  <a:pt x="59" y="486"/>
+                </a:lnTo>
+                <a:lnTo>
+                  <a:pt x="74" y="486"/>
+                </a:lnTo>
+                <a:lnTo>
+                  <a:pt x="89" y="474"/>
+                </a:lnTo>
+                <a:lnTo>
+                  <a:pt x="102" y="460"/>
+                </a:lnTo>
+                <a:lnTo>
+                  <a:pt x="102" y="358"/>
+                </a:lnTo>
+                <a:lnTo>
+                  <a:pt x="117" y="345"/>
+                </a:lnTo>
+                <a:lnTo>
+                  <a:pt x="117" y="294"/>
+                </a:lnTo>
+                <a:lnTo>
+                  <a:pt x="117" y="358"/>
+                </a:lnTo>
+                <a:lnTo>
+                  <a:pt x="132" y="409"/>
+                </a:lnTo>
+                <a:lnTo>
+                  <a:pt x="132" y="936"/>
+                </a:lnTo>
+                <a:lnTo>
+                  <a:pt x="146" y="987"/>
+                </a:lnTo>
+                <a:lnTo>
+                  <a:pt x="146" y="1193"/>
+                </a:lnTo>
+                <a:lnTo>
+                  <a:pt x="161" y="1205"/>
+                </a:lnTo>
+                <a:lnTo>
+                  <a:pt x="161" y="846"/>
+                </a:lnTo>
+                <a:lnTo>
+                  <a:pt x="176" y="770"/>
+                </a:lnTo>
+                <a:lnTo>
+                  <a:pt x="176" y="423"/>
+                </a:lnTo>
+                <a:lnTo>
+                  <a:pt x="191" y="397"/>
+                </a:lnTo>
+                <a:lnTo>
+                  <a:pt x="191" y="307"/>
+                </a:lnTo>
+                <a:lnTo>
+                  <a:pt x="204" y="294"/>
+                </a:lnTo>
+                <a:lnTo>
+                  <a:pt x="204" y="268"/>
+                </a:lnTo>
+                <a:lnTo>
+                  <a:pt x="219" y="256"/>
+                </a:lnTo>
+                <a:lnTo>
+                  <a:pt x="219" y="217"/>
+                </a:lnTo>
+                <a:lnTo>
+                  <a:pt x="234" y="204"/>
+                </a:lnTo>
+                <a:lnTo>
+                  <a:pt x="234" y="166"/>
+                </a:lnTo>
+                <a:lnTo>
+                  <a:pt x="248" y="153"/>
+                </a:lnTo>
+                <a:lnTo>
+                  <a:pt x="248" y="102"/>
+                </a:lnTo>
+                <a:lnTo>
+                  <a:pt x="263" y="88"/>
+                </a:lnTo>
+                <a:lnTo>
+                  <a:pt x="263" y="37"/>
+                </a:lnTo>
+                <a:lnTo>
+                  <a:pt x="278" y="25"/>
+                </a:lnTo>
+                <a:lnTo>
+                  <a:pt x="278" y="0"/>
+                </a:lnTo>
+                <a:lnTo>
+                  <a:pt x="291" y="12"/>
+                </a:lnTo>
+                <a:lnTo>
+                  <a:pt x="291" y="51"/>
+                </a:lnTo>
+                <a:lnTo>
+                  <a:pt x="306" y="63"/>
+                </a:lnTo>
+                <a:lnTo>
+                  <a:pt x="306" y="178"/>
+                </a:lnTo>
+                <a:lnTo>
+                  <a:pt x="321" y="192"/>
+                </a:lnTo>
+                <a:lnTo>
+                  <a:pt x="321" y="307"/>
+                </a:lnTo>
+                <a:lnTo>
+                  <a:pt x="335" y="319"/>
+                </a:lnTo>
+                <a:lnTo>
+                  <a:pt x="335" y="372"/>
+                </a:lnTo>
+                <a:lnTo>
+                  <a:pt x="350" y="384"/>
+                </a:lnTo>
+                <a:lnTo>
+                  <a:pt x="350" y="397"/>
+                </a:lnTo>
+                <a:lnTo>
+                  <a:pt x="380" y="423"/>
+                </a:lnTo>
+                <a:lnTo>
+                  <a:pt x="365" y="423"/>
+                </a:lnTo>
+                <a:lnTo>
+                  <a:pt x="380" y="423"/>
+                </a:lnTo>
+                <a:lnTo>
+                  <a:pt x="393" y="423"/>
+                </a:lnTo>
+                <a:lnTo>
+                  <a:pt x="408" y="423"/>
+                </a:lnTo>
+                <a:lnTo>
+                  <a:pt x="423" y="423"/>
+                </a:lnTo>
+                <a:lnTo>
+                  <a:pt x="437" y="409"/>
+                </a:lnTo>
+                <a:lnTo>
+                  <a:pt x="452" y="409"/>
+                </a:lnTo>
+                <a:lnTo>
+                  <a:pt x="467" y="423"/>
+                </a:lnTo>
+                <a:lnTo>
+                  <a:pt x="480" y="435"/>
+                </a:lnTo>
+                <a:lnTo>
+                  <a:pt x="495" y="435"/>
+                </a:lnTo>
+                <a:lnTo>
+                  <a:pt x="510" y="448"/>
+                </a:lnTo>
+                <a:lnTo>
+                  <a:pt x="524" y="448"/>
+                </a:lnTo>
+                <a:lnTo>
+                  <a:pt x="539" y="460"/>
+                </a:lnTo>
+                <a:lnTo>
+                  <a:pt x="554" y="460"/>
+                </a:lnTo>
+                <a:lnTo>
+                  <a:pt x="569" y="460"/>
+                </a:lnTo>
+                <a:lnTo>
+                  <a:pt x="582" y="460"/>
+                </a:lnTo>
+                <a:lnTo>
+                  <a:pt x="597" y="460"/>
+                </a:lnTo>
+                <a:lnTo>
+                  <a:pt x="612" y="460"/>
+                </a:lnTo>
+                <a:lnTo>
+                  <a:pt x="626" y="460"/>
+                </a:lnTo>
+                <a:lnTo>
+                  <a:pt x="641" y="460"/>
+                </a:lnTo>
+                <a:lnTo>
+                  <a:pt x="656" y="460"/>
+                </a:lnTo>
+                <a:lnTo>
+                  <a:pt x="669" y="474"/>
+                </a:lnTo>
+                <a:lnTo>
+                  <a:pt x="684" y="460"/>
+                </a:lnTo>
+                <a:lnTo>
+                  <a:pt x="699" y="460"/>
+                </a:lnTo>
+                <a:lnTo>
+                  <a:pt x="714" y="460"/>
+                </a:lnTo>
+                <a:lnTo>
+                  <a:pt x="728" y="460"/>
+                </a:lnTo>
+                <a:lnTo>
+                  <a:pt x="743" y="474"/>
+                </a:lnTo>
+                <a:lnTo>
+                  <a:pt x="758" y="486"/>
+                </a:lnTo>
+                <a:lnTo>
+                  <a:pt x="772" y="474"/>
+                </a:lnTo>
+                <a:lnTo>
+                  <a:pt x="787" y="474"/>
+                </a:lnTo>
+                <a:lnTo>
+                  <a:pt x="802" y="448"/>
+                </a:lnTo>
+                <a:lnTo>
+                  <a:pt x="802" y="345"/>
+                </a:lnTo>
+                <a:lnTo>
+                  <a:pt x="815" y="333"/>
+                </a:lnTo>
+                <a:lnTo>
+                  <a:pt x="815" y="282"/>
+                </a:lnTo>
+                <a:lnTo>
+                  <a:pt x="815" y="423"/>
+                </a:lnTo>
+                <a:lnTo>
+                  <a:pt x="830" y="486"/>
+                </a:lnTo>
+                <a:lnTo>
+                  <a:pt x="830" y="962"/>
+                </a:lnTo>
+                <a:lnTo>
+                  <a:pt x="845" y="1013"/>
+                </a:lnTo>
+                <a:lnTo>
+                  <a:pt x="845" y="1219"/>
+                </a:lnTo>
+                <a:lnTo>
+                  <a:pt x="859" y="1205"/>
+                </a:lnTo>
+                <a:lnTo>
+                  <a:pt x="859" y="744"/>
+                </a:lnTo>
+                <a:lnTo>
+                  <a:pt x="874" y="680"/>
+                </a:lnTo>
+                <a:lnTo>
+                  <a:pt x="874" y="409"/>
+                </a:lnTo>
+                <a:lnTo>
+                  <a:pt x="889" y="397"/>
+                </a:lnTo>
+                <a:lnTo>
+                  <a:pt x="889" y="319"/>
+                </a:lnTo>
+                <a:lnTo>
+                  <a:pt x="904" y="307"/>
+                </a:lnTo>
+                <a:lnTo>
+                  <a:pt x="904" y="268"/>
+                </a:lnTo>
+                <a:lnTo>
+                  <a:pt x="917" y="256"/>
+                </a:lnTo>
+                <a:lnTo>
+                  <a:pt x="917" y="229"/>
+                </a:lnTo>
+                <a:lnTo>
+                  <a:pt x="932" y="217"/>
+                </a:lnTo>
+                <a:lnTo>
+                  <a:pt x="932" y="178"/>
+                </a:lnTo>
+                <a:lnTo>
+                  <a:pt x="947" y="166"/>
+                </a:lnTo>
+                <a:lnTo>
+                  <a:pt x="947" y="114"/>
+                </a:lnTo>
+                <a:lnTo>
+                  <a:pt x="961" y="102"/>
+                </a:lnTo>
+                <a:lnTo>
+                  <a:pt x="961" y="37"/>
+                </a:lnTo>
+                <a:lnTo>
+                  <a:pt x="976" y="25"/>
+                </a:lnTo>
+                <a:lnTo>
+                  <a:pt x="991" y="37"/>
+                </a:lnTo>
+                <a:lnTo>
+                  <a:pt x="991" y="76"/>
+                </a:lnTo>
+                <a:lnTo>
+                  <a:pt x="1004" y="88"/>
+                </a:lnTo>
+                <a:lnTo>
+                  <a:pt x="1004" y="217"/>
+                </a:lnTo>
+                <a:lnTo>
+                  <a:pt x="1019" y="229"/>
+                </a:lnTo>
+                <a:lnTo>
+                  <a:pt x="1019" y="333"/>
+                </a:lnTo>
+                <a:lnTo>
+                  <a:pt x="1034" y="345"/>
+                </a:lnTo>
+                <a:lnTo>
+                  <a:pt x="1034" y="397"/>
+                </a:lnTo>
+                <a:lnTo>
+                  <a:pt x="1063" y="423"/>
+                </a:lnTo>
+                <a:lnTo>
+                  <a:pt x="1063" y="435"/>
+                </a:lnTo>
+                <a:lnTo>
+                  <a:pt x="1078" y="448"/>
+                </a:lnTo>
+                <a:lnTo>
+                  <a:pt x="1093" y="448"/>
+                </a:lnTo>
+                <a:lnTo>
+                  <a:pt x="1106" y="435"/>
+                </a:lnTo>
+                <a:lnTo>
+                  <a:pt x="1121" y="435"/>
+                </a:lnTo>
+                <a:lnTo>
+                  <a:pt x="1136" y="423"/>
+                </a:lnTo>
+                <a:lnTo>
+                  <a:pt x="1150" y="423"/>
+                </a:lnTo>
+                <a:lnTo>
+                  <a:pt x="1165" y="435"/>
+                </a:lnTo>
+                <a:lnTo>
+                  <a:pt x="1180" y="435"/>
+                </a:lnTo>
+                <a:lnTo>
+                  <a:pt x="1193" y="448"/>
+                </a:lnTo>
+                <a:lnTo>
+                  <a:pt x="1208" y="448"/>
+                </a:lnTo>
+                <a:lnTo>
+                  <a:pt x="1223" y="460"/>
+                </a:lnTo>
+                <a:lnTo>
+                  <a:pt x="1238" y="460"/>
+                </a:lnTo>
+                <a:lnTo>
+                  <a:pt x="1252" y="460"/>
+                </a:lnTo>
+                <a:lnTo>
+                  <a:pt x="1267" y="460"/>
+                </a:lnTo>
+                <a:lnTo>
+                  <a:pt x="1282" y="460"/>
+                </a:lnTo>
+                <a:lnTo>
+                  <a:pt x="1295" y="474"/>
+                </a:lnTo>
+                <a:lnTo>
+                  <a:pt x="1310" y="474"/>
+                </a:lnTo>
+              </a:path>
+            </a:pathLst>
+          </a:custGeom>
+          <a:noFill/>
+          <a:ln w="25400">
+            <a:solidFill>
+              <a:srgbClr val="0000FF"/>
+            </a:solidFill>
+            <a:prstDash val="solid"/>
+            <a:round/>
+            <a:headEnd/>
+            <a:tailEnd/>
+          </a:ln>
+          <a:extLst>
+            <a:ext uri="{909E8E84-426E-40DD-AFC4-6F175D3DCCD1}">
+              <a14:hiddenFill xmlns:a14="http://schemas.microsoft.com/office/drawing/2010/main">
+                <a:solidFill>
+                  <a:srgbClr val="FFFFFF"/>
+                </a:solidFill>
+              </a14:hiddenFill>
+            </a:ext>
+          </a:extLst>
+        </p:spPr>
+        <p:txBody>
+          <a:bodyPr/>
+          <a:lstStyle/>
+          <a:p>
+            <a:endParaRPr lang="en-GB"/>
+          </a:p>
+        </p:txBody>
+      </p:sp>
+      <p:sp>
+        <p:nvSpPr>
+          <p:cNvPr id="37" name="Freeform 63">
+            <a:extLst>
+              <a:ext uri="{FF2B5EF4-FFF2-40B4-BE49-F238E27FC236}">
+                <a16:creationId xmlns:a16="http://schemas.microsoft.com/office/drawing/2014/main" id="{46BCC8F4-CF20-AEFD-0FBD-6F105E18D997}"/>
+              </a:ext>
+            </a:extLst>
+          </p:cNvPr>
+          <p:cNvSpPr>
+            <a:spLocks/>
+          </p:cNvSpPr>
+          <p:nvPr/>
+        </p:nvSpPr>
+        <p:spPr bwMode="auto">
+          <a:xfrm>
+            <a:off x="6653329" y="3497364"/>
+            <a:ext cx="2125663" cy="906463"/>
+          </a:xfrm>
+          <a:custGeom>
+            <a:avLst/>
+            <a:gdLst>
+              <a:gd name="T0" fmla="*/ 29 w 1542"/>
+              <a:gd name="T1" fmla="*/ 437 h 1142"/>
+              <a:gd name="T2" fmla="*/ 72 w 1542"/>
+              <a:gd name="T3" fmla="*/ 450 h 1142"/>
+              <a:gd name="T4" fmla="*/ 116 w 1542"/>
+              <a:gd name="T5" fmla="*/ 450 h 1142"/>
+              <a:gd name="T6" fmla="*/ 161 w 1542"/>
+              <a:gd name="T7" fmla="*/ 462 h 1142"/>
+              <a:gd name="T8" fmla="*/ 190 w 1542"/>
+              <a:gd name="T9" fmla="*/ 296 h 1142"/>
+              <a:gd name="T10" fmla="*/ 205 w 1542"/>
+              <a:gd name="T11" fmla="*/ 437 h 1142"/>
+              <a:gd name="T12" fmla="*/ 233 w 1542"/>
+              <a:gd name="T13" fmla="*/ 976 h 1142"/>
+              <a:gd name="T14" fmla="*/ 248 w 1542"/>
+              <a:gd name="T15" fmla="*/ 1105 h 1142"/>
+              <a:gd name="T16" fmla="*/ 262 w 1542"/>
+              <a:gd name="T17" fmla="*/ 372 h 1142"/>
+              <a:gd name="T18" fmla="*/ 292 w 1542"/>
+              <a:gd name="T19" fmla="*/ 270 h 1142"/>
+              <a:gd name="T20" fmla="*/ 305 w 1542"/>
+              <a:gd name="T21" fmla="*/ 206 h 1142"/>
+              <a:gd name="T22" fmla="*/ 335 w 1542"/>
+              <a:gd name="T23" fmla="*/ 141 h 1142"/>
+              <a:gd name="T24" fmla="*/ 349 w 1542"/>
+              <a:gd name="T25" fmla="*/ 26 h 1142"/>
+              <a:gd name="T26" fmla="*/ 364 w 1542"/>
+              <a:gd name="T27" fmla="*/ 14 h 1142"/>
+              <a:gd name="T28" fmla="*/ 394 w 1542"/>
+              <a:gd name="T29" fmla="*/ 104 h 1142"/>
+              <a:gd name="T30" fmla="*/ 407 w 1542"/>
+              <a:gd name="T31" fmla="*/ 309 h 1142"/>
+              <a:gd name="T32" fmla="*/ 452 w 1542"/>
+              <a:gd name="T33" fmla="*/ 398 h 1142"/>
+              <a:gd name="T34" fmla="*/ 467 w 1542"/>
+              <a:gd name="T35" fmla="*/ 411 h 1142"/>
+              <a:gd name="T36" fmla="*/ 511 w 1542"/>
+              <a:gd name="T37" fmla="*/ 398 h 1142"/>
+              <a:gd name="T38" fmla="*/ 554 w 1542"/>
+              <a:gd name="T39" fmla="*/ 411 h 1142"/>
+              <a:gd name="T40" fmla="*/ 598 w 1542"/>
+              <a:gd name="T41" fmla="*/ 437 h 1142"/>
+              <a:gd name="T42" fmla="*/ 641 w 1542"/>
+              <a:gd name="T43" fmla="*/ 437 h 1142"/>
+              <a:gd name="T44" fmla="*/ 685 w 1542"/>
+              <a:gd name="T45" fmla="*/ 437 h 1142"/>
+              <a:gd name="T46" fmla="*/ 728 w 1542"/>
+              <a:gd name="T47" fmla="*/ 437 h 1142"/>
+              <a:gd name="T48" fmla="*/ 772 w 1542"/>
+              <a:gd name="T49" fmla="*/ 437 h 1142"/>
+              <a:gd name="T50" fmla="*/ 816 w 1542"/>
+              <a:gd name="T51" fmla="*/ 437 h 1142"/>
+              <a:gd name="T52" fmla="*/ 859 w 1542"/>
+              <a:gd name="T53" fmla="*/ 437 h 1142"/>
+              <a:gd name="T54" fmla="*/ 903 w 1542"/>
+              <a:gd name="T55" fmla="*/ 437 h 1142"/>
+              <a:gd name="T56" fmla="*/ 946 w 1542"/>
+              <a:gd name="T57" fmla="*/ 437 h 1142"/>
+              <a:gd name="T58" fmla="*/ 990 w 1542"/>
+              <a:gd name="T59" fmla="*/ 437 h 1142"/>
+              <a:gd name="T60" fmla="*/ 1033 w 1542"/>
+              <a:gd name="T61" fmla="*/ 437 h 1142"/>
+              <a:gd name="T62" fmla="*/ 1078 w 1542"/>
+              <a:gd name="T63" fmla="*/ 437 h 1142"/>
+              <a:gd name="T64" fmla="*/ 1122 w 1542"/>
+              <a:gd name="T65" fmla="*/ 437 h 1142"/>
+              <a:gd name="T66" fmla="*/ 1165 w 1542"/>
+              <a:gd name="T67" fmla="*/ 437 h 1142"/>
+              <a:gd name="T68" fmla="*/ 1209 w 1542"/>
+              <a:gd name="T69" fmla="*/ 437 h 1142"/>
+              <a:gd name="T70" fmla="*/ 1252 w 1542"/>
+              <a:gd name="T71" fmla="*/ 437 h 1142"/>
+              <a:gd name="T72" fmla="*/ 1296 w 1542"/>
+              <a:gd name="T73" fmla="*/ 437 h 1142"/>
+              <a:gd name="T74" fmla="*/ 1339 w 1542"/>
+              <a:gd name="T75" fmla="*/ 437 h 1142"/>
+              <a:gd name="T76" fmla="*/ 1383 w 1542"/>
+              <a:gd name="T77" fmla="*/ 437 h 1142"/>
+              <a:gd name="T78" fmla="*/ 1426 w 1542"/>
+              <a:gd name="T79" fmla="*/ 437 h 1142"/>
+              <a:gd name="T80" fmla="*/ 1470 w 1542"/>
+              <a:gd name="T81" fmla="*/ 437 h 1142"/>
+              <a:gd name="T82" fmla="*/ 1514 w 1542"/>
+              <a:gd name="T83" fmla="*/ 437 h 1142"/>
+            </a:gdLst>
+            <a:ahLst/>
+            <a:cxnLst>
+              <a:cxn ang="0">
+                <a:pos x="T0" y="T1"/>
+              </a:cxn>
+              <a:cxn ang="0">
+                <a:pos x="T2" y="T3"/>
+              </a:cxn>
+              <a:cxn ang="0">
+                <a:pos x="T4" y="T5"/>
+              </a:cxn>
+              <a:cxn ang="0">
+                <a:pos x="T6" y="T7"/>
+              </a:cxn>
+              <a:cxn ang="0">
+                <a:pos x="T8" y="T9"/>
+              </a:cxn>
+              <a:cxn ang="0">
+                <a:pos x="T10" y="T11"/>
+              </a:cxn>
+              <a:cxn ang="0">
+                <a:pos x="T12" y="T13"/>
+              </a:cxn>
+              <a:cxn ang="0">
+                <a:pos x="T14" y="T15"/>
+              </a:cxn>
+              <a:cxn ang="0">
+                <a:pos x="T16" y="T17"/>
+              </a:cxn>
+              <a:cxn ang="0">
+                <a:pos x="T18" y="T19"/>
+              </a:cxn>
+              <a:cxn ang="0">
+                <a:pos x="T20" y="T21"/>
+              </a:cxn>
+              <a:cxn ang="0">
+                <a:pos x="T22" y="T23"/>
+              </a:cxn>
+              <a:cxn ang="0">
+                <a:pos x="T24" y="T25"/>
+              </a:cxn>
+              <a:cxn ang="0">
+                <a:pos x="T26" y="T27"/>
+              </a:cxn>
+              <a:cxn ang="0">
+                <a:pos x="T28" y="T29"/>
+              </a:cxn>
+              <a:cxn ang="0">
+                <a:pos x="T30" y="T31"/>
+              </a:cxn>
+              <a:cxn ang="0">
+                <a:pos x="T32" y="T33"/>
+              </a:cxn>
+              <a:cxn ang="0">
+                <a:pos x="T34" y="T35"/>
+              </a:cxn>
+              <a:cxn ang="0">
+                <a:pos x="T36" y="T37"/>
+              </a:cxn>
+              <a:cxn ang="0">
+                <a:pos x="T38" y="T39"/>
+              </a:cxn>
+              <a:cxn ang="0">
+                <a:pos x="T40" y="T41"/>
+              </a:cxn>
+              <a:cxn ang="0">
+                <a:pos x="T42" y="T43"/>
+              </a:cxn>
+              <a:cxn ang="0">
+                <a:pos x="T44" y="T45"/>
+              </a:cxn>
+              <a:cxn ang="0">
+                <a:pos x="T46" y="T47"/>
+              </a:cxn>
+              <a:cxn ang="0">
+                <a:pos x="T48" y="T49"/>
+              </a:cxn>
+              <a:cxn ang="0">
+                <a:pos x="T50" y="T51"/>
+              </a:cxn>
+              <a:cxn ang="0">
+                <a:pos x="T52" y="T53"/>
+              </a:cxn>
+              <a:cxn ang="0">
+                <a:pos x="T54" y="T55"/>
+              </a:cxn>
+              <a:cxn ang="0">
+                <a:pos x="T56" y="T57"/>
+              </a:cxn>
+              <a:cxn ang="0">
+                <a:pos x="T58" y="T59"/>
+              </a:cxn>
+              <a:cxn ang="0">
+                <a:pos x="T60" y="T61"/>
+              </a:cxn>
+              <a:cxn ang="0">
+                <a:pos x="T62" y="T63"/>
+              </a:cxn>
+              <a:cxn ang="0">
+                <a:pos x="T64" y="T65"/>
+              </a:cxn>
+              <a:cxn ang="0">
+                <a:pos x="T66" y="T67"/>
+              </a:cxn>
+              <a:cxn ang="0">
+                <a:pos x="T68" y="T69"/>
+              </a:cxn>
+              <a:cxn ang="0">
+                <a:pos x="T70" y="T71"/>
+              </a:cxn>
+              <a:cxn ang="0">
+                <a:pos x="T72" y="T73"/>
+              </a:cxn>
+              <a:cxn ang="0">
+                <a:pos x="T74" y="T75"/>
+              </a:cxn>
+              <a:cxn ang="0">
+                <a:pos x="T76" y="T77"/>
+              </a:cxn>
+              <a:cxn ang="0">
+                <a:pos x="T78" y="T79"/>
+              </a:cxn>
+              <a:cxn ang="0">
+                <a:pos x="T80" y="T81"/>
+              </a:cxn>
+              <a:cxn ang="0">
+                <a:pos x="T82" y="T83"/>
+              </a:cxn>
+            </a:cxnLst>
+            <a:rect l="0" t="0" r="r" b="b"/>
+            <a:pathLst>
+              <a:path w="1542" h="1142">
+                <a:moveTo>
+                  <a:pt x="0" y="437"/>
+                </a:moveTo>
+                <a:lnTo>
+                  <a:pt x="15" y="437"/>
+                </a:lnTo>
+                <a:lnTo>
+                  <a:pt x="29" y="437"/>
+                </a:lnTo>
+                <a:lnTo>
+                  <a:pt x="44" y="450"/>
+                </a:lnTo>
+                <a:lnTo>
+                  <a:pt x="59" y="450"/>
+                </a:lnTo>
+                <a:lnTo>
+                  <a:pt x="72" y="450"/>
+                </a:lnTo>
+                <a:lnTo>
+                  <a:pt x="87" y="437"/>
+                </a:lnTo>
+                <a:lnTo>
+                  <a:pt x="103" y="437"/>
+                </a:lnTo>
+                <a:lnTo>
+                  <a:pt x="116" y="450"/>
+                </a:lnTo>
+                <a:lnTo>
+                  <a:pt x="131" y="462"/>
+                </a:lnTo>
+                <a:lnTo>
+                  <a:pt x="146" y="462"/>
+                </a:lnTo>
+                <a:lnTo>
+                  <a:pt x="161" y="462"/>
+                </a:lnTo>
+                <a:lnTo>
+                  <a:pt x="175" y="450"/>
+                </a:lnTo>
+                <a:lnTo>
+                  <a:pt x="190" y="437"/>
+                </a:lnTo>
+                <a:lnTo>
+                  <a:pt x="190" y="296"/>
+                </a:lnTo>
+                <a:lnTo>
+                  <a:pt x="205" y="270"/>
+                </a:lnTo>
+                <a:lnTo>
+                  <a:pt x="205" y="257"/>
+                </a:lnTo>
+                <a:lnTo>
+                  <a:pt x="205" y="437"/>
+                </a:lnTo>
+                <a:lnTo>
+                  <a:pt x="218" y="501"/>
+                </a:lnTo>
+                <a:lnTo>
+                  <a:pt x="218" y="937"/>
+                </a:lnTo>
+                <a:lnTo>
+                  <a:pt x="233" y="976"/>
+                </a:lnTo>
+                <a:lnTo>
+                  <a:pt x="233" y="1142"/>
+                </a:lnTo>
+                <a:lnTo>
+                  <a:pt x="233" y="1130"/>
+                </a:lnTo>
+                <a:lnTo>
+                  <a:pt x="248" y="1105"/>
+                </a:lnTo>
+                <a:lnTo>
+                  <a:pt x="248" y="655"/>
+                </a:lnTo>
+                <a:lnTo>
+                  <a:pt x="262" y="592"/>
+                </a:lnTo>
+                <a:lnTo>
+                  <a:pt x="262" y="372"/>
+                </a:lnTo>
+                <a:lnTo>
+                  <a:pt x="277" y="360"/>
+                </a:lnTo>
+                <a:lnTo>
+                  <a:pt x="277" y="282"/>
+                </a:lnTo>
+                <a:lnTo>
+                  <a:pt x="292" y="270"/>
+                </a:lnTo>
+                <a:lnTo>
+                  <a:pt x="292" y="245"/>
+                </a:lnTo>
+                <a:lnTo>
+                  <a:pt x="305" y="231"/>
+                </a:lnTo>
+                <a:lnTo>
+                  <a:pt x="305" y="206"/>
+                </a:lnTo>
+                <a:lnTo>
+                  <a:pt x="320" y="194"/>
+                </a:lnTo>
+                <a:lnTo>
+                  <a:pt x="320" y="155"/>
+                </a:lnTo>
+                <a:lnTo>
+                  <a:pt x="335" y="141"/>
+                </a:lnTo>
+                <a:lnTo>
+                  <a:pt x="335" y="78"/>
+                </a:lnTo>
+                <a:lnTo>
+                  <a:pt x="349" y="65"/>
+                </a:lnTo>
+                <a:lnTo>
+                  <a:pt x="349" y="26"/>
+                </a:lnTo>
+                <a:lnTo>
+                  <a:pt x="364" y="14"/>
+                </a:lnTo>
+                <a:lnTo>
+                  <a:pt x="364" y="0"/>
+                </a:lnTo>
+                <a:lnTo>
+                  <a:pt x="364" y="14"/>
+                </a:lnTo>
+                <a:lnTo>
+                  <a:pt x="379" y="26"/>
+                </a:lnTo>
+                <a:lnTo>
+                  <a:pt x="379" y="90"/>
+                </a:lnTo>
+                <a:lnTo>
+                  <a:pt x="394" y="104"/>
+                </a:lnTo>
+                <a:lnTo>
+                  <a:pt x="394" y="219"/>
+                </a:lnTo>
+                <a:lnTo>
+                  <a:pt x="407" y="231"/>
+                </a:lnTo>
+                <a:lnTo>
+                  <a:pt x="407" y="309"/>
+                </a:lnTo>
+                <a:lnTo>
+                  <a:pt x="422" y="321"/>
+                </a:lnTo>
+                <a:lnTo>
+                  <a:pt x="422" y="372"/>
+                </a:lnTo>
+                <a:lnTo>
+                  <a:pt x="452" y="398"/>
+                </a:lnTo>
+                <a:lnTo>
+                  <a:pt x="437" y="398"/>
+                </a:lnTo>
+                <a:lnTo>
+                  <a:pt x="452" y="398"/>
+                </a:lnTo>
+                <a:lnTo>
+                  <a:pt x="467" y="411"/>
+                </a:lnTo>
+                <a:lnTo>
+                  <a:pt x="481" y="411"/>
+                </a:lnTo>
+                <a:lnTo>
+                  <a:pt x="496" y="411"/>
+                </a:lnTo>
+                <a:lnTo>
+                  <a:pt x="511" y="398"/>
+                </a:lnTo>
+                <a:lnTo>
+                  <a:pt x="524" y="398"/>
+                </a:lnTo>
+                <a:lnTo>
+                  <a:pt x="539" y="411"/>
+                </a:lnTo>
+                <a:lnTo>
+                  <a:pt x="554" y="411"/>
+                </a:lnTo>
+                <a:lnTo>
+                  <a:pt x="568" y="423"/>
+                </a:lnTo>
+                <a:lnTo>
+                  <a:pt x="583" y="423"/>
+                </a:lnTo>
+                <a:lnTo>
+                  <a:pt x="598" y="437"/>
+                </a:lnTo>
+                <a:lnTo>
+                  <a:pt x="613" y="437"/>
+                </a:lnTo>
+                <a:lnTo>
+                  <a:pt x="626" y="437"/>
+                </a:lnTo>
+                <a:lnTo>
+                  <a:pt x="641" y="437"/>
+                </a:lnTo>
+                <a:lnTo>
+                  <a:pt x="656" y="437"/>
+                </a:lnTo>
+                <a:lnTo>
+                  <a:pt x="670" y="437"/>
+                </a:lnTo>
+                <a:lnTo>
+                  <a:pt x="685" y="437"/>
+                </a:lnTo>
+                <a:lnTo>
+                  <a:pt x="700" y="437"/>
+                </a:lnTo>
+                <a:lnTo>
+                  <a:pt x="713" y="437"/>
+                </a:lnTo>
+                <a:lnTo>
+                  <a:pt x="728" y="437"/>
+                </a:lnTo>
+                <a:lnTo>
+                  <a:pt x="743" y="437"/>
+                </a:lnTo>
+                <a:lnTo>
+                  <a:pt x="757" y="437"/>
+                </a:lnTo>
+                <a:lnTo>
+                  <a:pt x="772" y="437"/>
+                </a:lnTo>
+                <a:lnTo>
+                  <a:pt x="787" y="437"/>
+                </a:lnTo>
+                <a:lnTo>
+                  <a:pt x="801" y="437"/>
+                </a:lnTo>
+                <a:lnTo>
+                  <a:pt x="816" y="437"/>
+                </a:lnTo>
+                <a:lnTo>
+                  <a:pt x="831" y="437"/>
+                </a:lnTo>
+                <a:lnTo>
+                  <a:pt x="846" y="437"/>
+                </a:lnTo>
+                <a:lnTo>
+                  <a:pt x="859" y="437"/>
+                </a:lnTo>
+                <a:lnTo>
+                  <a:pt x="874" y="437"/>
+                </a:lnTo>
+                <a:lnTo>
+                  <a:pt x="889" y="437"/>
+                </a:lnTo>
+                <a:lnTo>
+                  <a:pt x="903" y="437"/>
+                </a:lnTo>
+                <a:lnTo>
+                  <a:pt x="918" y="437"/>
+                </a:lnTo>
+                <a:lnTo>
+                  <a:pt x="933" y="437"/>
+                </a:lnTo>
+                <a:lnTo>
+                  <a:pt x="946" y="437"/>
+                </a:lnTo>
+                <a:lnTo>
+                  <a:pt x="961" y="437"/>
+                </a:lnTo>
+                <a:lnTo>
+                  <a:pt x="976" y="437"/>
+                </a:lnTo>
+                <a:lnTo>
+                  <a:pt x="990" y="437"/>
+                </a:lnTo>
+                <a:lnTo>
+                  <a:pt x="1005" y="437"/>
+                </a:lnTo>
+                <a:lnTo>
+                  <a:pt x="1020" y="437"/>
+                </a:lnTo>
+                <a:lnTo>
+                  <a:pt x="1033" y="437"/>
+                </a:lnTo>
+                <a:lnTo>
+                  <a:pt x="1048" y="437"/>
+                </a:lnTo>
+                <a:lnTo>
+                  <a:pt x="1063" y="437"/>
+                </a:lnTo>
+                <a:lnTo>
+                  <a:pt x="1078" y="437"/>
+                </a:lnTo>
+                <a:lnTo>
+                  <a:pt x="1092" y="437"/>
+                </a:lnTo>
+                <a:lnTo>
+                  <a:pt x="1107" y="437"/>
+                </a:lnTo>
+                <a:lnTo>
+                  <a:pt x="1122" y="437"/>
+                </a:lnTo>
+                <a:lnTo>
+                  <a:pt x="1135" y="437"/>
+                </a:lnTo>
+                <a:lnTo>
+                  <a:pt x="1150" y="437"/>
+                </a:lnTo>
+                <a:lnTo>
+                  <a:pt x="1165" y="437"/>
+                </a:lnTo>
+                <a:lnTo>
+                  <a:pt x="1179" y="437"/>
+                </a:lnTo>
+                <a:lnTo>
+                  <a:pt x="1194" y="437"/>
+                </a:lnTo>
+                <a:lnTo>
+                  <a:pt x="1209" y="437"/>
+                </a:lnTo>
+                <a:lnTo>
+                  <a:pt x="1222" y="437"/>
+                </a:lnTo>
+                <a:lnTo>
+                  <a:pt x="1237" y="437"/>
+                </a:lnTo>
+                <a:lnTo>
+                  <a:pt x="1252" y="437"/>
+                </a:lnTo>
+                <a:lnTo>
+                  <a:pt x="1266" y="437"/>
+                </a:lnTo>
+                <a:lnTo>
+                  <a:pt x="1281" y="437"/>
+                </a:lnTo>
+                <a:lnTo>
+                  <a:pt x="1296" y="437"/>
+                </a:lnTo>
+                <a:lnTo>
+                  <a:pt x="1311" y="437"/>
+                </a:lnTo>
+                <a:lnTo>
+                  <a:pt x="1324" y="437"/>
+                </a:lnTo>
+                <a:lnTo>
+                  <a:pt x="1339" y="437"/>
+                </a:lnTo>
+                <a:lnTo>
+                  <a:pt x="1354" y="437"/>
+                </a:lnTo>
+                <a:lnTo>
+                  <a:pt x="1368" y="437"/>
+                </a:lnTo>
+                <a:lnTo>
+                  <a:pt x="1383" y="437"/>
+                </a:lnTo>
+                <a:lnTo>
+                  <a:pt x="1398" y="437"/>
+                </a:lnTo>
+                <a:lnTo>
+                  <a:pt x="1411" y="437"/>
+                </a:lnTo>
+                <a:lnTo>
+                  <a:pt x="1426" y="437"/>
+                </a:lnTo>
+                <a:lnTo>
+                  <a:pt x="1441" y="437"/>
+                </a:lnTo>
+                <a:lnTo>
+                  <a:pt x="1455" y="437"/>
+                </a:lnTo>
+                <a:lnTo>
+                  <a:pt x="1470" y="437"/>
+                </a:lnTo>
+                <a:lnTo>
+                  <a:pt x="1485" y="437"/>
+                </a:lnTo>
+                <a:lnTo>
+                  <a:pt x="1499" y="437"/>
+                </a:lnTo>
+                <a:lnTo>
+                  <a:pt x="1514" y="437"/>
+                </a:lnTo>
+                <a:lnTo>
+                  <a:pt x="1529" y="437"/>
+                </a:lnTo>
+                <a:lnTo>
+                  <a:pt x="1542" y="437"/>
+                </a:lnTo>
+              </a:path>
+            </a:pathLst>
+          </a:custGeom>
+          <a:noFill/>
+          <a:ln w="25400">
+            <a:solidFill>
+              <a:srgbClr val="0000FF"/>
+            </a:solidFill>
+            <a:prstDash val="solid"/>
+            <a:round/>
+            <a:headEnd/>
+            <a:tailEnd/>
+          </a:ln>
+          <a:extLst>
+            <a:ext uri="{909E8E84-426E-40DD-AFC4-6F175D3DCCD1}">
+              <a14:hiddenFill xmlns:a14="http://schemas.microsoft.com/office/drawing/2010/main">
+                <a:solidFill>
+                  <a:srgbClr val="FFFFFF"/>
+                </a:solidFill>
+              </a14:hiddenFill>
+            </a:ext>
+          </a:extLst>
+        </p:spPr>
+        <p:txBody>
+          <a:bodyPr/>
+          <a:lstStyle/>
+          <a:p>
+            <a:endParaRPr lang="en-GB"/>
+          </a:p>
+        </p:txBody>
+      </p:sp>
+      <p:sp>
+        <p:nvSpPr>
+          <p:cNvPr id="38" name="Freeform 64">
+            <a:extLst>
+              <a:ext uri="{FF2B5EF4-FFF2-40B4-BE49-F238E27FC236}">
+                <a16:creationId xmlns:a16="http://schemas.microsoft.com/office/drawing/2014/main" id="{2AA22A79-2EB4-6F3C-2DA6-46E6AA1D4E88}"/>
+              </a:ext>
+            </a:extLst>
+          </p:cNvPr>
+          <p:cNvSpPr>
+            <a:spLocks/>
+          </p:cNvSpPr>
+          <p:nvPr/>
+        </p:nvSpPr>
+        <p:spPr bwMode="auto">
+          <a:xfrm>
+            <a:off x="8778992" y="3518002"/>
+            <a:ext cx="1863725" cy="885825"/>
+          </a:xfrm>
+          <a:custGeom>
+            <a:avLst/>
+            <a:gdLst>
+              <a:gd name="T0" fmla="*/ 30 w 1353"/>
+              <a:gd name="T1" fmla="*/ 411 h 1116"/>
+              <a:gd name="T2" fmla="*/ 74 w 1353"/>
+              <a:gd name="T3" fmla="*/ 423 h 1116"/>
+              <a:gd name="T4" fmla="*/ 117 w 1353"/>
+              <a:gd name="T5" fmla="*/ 411 h 1116"/>
+              <a:gd name="T6" fmla="*/ 161 w 1353"/>
+              <a:gd name="T7" fmla="*/ 436 h 1116"/>
+              <a:gd name="T8" fmla="*/ 204 w 1353"/>
+              <a:gd name="T9" fmla="*/ 423 h 1116"/>
+              <a:gd name="T10" fmla="*/ 219 w 1353"/>
+              <a:gd name="T11" fmla="*/ 231 h 1116"/>
+              <a:gd name="T12" fmla="*/ 248 w 1353"/>
+              <a:gd name="T13" fmla="*/ 668 h 1116"/>
+              <a:gd name="T14" fmla="*/ 263 w 1353"/>
+              <a:gd name="T15" fmla="*/ 1091 h 1116"/>
+              <a:gd name="T16" fmla="*/ 278 w 1353"/>
+              <a:gd name="T17" fmla="*/ 474 h 1116"/>
+              <a:gd name="T18" fmla="*/ 306 w 1353"/>
+              <a:gd name="T19" fmla="*/ 282 h 1116"/>
+              <a:gd name="T20" fmla="*/ 321 w 1353"/>
+              <a:gd name="T21" fmla="*/ 205 h 1116"/>
+              <a:gd name="T22" fmla="*/ 350 w 1353"/>
+              <a:gd name="T23" fmla="*/ 154 h 1116"/>
+              <a:gd name="T24" fmla="*/ 365 w 1353"/>
+              <a:gd name="T25" fmla="*/ 39 h 1116"/>
+              <a:gd name="T26" fmla="*/ 408 w 1353"/>
+              <a:gd name="T27" fmla="*/ 25 h 1116"/>
+              <a:gd name="T28" fmla="*/ 422 w 1353"/>
+              <a:gd name="T29" fmla="*/ 244 h 1116"/>
+              <a:gd name="T30" fmla="*/ 452 w 1353"/>
+              <a:gd name="T31" fmla="*/ 333 h 1116"/>
+              <a:gd name="T32" fmla="*/ 480 w 1353"/>
+              <a:gd name="T33" fmla="*/ 385 h 1116"/>
+              <a:gd name="T34" fmla="*/ 524 w 1353"/>
+              <a:gd name="T35" fmla="*/ 385 h 1116"/>
+              <a:gd name="T36" fmla="*/ 567 w 1353"/>
+              <a:gd name="T37" fmla="*/ 385 h 1116"/>
+              <a:gd name="T38" fmla="*/ 611 w 1353"/>
+              <a:gd name="T39" fmla="*/ 411 h 1116"/>
+              <a:gd name="T40" fmla="*/ 655 w 1353"/>
+              <a:gd name="T41" fmla="*/ 423 h 1116"/>
+              <a:gd name="T42" fmla="*/ 698 w 1353"/>
+              <a:gd name="T43" fmla="*/ 423 h 1116"/>
+              <a:gd name="T44" fmla="*/ 743 w 1353"/>
+              <a:gd name="T45" fmla="*/ 436 h 1116"/>
+              <a:gd name="T46" fmla="*/ 787 w 1353"/>
+              <a:gd name="T47" fmla="*/ 423 h 1116"/>
+              <a:gd name="T48" fmla="*/ 830 w 1353"/>
+              <a:gd name="T49" fmla="*/ 423 h 1116"/>
+              <a:gd name="T50" fmla="*/ 874 w 1353"/>
+              <a:gd name="T51" fmla="*/ 436 h 1116"/>
+              <a:gd name="T52" fmla="*/ 902 w 1353"/>
+              <a:gd name="T53" fmla="*/ 295 h 1116"/>
+              <a:gd name="T54" fmla="*/ 917 w 1353"/>
+              <a:gd name="T55" fmla="*/ 321 h 1116"/>
+              <a:gd name="T56" fmla="*/ 946 w 1353"/>
+              <a:gd name="T57" fmla="*/ 924 h 1116"/>
+              <a:gd name="T58" fmla="*/ 961 w 1353"/>
+              <a:gd name="T59" fmla="*/ 732 h 1116"/>
+              <a:gd name="T60" fmla="*/ 989 w 1353"/>
+              <a:gd name="T61" fmla="*/ 346 h 1116"/>
+              <a:gd name="T62" fmla="*/ 1004 w 1353"/>
+              <a:gd name="T63" fmla="*/ 231 h 1116"/>
+              <a:gd name="T64" fmla="*/ 1033 w 1353"/>
+              <a:gd name="T65" fmla="*/ 166 h 1116"/>
+              <a:gd name="T66" fmla="*/ 1048 w 1353"/>
+              <a:gd name="T67" fmla="*/ 64 h 1116"/>
+              <a:gd name="T68" fmla="*/ 1076 w 1353"/>
+              <a:gd name="T69" fmla="*/ 0 h 1116"/>
+              <a:gd name="T70" fmla="*/ 1106 w 1353"/>
+              <a:gd name="T71" fmla="*/ 64 h 1116"/>
+              <a:gd name="T72" fmla="*/ 1120 w 1353"/>
+              <a:gd name="T73" fmla="*/ 282 h 1116"/>
+              <a:gd name="T74" fmla="*/ 1163 w 1353"/>
+              <a:gd name="T75" fmla="*/ 360 h 1116"/>
+              <a:gd name="T76" fmla="*/ 1193 w 1353"/>
+              <a:gd name="T77" fmla="*/ 372 h 1116"/>
+              <a:gd name="T78" fmla="*/ 1237 w 1353"/>
+              <a:gd name="T79" fmla="*/ 360 h 1116"/>
+              <a:gd name="T80" fmla="*/ 1280 w 1353"/>
+              <a:gd name="T81" fmla="*/ 385 h 1116"/>
+              <a:gd name="T82" fmla="*/ 1324 w 1353"/>
+              <a:gd name="T83" fmla="*/ 397 h 1116"/>
+            </a:gdLst>
+            <a:ahLst/>
+            <a:cxnLst>
+              <a:cxn ang="0">
+                <a:pos x="T0" y="T1"/>
+              </a:cxn>
+              <a:cxn ang="0">
+                <a:pos x="T2" y="T3"/>
+              </a:cxn>
+              <a:cxn ang="0">
+                <a:pos x="T4" y="T5"/>
+              </a:cxn>
+              <a:cxn ang="0">
+                <a:pos x="T6" y="T7"/>
+              </a:cxn>
+              <a:cxn ang="0">
+                <a:pos x="T8" y="T9"/>
+              </a:cxn>
+              <a:cxn ang="0">
+                <a:pos x="T10" y="T11"/>
+              </a:cxn>
+              <a:cxn ang="0">
+                <a:pos x="T12" y="T13"/>
+              </a:cxn>
+              <a:cxn ang="0">
+                <a:pos x="T14" y="T15"/>
+              </a:cxn>
+              <a:cxn ang="0">
+                <a:pos x="T16" y="T17"/>
+              </a:cxn>
+              <a:cxn ang="0">
+                <a:pos x="T18" y="T19"/>
+              </a:cxn>
+              <a:cxn ang="0">
+                <a:pos x="T20" y="T21"/>
+              </a:cxn>
+              <a:cxn ang="0">
+                <a:pos x="T22" y="T23"/>
+              </a:cxn>
+              <a:cxn ang="0">
+                <a:pos x="T24" y="T25"/>
+              </a:cxn>
+              <a:cxn ang="0">
+                <a:pos x="T26" y="T27"/>
+              </a:cxn>
+              <a:cxn ang="0">
+                <a:pos x="T28" y="T29"/>
+              </a:cxn>
+              <a:cxn ang="0">
+                <a:pos x="T30" y="T31"/>
+              </a:cxn>
+              <a:cxn ang="0">
+                <a:pos x="T32" y="T33"/>
+              </a:cxn>
+              <a:cxn ang="0">
+                <a:pos x="T34" y="T35"/>
+              </a:cxn>
+              <a:cxn ang="0">
+                <a:pos x="T36" y="T37"/>
+              </a:cxn>
+              <a:cxn ang="0">
+                <a:pos x="T38" y="T39"/>
+              </a:cxn>
+              <a:cxn ang="0">
+                <a:pos x="T40" y="T41"/>
+              </a:cxn>
+              <a:cxn ang="0">
+                <a:pos x="T42" y="T43"/>
+              </a:cxn>
+              <a:cxn ang="0">
+                <a:pos x="T44" y="T45"/>
+              </a:cxn>
+              <a:cxn ang="0">
+                <a:pos x="T46" y="T47"/>
+              </a:cxn>
+              <a:cxn ang="0">
+                <a:pos x="T48" y="T49"/>
+              </a:cxn>
+              <a:cxn ang="0">
+                <a:pos x="T50" y="T51"/>
+              </a:cxn>
+              <a:cxn ang="0">
+                <a:pos x="T52" y="T53"/>
+              </a:cxn>
+              <a:cxn ang="0">
+                <a:pos x="T54" y="T55"/>
+              </a:cxn>
+              <a:cxn ang="0">
+                <a:pos x="T56" y="T57"/>
+              </a:cxn>
+              <a:cxn ang="0">
+                <a:pos x="T58" y="T59"/>
+              </a:cxn>
+              <a:cxn ang="0">
+                <a:pos x="T60" y="T61"/>
+              </a:cxn>
+              <a:cxn ang="0">
+                <a:pos x="T62" y="T63"/>
+              </a:cxn>
+              <a:cxn ang="0">
+                <a:pos x="T64" y="T65"/>
+              </a:cxn>
+              <a:cxn ang="0">
+                <a:pos x="T66" y="T67"/>
+              </a:cxn>
+              <a:cxn ang="0">
+                <a:pos x="T68" y="T69"/>
+              </a:cxn>
+              <a:cxn ang="0">
+                <a:pos x="T70" y="T71"/>
+              </a:cxn>
+              <a:cxn ang="0">
+                <a:pos x="T72" y="T73"/>
+              </a:cxn>
+              <a:cxn ang="0">
+                <a:pos x="T74" y="T75"/>
+              </a:cxn>
+              <a:cxn ang="0">
+                <a:pos x="T76" y="T77"/>
+              </a:cxn>
+              <a:cxn ang="0">
+                <a:pos x="T78" y="T79"/>
+              </a:cxn>
+              <a:cxn ang="0">
+                <a:pos x="T80" y="T81"/>
+              </a:cxn>
+              <a:cxn ang="0">
+                <a:pos x="T82" y="T83"/>
+              </a:cxn>
+            </a:cxnLst>
+            <a:rect l="0" t="0" r="r" b="b"/>
+            <a:pathLst>
+              <a:path w="1353" h="1116">
+                <a:moveTo>
+                  <a:pt x="0" y="411"/>
+                </a:moveTo>
+                <a:lnTo>
+                  <a:pt x="15" y="411"/>
+                </a:lnTo>
+                <a:lnTo>
+                  <a:pt x="30" y="411"/>
+                </a:lnTo>
+                <a:lnTo>
+                  <a:pt x="45" y="423"/>
+                </a:lnTo>
+                <a:lnTo>
+                  <a:pt x="59" y="423"/>
+                </a:lnTo>
+                <a:lnTo>
+                  <a:pt x="74" y="423"/>
+                </a:lnTo>
+                <a:lnTo>
+                  <a:pt x="89" y="423"/>
+                </a:lnTo>
+                <a:lnTo>
+                  <a:pt x="102" y="411"/>
+                </a:lnTo>
+                <a:lnTo>
+                  <a:pt x="117" y="411"/>
+                </a:lnTo>
+                <a:lnTo>
+                  <a:pt x="132" y="411"/>
+                </a:lnTo>
+                <a:lnTo>
+                  <a:pt x="146" y="423"/>
+                </a:lnTo>
+                <a:lnTo>
+                  <a:pt x="161" y="436"/>
+                </a:lnTo>
+                <a:lnTo>
+                  <a:pt x="176" y="436"/>
+                </a:lnTo>
+                <a:lnTo>
+                  <a:pt x="189" y="436"/>
+                </a:lnTo>
+                <a:lnTo>
+                  <a:pt x="204" y="423"/>
+                </a:lnTo>
+                <a:lnTo>
+                  <a:pt x="204" y="372"/>
+                </a:lnTo>
+                <a:lnTo>
+                  <a:pt x="219" y="346"/>
+                </a:lnTo>
+                <a:lnTo>
+                  <a:pt x="219" y="231"/>
+                </a:lnTo>
+                <a:lnTo>
+                  <a:pt x="233" y="231"/>
+                </a:lnTo>
+                <a:lnTo>
+                  <a:pt x="233" y="603"/>
+                </a:lnTo>
+                <a:lnTo>
+                  <a:pt x="248" y="668"/>
+                </a:lnTo>
+                <a:lnTo>
+                  <a:pt x="248" y="1014"/>
+                </a:lnTo>
+                <a:lnTo>
+                  <a:pt x="263" y="1052"/>
+                </a:lnTo>
+                <a:lnTo>
+                  <a:pt x="263" y="1091"/>
+                </a:lnTo>
+                <a:lnTo>
+                  <a:pt x="263" y="975"/>
+                </a:lnTo>
+                <a:lnTo>
+                  <a:pt x="278" y="911"/>
+                </a:lnTo>
+                <a:lnTo>
+                  <a:pt x="278" y="474"/>
+                </a:lnTo>
+                <a:lnTo>
+                  <a:pt x="291" y="448"/>
+                </a:lnTo>
+                <a:lnTo>
+                  <a:pt x="291" y="295"/>
+                </a:lnTo>
+                <a:lnTo>
+                  <a:pt x="306" y="282"/>
+                </a:lnTo>
+                <a:lnTo>
+                  <a:pt x="306" y="244"/>
+                </a:lnTo>
+                <a:lnTo>
+                  <a:pt x="321" y="231"/>
+                </a:lnTo>
+                <a:lnTo>
+                  <a:pt x="321" y="205"/>
+                </a:lnTo>
+                <a:lnTo>
+                  <a:pt x="335" y="192"/>
+                </a:lnTo>
+                <a:lnTo>
+                  <a:pt x="335" y="166"/>
+                </a:lnTo>
+                <a:lnTo>
+                  <a:pt x="350" y="154"/>
+                </a:lnTo>
+                <a:lnTo>
+                  <a:pt x="350" y="102"/>
+                </a:lnTo>
+                <a:lnTo>
+                  <a:pt x="365" y="90"/>
+                </a:lnTo>
+                <a:lnTo>
+                  <a:pt x="365" y="39"/>
+                </a:lnTo>
+                <a:lnTo>
+                  <a:pt x="378" y="25"/>
+                </a:lnTo>
+                <a:lnTo>
+                  <a:pt x="378" y="0"/>
+                </a:lnTo>
+                <a:lnTo>
+                  <a:pt x="408" y="25"/>
+                </a:lnTo>
+                <a:lnTo>
+                  <a:pt x="408" y="115"/>
+                </a:lnTo>
+                <a:lnTo>
+                  <a:pt x="422" y="141"/>
+                </a:lnTo>
+                <a:lnTo>
+                  <a:pt x="422" y="244"/>
+                </a:lnTo>
+                <a:lnTo>
+                  <a:pt x="437" y="256"/>
+                </a:lnTo>
+                <a:lnTo>
+                  <a:pt x="437" y="321"/>
+                </a:lnTo>
+                <a:lnTo>
+                  <a:pt x="452" y="333"/>
+                </a:lnTo>
+                <a:lnTo>
+                  <a:pt x="452" y="360"/>
+                </a:lnTo>
+                <a:lnTo>
+                  <a:pt x="465" y="372"/>
+                </a:lnTo>
+                <a:lnTo>
+                  <a:pt x="480" y="385"/>
+                </a:lnTo>
+                <a:lnTo>
+                  <a:pt x="495" y="397"/>
+                </a:lnTo>
+                <a:lnTo>
+                  <a:pt x="510" y="397"/>
+                </a:lnTo>
+                <a:lnTo>
+                  <a:pt x="524" y="385"/>
+                </a:lnTo>
+                <a:lnTo>
+                  <a:pt x="539" y="385"/>
+                </a:lnTo>
+                <a:lnTo>
+                  <a:pt x="554" y="385"/>
+                </a:lnTo>
+                <a:lnTo>
+                  <a:pt x="567" y="385"/>
+                </a:lnTo>
+                <a:lnTo>
+                  <a:pt x="582" y="397"/>
+                </a:lnTo>
+                <a:lnTo>
+                  <a:pt x="597" y="411"/>
+                </a:lnTo>
+                <a:lnTo>
+                  <a:pt x="611" y="411"/>
+                </a:lnTo>
+                <a:lnTo>
+                  <a:pt x="626" y="411"/>
+                </a:lnTo>
+                <a:lnTo>
+                  <a:pt x="641" y="423"/>
+                </a:lnTo>
+                <a:lnTo>
+                  <a:pt x="655" y="423"/>
+                </a:lnTo>
+                <a:lnTo>
+                  <a:pt x="670" y="423"/>
+                </a:lnTo>
+                <a:lnTo>
+                  <a:pt x="685" y="423"/>
+                </a:lnTo>
+                <a:lnTo>
+                  <a:pt x="698" y="423"/>
+                </a:lnTo>
+                <a:lnTo>
+                  <a:pt x="713" y="423"/>
+                </a:lnTo>
+                <a:lnTo>
+                  <a:pt x="728" y="423"/>
+                </a:lnTo>
+                <a:lnTo>
+                  <a:pt x="743" y="436"/>
+                </a:lnTo>
+                <a:lnTo>
+                  <a:pt x="757" y="436"/>
+                </a:lnTo>
+                <a:lnTo>
+                  <a:pt x="772" y="436"/>
+                </a:lnTo>
+                <a:lnTo>
+                  <a:pt x="787" y="423"/>
+                </a:lnTo>
+                <a:lnTo>
+                  <a:pt x="800" y="423"/>
+                </a:lnTo>
+                <a:lnTo>
+                  <a:pt x="815" y="423"/>
+                </a:lnTo>
+                <a:lnTo>
+                  <a:pt x="830" y="423"/>
+                </a:lnTo>
+                <a:lnTo>
+                  <a:pt x="844" y="436"/>
+                </a:lnTo>
+                <a:lnTo>
+                  <a:pt x="859" y="436"/>
+                </a:lnTo>
+                <a:lnTo>
+                  <a:pt x="874" y="436"/>
+                </a:lnTo>
+                <a:lnTo>
+                  <a:pt x="887" y="423"/>
+                </a:lnTo>
+                <a:lnTo>
+                  <a:pt x="902" y="411"/>
+                </a:lnTo>
+                <a:lnTo>
+                  <a:pt x="902" y="295"/>
+                </a:lnTo>
+                <a:lnTo>
+                  <a:pt x="917" y="270"/>
+                </a:lnTo>
+                <a:lnTo>
+                  <a:pt x="917" y="231"/>
+                </a:lnTo>
+                <a:lnTo>
+                  <a:pt x="917" y="321"/>
+                </a:lnTo>
+                <a:lnTo>
+                  <a:pt x="931" y="385"/>
+                </a:lnTo>
+                <a:lnTo>
+                  <a:pt x="931" y="885"/>
+                </a:lnTo>
+                <a:lnTo>
+                  <a:pt x="946" y="924"/>
+                </a:lnTo>
+                <a:lnTo>
+                  <a:pt x="946" y="1116"/>
+                </a:lnTo>
+                <a:lnTo>
+                  <a:pt x="961" y="1116"/>
+                </a:lnTo>
+                <a:lnTo>
+                  <a:pt x="961" y="732"/>
+                </a:lnTo>
+                <a:lnTo>
+                  <a:pt x="974" y="654"/>
+                </a:lnTo>
+                <a:lnTo>
+                  <a:pt x="974" y="360"/>
+                </a:lnTo>
+                <a:lnTo>
+                  <a:pt x="989" y="346"/>
+                </a:lnTo>
+                <a:lnTo>
+                  <a:pt x="989" y="270"/>
+                </a:lnTo>
+                <a:lnTo>
+                  <a:pt x="1004" y="256"/>
+                </a:lnTo>
+                <a:lnTo>
+                  <a:pt x="1004" y="231"/>
+                </a:lnTo>
+                <a:lnTo>
+                  <a:pt x="1019" y="217"/>
+                </a:lnTo>
+                <a:lnTo>
+                  <a:pt x="1019" y="180"/>
+                </a:lnTo>
+                <a:lnTo>
+                  <a:pt x="1033" y="166"/>
+                </a:lnTo>
+                <a:lnTo>
+                  <a:pt x="1033" y="129"/>
+                </a:lnTo>
+                <a:lnTo>
+                  <a:pt x="1048" y="115"/>
+                </a:lnTo>
+                <a:lnTo>
+                  <a:pt x="1048" y="64"/>
+                </a:lnTo>
+                <a:lnTo>
+                  <a:pt x="1063" y="51"/>
+                </a:lnTo>
+                <a:lnTo>
+                  <a:pt x="1063" y="13"/>
+                </a:lnTo>
+                <a:lnTo>
+                  <a:pt x="1076" y="0"/>
+                </a:lnTo>
+                <a:lnTo>
+                  <a:pt x="1091" y="13"/>
+                </a:lnTo>
+                <a:lnTo>
+                  <a:pt x="1091" y="51"/>
+                </a:lnTo>
+                <a:lnTo>
+                  <a:pt x="1106" y="64"/>
+                </a:lnTo>
+                <a:lnTo>
+                  <a:pt x="1106" y="166"/>
+                </a:lnTo>
+                <a:lnTo>
+                  <a:pt x="1120" y="180"/>
+                </a:lnTo>
+                <a:lnTo>
+                  <a:pt x="1120" y="282"/>
+                </a:lnTo>
+                <a:lnTo>
+                  <a:pt x="1135" y="295"/>
+                </a:lnTo>
+                <a:lnTo>
+                  <a:pt x="1135" y="333"/>
+                </a:lnTo>
+                <a:lnTo>
+                  <a:pt x="1163" y="360"/>
+                </a:lnTo>
+                <a:lnTo>
+                  <a:pt x="1163" y="372"/>
+                </a:lnTo>
+                <a:lnTo>
+                  <a:pt x="1178" y="372"/>
+                </a:lnTo>
+                <a:lnTo>
+                  <a:pt x="1193" y="372"/>
+                </a:lnTo>
+                <a:lnTo>
+                  <a:pt x="1207" y="372"/>
+                </a:lnTo>
+                <a:lnTo>
+                  <a:pt x="1222" y="360"/>
+                </a:lnTo>
+                <a:lnTo>
+                  <a:pt x="1237" y="360"/>
+                </a:lnTo>
+                <a:lnTo>
+                  <a:pt x="1252" y="360"/>
+                </a:lnTo>
+                <a:lnTo>
+                  <a:pt x="1265" y="372"/>
+                </a:lnTo>
+                <a:lnTo>
+                  <a:pt x="1280" y="385"/>
+                </a:lnTo>
+                <a:lnTo>
+                  <a:pt x="1296" y="385"/>
+                </a:lnTo>
+                <a:lnTo>
+                  <a:pt x="1309" y="397"/>
+                </a:lnTo>
+                <a:lnTo>
+                  <a:pt x="1324" y="397"/>
+                </a:lnTo>
+                <a:lnTo>
+                  <a:pt x="1339" y="397"/>
+                </a:lnTo>
+                <a:lnTo>
+                  <a:pt x="1353" y="411"/>
+                </a:lnTo>
+              </a:path>
+            </a:pathLst>
+          </a:custGeom>
+          <a:noFill/>
+          <a:ln w="25400">
+            <a:solidFill>
+              <a:srgbClr val="0000FF"/>
+            </a:solidFill>
+            <a:prstDash val="solid"/>
+            <a:round/>
+            <a:headEnd/>
+            <a:tailEnd/>
+          </a:ln>
+          <a:extLst>
+            <a:ext uri="{909E8E84-426E-40DD-AFC4-6F175D3DCCD1}">
+              <a14:hiddenFill xmlns:a14="http://schemas.microsoft.com/office/drawing/2010/main">
+                <a:solidFill>
+                  <a:srgbClr val="FFFFFF"/>
+                </a:solidFill>
+              </a14:hiddenFill>
+            </a:ext>
+          </a:extLst>
+        </p:spPr>
+        <p:txBody>
+          <a:bodyPr/>
+          <a:lstStyle/>
+          <a:p>
+            <a:endParaRPr lang="en-GB"/>
+          </a:p>
+        </p:txBody>
+      </p:sp>
+      <p:pic>
+        <p:nvPicPr>
+          <p:cNvPr id="39" name="Picture 38">
+            <a:extLst>
+              <a:ext uri="{FF2B5EF4-FFF2-40B4-BE49-F238E27FC236}">
+                <a16:creationId xmlns:a16="http://schemas.microsoft.com/office/drawing/2014/main" id="{4B26A1F2-CC3D-6654-E884-086EA9AC7670}"/>
+              </a:ext>
+            </a:extLst>
+          </p:cNvPr>
+          <p:cNvPicPr>
+            <a:picLocks noChangeAspect="1"/>
+          </p:cNvPicPr>
+          <p:nvPr/>
+        </p:nvPicPr>
+        <p:blipFill>
+          <a:blip r:embed="rId7"/>
+          <a:stretch>
+            <a:fillRect/>
+          </a:stretch>
+        </p:blipFill>
+        <p:spPr>
+          <a:xfrm>
+            <a:off x="4885998" y="4599130"/>
+            <a:ext cx="4588894" cy="1484858"/>
+          </a:xfrm>
+          <a:prstGeom prst="rect">
+            <a:avLst/>
+          </a:prstGeom>
+        </p:spPr>
+      </p:pic>
+    </p:spTree>
+    <p:extLst>
+      <p:ext uri="{BB962C8B-B14F-4D97-AF65-F5344CB8AC3E}">
+        <p14:creationId xmlns:p14="http://schemas.microsoft.com/office/powerpoint/2010/main" val="3623936753"/>
+      </p:ext>
+    </p:extLst>
+  </p:cSld>
+  <p:clrMapOvr>
+    <a:masterClrMapping/>
+  </p:clrMapOvr>
+</p:sld>
+</file>
+
 <file path=ppt/theme/theme1.xml><?xml version="1.0" encoding="utf-8"?>
 <a:theme xmlns:a="http://schemas.openxmlformats.org/drawingml/2006/main" name="Office Theme">
   <a:themeElements>

--- a/ECML-2024/Slides/part1_introduction.pptx
+++ b/ECML-2024/Slides/part1_introduction.pptx
@@ -2763,7 +2763,7 @@
           <a:p>
             <a:fld id="{A208CC58-AEBA-4B81-AD4F-648E402612BD}" type="datetimeFigureOut">
               <a:rPr lang="en-GB" smtClean="0"/>
-              <a:t>07/09/2024</a:t>
+              <a:t>09/09/2024</a:t>
             </a:fld>
             <a:endParaRPr lang="en-GB"/>
           </a:p>
@@ -3302,7 +3302,7 @@
           <a:p>
             <a:fld id="{EDEC158B-FB0A-43FC-87BA-79B801717EB2}" type="datetimeFigureOut">
               <a:rPr lang="en-AU" smtClean="0"/>
-              <a:t>7/09/2024</a:t>
+              <a:t>9/09/2024</a:t>
             </a:fld>
             <a:endParaRPr lang="en-AU"/>
           </a:p>
@@ -3502,7 +3502,7 @@
           <a:p>
             <a:fld id="{EDEC158B-FB0A-43FC-87BA-79B801717EB2}" type="datetimeFigureOut">
               <a:rPr lang="en-AU" smtClean="0"/>
-              <a:t>7/09/2024</a:t>
+              <a:t>9/09/2024</a:t>
             </a:fld>
             <a:endParaRPr lang="en-AU"/>
           </a:p>
@@ -3712,7 +3712,7 @@
           <a:p>
             <a:fld id="{EDEC158B-FB0A-43FC-87BA-79B801717EB2}" type="datetimeFigureOut">
               <a:rPr lang="en-AU" smtClean="0"/>
-              <a:t>7/09/2024</a:t>
+              <a:t>9/09/2024</a:t>
             </a:fld>
             <a:endParaRPr lang="en-AU"/>
           </a:p>
@@ -4292,7 +4292,7 @@
           <a:p>
             <a:fld id="{EDEC158B-FB0A-43FC-87BA-79B801717EB2}" type="datetimeFigureOut">
               <a:rPr lang="en-AU" smtClean="0"/>
-              <a:t>7/09/2024</a:t>
+              <a:t>9/09/2024</a:t>
             </a:fld>
             <a:endParaRPr lang="en-AU"/>
           </a:p>
@@ -4568,7 +4568,7 @@
           <a:p>
             <a:fld id="{EDEC158B-FB0A-43FC-87BA-79B801717EB2}" type="datetimeFigureOut">
               <a:rPr lang="en-AU" smtClean="0"/>
-              <a:t>7/09/2024</a:t>
+              <a:t>9/09/2024</a:t>
             </a:fld>
             <a:endParaRPr lang="en-AU"/>
           </a:p>
@@ -4836,7 +4836,7 @@
           <a:p>
             <a:fld id="{EDEC158B-FB0A-43FC-87BA-79B801717EB2}" type="datetimeFigureOut">
               <a:rPr lang="en-AU" smtClean="0"/>
-              <a:t>7/09/2024</a:t>
+              <a:t>9/09/2024</a:t>
             </a:fld>
             <a:endParaRPr lang="en-AU"/>
           </a:p>
@@ -5251,7 +5251,7 @@
           <a:p>
             <a:fld id="{EDEC158B-FB0A-43FC-87BA-79B801717EB2}" type="datetimeFigureOut">
               <a:rPr lang="en-AU" smtClean="0"/>
-              <a:t>7/09/2024</a:t>
+              <a:t>9/09/2024</a:t>
             </a:fld>
             <a:endParaRPr lang="en-AU"/>
           </a:p>
@@ -5393,7 +5393,7 @@
           <a:p>
             <a:fld id="{EDEC158B-FB0A-43FC-87BA-79B801717EB2}" type="datetimeFigureOut">
               <a:rPr lang="en-AU" smtClean="0"/>
-              <a:t>7/09/2024</a:t>
+              <a:t>9/09/2024</a:t>
             </a:fld>
             <a:endParaRPr lang="en-AU"/>
           </a:p>
@@ -5506,7 +5506,7 @@
           <a:p>
             <a:fld id="{EDEC158B-FB0A-43FC-87BA-79B801717EB2}" type="datetimeFigureOut">
               <a:rPr lang="en-AU" smtClean="0"/>
-              <a:t>7/09/2024</a:t>
+              <a:t>9/09/2024</a:t>
             </a:fld>
             <a:endParaRPr lang="en-AU"/>
           </a:p>
@@ -5819,7 +5819,7 @@
           <a:p>
             <a:fld id="{EDEC158B-FB0A-43FC-87BA-79B801717EB2}" type="datetimeFigureOut">
               <a:rPr lang="en-AU" smtClean="0"/>
-              <a:t>7/09/2024</a:t>
+              <a:t>9/09/2024</a:t>
             </a:fld>
             <a:endParaRPr lang="en-AU"/>
           </a:p>
@@ -6108,7 +6108,7 @@
           <a:p>
             <a:fld id="{EDEC158B-FB0A-43FC-87BA-79B801717EB2}" type="datetimeFigureOut">
               <a:rPr lang="en-AU" smtClean="0"/>
-              <a:t>7/09/2024</a:t>
+              <a:t>9/09/2024</a:t>
             </a:fld>
             <a:endParaRPr lang="en-AU"/>
           </a:p>
@@ -6351,7 +6351,7 @@
           <a:p>
             <a:fld id="{EDEC158B-FB0A-43FC-87BA-79B801717EB2}" type="datetimeFigureOut">
               <a:rPr lang="en-AU" smtClean="0"/>
-              <a:t>7/09/2024</a:t>
+              <a:t>9/09/2024</a:t>
             </a:fld>
             <a:endParaRPr lang="en-AU"/>
           </a:p>
@@ -7832,7 +7832,7 @@
         </p:blipFill>
         <p:spPr>
           <a:xfrm>
-            <a:off x="7547479" y="5142058"/>
+            <a:off x="7707817" y="5122057"/>
             <a:ext cx="1857318" cy="681516"/>
           </a:xfrm>
           <a:prstGeom prst="rect">
